--- a/trunk/stm/documents/TAC/Jan10/STM_TAC_Jan10_jamiea.pptx
+++ b/trunk/stm/documents/TAC/Jan10/STM_TAC_Jan10_jamiea.pptx
@@ -5,10 +5,10 @@
     <p:sldMasterId id="2147483648" r:id="rId1"/>
   </p:sldMasterIdLst>
   <p:notesMasterIdLst>
-    <p:notesMasterId r:id="rId36"/>
+    <p:notesMasterId r:id="rId39"/>
   </p:notesMasterIdLst>
   <p:handoutMasterIdLst>
-    <p:handoutMasterId r:id="rId37"/>
+    <p:handoutMasterId r:id="rId40"/>
   </p:handoutMasterIdLst>
   <p:sldIdLst>
     <p:sldId id="591" r:id="rId2"/>
@@ -27,24 +27,27 @@
     <p:sldId id="645" r:id="rId15"/>
     <p:sldId id="639" r:id="rId16"/>
     <p:sldId id="632" r:id="rId17"/>
-    <p:sldId id="633" r:id="rId18"/>
-    <p:sldId id="642" r:id="rId19"/>
-    <p:sldId id="625" r:id="rId20"/>
-    <p:sldId id="636" r:id="rId21"/>
-    <p:sldId id="627" r:id="rId22"/>
-    <p:sldId id="631" r:id="rId23"/>
-    <p:sldId id="638" r:id="rId24"/>
-    <p:sldId id="637" r:id="rId25"/>
-    <p:sldId id="629" r:id="rId26"/>
-    <p:sldId id="613" r:id="rId27"/>
-    <p:sldId id="604" r:id="rId28"/>
-    <p:sldId id="601" r:id="rId29"/>
-    <p:sldId id="602" r:id="rId30"/>
-    <p:sldId id="608" r:id="rId31"/>
-    <p:sldId id="610" r:id="rId32"/>
-    <p:sldId id="609" r:id="rId33"/>
-    <p:sldId id="619" r:id="rId34"/>
-    <p:sldId id="628" r:id="rId35"/>
+    <p:sldId id="646" r:id="rId18"/>
+    <p:sldId id="633" r:id="rId19"/>
+    <p:sldId id="647" r:id="rId20"/>
+    <p:sldId id="648" r:id="rId21"/>
+    <p:sldId id="642" r:id="rId22"/>
+    <p:sldId id="625" r:id="rId23"/>
+    <p:sldId id="636" r:id="rId24"/>
+    <p:sldId id="627" r:id="rId25"/>
+    <p:sldId id="631" r:id="rId26"/>
+    <p:sldId id="637" r:id="rId27"/>
+    <p:sldId id="629" r:id="rId28"/>
+    <p:sldId id="613" r:id="rId29"/>
+    <p:sldId id="638" r:id="rId30"/>
+    <p:sldId id="604" r:id="rId31"/>
+    <p:sldId id="601" r:id="rId32"/>
+    <p:sldId id="602" r:id="rId33"/>
+    <p:sldId id="608" r:id="rId34"/>
+    <p:sldId id="610" r:id="rId35"/>
+    <p:sldId id="609" r:id="rId36"/>
+    <p:sldId id="619" r:id="rId37"/>
+    <p:sldId id="628" r:id="rId38"/>
   </p:sldIdLst>
   <p:sldSz cx="9144000" cy="6858000" type="screen4x3"/>
   <p:notesSz cx="7010400" cy="9296400"/>
@@ -852,7 +855,7 @@
             <a:fld id="{38606544-13AE-4065-AB5A-64CABEC6B17D}" type="slidenum">
               <a:rPr lang="en-US"/>
               <a:pPr/>
-              <a:t>30</a:t>
+              <a:t>33</a:t>
             </a:fld>
             <a:endParaRPr lang="en-US"/>
           </a:p>
@@ -4769,6 +4772,475 @@
   <p:clrMapOvr>
     <a:masterClrMapping/>
   </p:clrMapOvr>
+  <p:timing>
+    <p:tnLst>
+      <p:par>
+        <p:cTn id="1" dur="indefinite" restart="never" nodeType="tmRoot">
+          <p:childTnLst>
+            <p:seq concurrent="1" nextAc="seek">
+              <p:cTn id="2" dur="indefinite" nodeType="mainSeq">
+                <p:childTnLst>
+                  <p:par>
+                    <p:cTn id="3" fill="hold">
+                      <p:stCondLst>
+                        <p:cond delay="indefinite"/>
+                      </p:stCondLst>
+                      <p:childTnLst>
+                        <p:par>
+                          <p:cTn id="4" fill="hold">
+                            <p:stCondLst>
+                              <p:cond delay="0"/>
+                            </p:stCondLst>
+                            <p:childTnLst>
+                              <p:par>
+                                <p:cTn id="5" presetID="1" presetClass="entr" presetSubtype="0" fill="hold" grpId="0" nodeType="clickEffect">
+                                  <p:stCondLst>
+                                    <p:cond delay="0"/>
+                                  </p:stCondLst>
+                                  <p:childTnLst>
+                                    <p:set>
+                                      <p:cBhvr>
+                                        <p:cTn id="6" dur="1" fill="hold">
+                                          <p:stCondLst>
+                                            <p:cond delay="0"/>
+                                          </p:stCondLst>
+                                        </p:cTn>
+                                        <p:tgtEl>
+                                          <p:spTgt spid="6">
+                                            <p:txEl>
+                                              <p:pRg st="0" end="0"/>
+                                            </p:txEl>
+                                          </p:spTgt>
+                                        </p:tgtEl>
+                                        <p:attrNameLst>
+                                          <p:attrName>style.visibility</p:attrName>
+                                        </p:attrNameLst>
+                                      </p:cBhvr>
+                                      <p:to>
+                                        <p:strVal val="visible"/>
+                                      </p:to>
+                                    </p:set>
+                                  </p:childTnLst>
+                                </p:cTn>
+                              </p:par>
+                            </p:childTnLst>
+                          </p:cTn>
+                        </p:par>
+                      </p:childTnLst>
+                    </p:cTn>
+                  </p:par>
+                  <p:par>
+                    <p:cTn id="7" fill="hold">
+                      <p:stCondLst>
+                        <p:cond delay="indefinite"/>
+                      </p:stCondLst>
+                      <p:childTnLst>
+                        <p:par>
+                          <p:cTn id="8" fill="hold">
+                            <p:stCondLst>
+                              <p:cond delay="0"/>
+                            </p:stCondLst>
+                            <p:childTnLst>
+                              <p:par>
+                                <p:cTn id="9" presetID="1" presetClass="entr" presetSubtype="0" fill="hold" grpId="0" nodeType="clickEffect">
+                                  <p:stCondLst>
+                                    <p:cond delay="0"/>
+                                  </p:stCondLst>
+                                  <p:childTnLst>
+                                    <p:set>
+                                      <p:cBhvr>
+                                        <p:cTn id="10" dur="1" fill="hold">
+                                          <p:stCondLst>
+                                            <p:cond delay="0"/>
+                                          </p:stCondLst>
+                                        </p:cTn>
+                                        <p:tgtEl>
+                                          <p:spTgt spid="6">
+                                            <p:txEl>
+                                              <p:pRg st="1" end="1"/>
+                                            </p:txEl>
+                                          </p:spTgt>
+                                        </p:tgtEl>
+                                        <p:attrNameLst>
+                                          <p:attrName>style.visibility</p:attrName>
+                                        </p:attrNameLst>
+                                      </p:cBhvr>
+                                      <p:to>
+                                        <p:strVal val="visible"/>
+                                      </p:to>
+                                    </p:set>
+                                  </p:childTnLst>
+                                </p:cTn>
+                              </p:par>
+                            </p:childTnLst>
+                          </p:cTn>
+                        </p:par>
+                      </p:childTnLst>
+                    </p:cTn>
+                  </p:par>
+                  <p:par>
+                    <p:cTn id="11" fill="hold">
+                      <p:stCondLst>
+                        <p:cond delay="indefinite"/>
+                      </p:stCondLst>
+                      <p:childTnLst>
+                        <p:par>
+                          <p:cTn id="12" fill="hold">
+                            <p:stCondLst>
+                              <p:cond delay="0"/>
+                            </p:stCondLst>
+                            <p:childTnLst>
+                              <p:par>
+                                <p:cTn id="13" presetID="1" presetClass="entr" presetSubtype="0" fill="hold" grpId="0" nodeType="clickEffect">
+                                  <p:stCondLst>
+                                    <p:cond delay="0"/>
+                                  </p:stCondLst>
+                                  <p:childTnLst>
+                                    <p:set>
+                                      <p:cBhvr>
+                                        <p:cTn id="14" dur="1" fill="hold">
+                                          <p:stCondLst>
+                                            <p:cond delay="0"/>
+                                          </p:stCondLst>
+                                        </p:cTn>
+                                        <p:tgtEl>
+                                          <p:spTgt spid="6">
+                                            <p:txEl>
+                                              <p:pRg st="2" end="2"/>
+                                            </p:txEl>
+                                          </p:spTgt>
+                                        </p:tgtEl>
+                                        <p:attrNameLst>
+                                          <p:attrName>style.visibility</p:attrName>
+                                        </p:attrNameLst>
+                                      </p:cBhvr>
+                                      <p:to>
+                                        <p:strVal val="visible"/>
+                                      </p:to>
+                                    </p:set>
+                                  </p:childTnLst>
+                                </p:cTn>
+                              </p:par>
+                            </p:childTnLst>
+                          </p:cTn>
+                        </p:par>
+                      </p:childTnLst>
+                    </p:cTn>
+                  </p:par>
+                  <p:par>
+                    <p:cTn id="15" fill="hold">
+                      <p:stCondLst>
+                        <p:cond delay="indefinite"/>
+                      </p:stCondLst>
+                      <p:childTnLst>
+                        <p:par>
+                          <p:cTn id="16" fill="hold">
+                            <p:stCondLst>
+                              <p:cond delay="0"/>
+                            </p:stCondLst>
+                            <p:childTnLst>
+                              <p:par>
+                                <p:cTn id="17" presetID="1" presetClass="entr" presetSubtype="0" fill="hold" grpId="0" nodeType="clickEffect">
+                                  <p:stCondLst>
+                                    <p:cond delay="0"/>
+                                  </p:stCondLst>
+                                  <p:childTnLst>
+                                    <p:set>
+                                      <p:cBhvr>
+                                        <p:cTn id="18" dur="1" fill="hold">
+                                          <p:stCondLst>
+                                            <p:cond delay="0"/>
+                                          </p:stCondLst>
+                                        </p:cTn>
+                                        <p:tgtEl>
+                                          <p:spTgt spid="6">
+                                            <p:txEl>
+                                              <p:pRg st="3" end="3"/>
+                                            </p:txEl>
+                                          </p:spTgt>
+                                        </p:tgtEl>
+                                        <p:attrNameLst>
+                                          <p:attrName>style.visibility</p:attrName>
+                                        </p:attrNameLst>
+                                      </p:cBhvr>
+                                      <p:to>
+                                        <p:strVal val="visible"/>
+                                      </p:to>
+                                    </p:set>
+                                  </p:childTnLst>
+                                </p:cTn>
+                              </p:par>
+                            </p:childTnLst>
+                          </p:cTn>
+                        </p:par>
+                      </p:childTnLst>
+                    </p:cTn>
+                  </p:par>
+                  <p:par>
+                    <p:cTn id="19" fill="hold">
+                      <p:stCondLst>
+                        <p:cond delay="indefinite"/>
+                      </p:stCondLst>
+                      <p:childTnLst>
+                        <p:par>
+                          <p:cTn id="20" fill="hold">
+                            <p:stCondLst>
+                              <p:cond delay="0"/>
+                            </p:stCondLst>
+                            <p:childTnLst>
+                              <p:par>
+                                <p:cTn id="21" presetID="1" presetClass="entr" presetSubtype="0" fill="hold" grpId="0" nodeType="clickEffect">
+                                  <p:stCondLst>
+                                    <p:cond delay="0"/>
+                                  </p:stCondLst>
+                                  <p:childTnLst>
+                                    <p:set>
+                                      <p:cBhvr>
+                                        <p:cTn id="22" dur="1" fill="hold">
+                                          <p:stCondLst>
+                                            <p:cond delay="0"/>
+                                          </p:stCondLst>
+                                        </p:cTn>
+                                        <p:tgtEl>
+                                          <p:spTgt spid="6">
+                                            <p:txEl>
+                                              <p:pRg st="4" end="4"/>
+                                            </p:txEl>
+                                          </p:spTgt>
+                                        </p:tgtEl>
+                                        <p:attrNameLst>
+                                          <p:attrName>style.visibility</p:attrName>
+                                        </p:attrNameLst>
+                                      </p:cBhvr>
+                                      <p:to>
+                                        <p:strVal val="visible"/>
+                                      </p:to>
+                                    </p:set>
+                                  </p:childTnLst>
+                                </p:cTn>
+                              </p:par>
+                              <p:par>
+                                <p:cTn id="23" presetID="1" presetClass="entr" presetSubtype="0" fill="hold" grpId="0" nodeType="withEffect">
+                                  <p:stCondLst>
+                                    <p:cond delay="0"/>
+                                  </p:stCondLst>
+                                  <p:childTnLst>
+                                    <p:set>
+                                      <p:cBhvr>
+                                        <p:cTn id="24" dur="1" fill="hold">
+                                          <p:stCondLst>
+                                            <p:cond delay="0"/>
+                                          </p:stCondLst>
+                                        </p:cTn>
+                                        <p:tgtEl>
+                                          <p:spTgt spid="6">
+                                            <p:txEl>
+                                              <p:pRg st="5" end="5"/>
+                                            </p:txEl>
+                                          </p:spTgt>
+                                        </p:tgtEl>
+                                        <p:attrNameLst>
+                                          <p:attrName>style.visibility</p:attrName>
+                                        </p:attrNameLst>
+                                      </p:cBhvr>
+                                      <p:to>
+                                        <p:strVal val="visible"/>
+                                      </p:to>
+                                    </p:set>
+                                  </p:childTnLst>
+                                </p:cTn>
+                              </p:par>
+                            </p:childTnLst>
+                          </p:cTn>
+                        </p:par>
+                      </p:childTnLst>
+                    </p:cTn>
+                  </p:par>
+                  <p:par>
+                    <p:cTn id="25" fill="hold">
+                      <p:stCondLst>
+                        <p:cond delay="indefinite"/>
+                      </p:stCondLst>
+                      <p:childTnLst>
+                        <p:par>
+                          <p:cTn id="26" fill="hold">
+                            <p:stCondLst>
+                              <p:cond delay="0"/>
+                            </p:stCondLst>
+                            <p:childTnLst>
+                              <p:par>
+                                <p:cTn id="27" presetID="1" presetClass="entr" presetSubtype="0" fill="hold" grpId="0" nodeType="clickEffect">
+                                  <p:stCondLst>
+                                    <p:cond delay="0"/>
+                                  </p:stCondLst>
+                                  <p:childTnLst>
+                                    <p:set>
+                                      <p:cBhvr>
+                                        <p:cTn id="28" dur="1" fill="hold">
+                                          <p:stCondLst>
+                                            <p:cond delay="0"/>
+                                          </p:stCondLst>
+                                        </p:cTn>
+                                        <p:tgtEl>
+                                          <p:spTgt spid="6">
+                                            <p:txEl>
+                                              <p:pRg st="6" end="6"/>
+                                            </p:txEl>
+                                          </p:spTgt>
+                                        </p:tgtEl>
+                                        <p:attrNameLst>
+                                          <p:attrName>style.visibility</p:attrName>
+                                        </p:attrNameLst>
+                                      </p:cBhvr>
+                                      <p:to>
+                                        <p:strVal val="visible"/>
+                                      </p:to>
+                                    </p:set>
+                                  </p:childTnLst>
+                                </p:cTn>
+                              </p:par>
+                            </p:childTnLst>
+                          </p:cTn>
+                        </p:par>
+                      </p:childTnLst>
+                    </p:cTn>
+                  </p:par>
+                  <p:par>
+                    <p:cTn id="29" fill="hold">
+                      <p:stCondLst>
+                        <p:cond delay="indefinite"/>
+                      </p:stCondLst>
+                      <p:childTnLst>
+                        <p:par>
+                          <p:cTn id="30" fill="hold">
+                            <p:stCondLst>
+                              <p:cond delay="0"/>
+                            </p:stCondLst>
+                            <p:childTnLst>
+                              <p:par>
+                                <p:cTn id="31" presetID="1" presetClass="entr" presetSubtype="0" fill="hold" grpId="0" nodeType="clickEffect">
+                                  <p:stCondLst>
+                                    <p:cond delay="0"/>
+                                  </p:stCondLst>
+                                  <p:childTnLst>
+                                    <p:set>
+                                      <p:cBhvr>
+                                        <p:cTn id="32" dur="1" fill="hold">
+                                          <p:stCondLst>
+                                            <p:cond delay="0"/>
+                                          </p:stCondLst>
+                                        </p:cTn>
+                                        <p:tgtEl>
+                                          <p:spTgt spid="6">
+                                            <p:txEl>
+                                              <p:pRg st="7" end="7"/>
+                                            </p:txEl>
+                                          </p:spTgt>
+                                        </p:tgtEl>
+                                        <p:attrNameLst>
+                                          <p:attrName>style.visibility</p:attrName>
+                                        </p:attrNameLst>
+                                      </p:cBhvr>
+                                      <p:to>
+                                        <p:strVal val="visible"/>
+                                      </p:to>
+                                    </p:set>
+                                  </p:childTnLst>
+                                </p:cTn>
+                              </p:par>
+                              <p:par>
+                                <p:cTn id="33" presetID="1" presetClass="entr" presetSubtype="0" fill="hold" grpId="0" nodeType="withEffect">
+                                  <p:stCondLst>
+                                    <p:cond delay="0"/>
+                                  </p:stCondLst>
+                                  <p:childTnLst>
+                                    <p:set>
+                                      <p:cBhvr>
+                                        <p:cTn id="34" dur="1" fill="hold">
+                                          <p:stCondLst>
+                                            <p:cond delay="0"/>
+                                          </p:stCondLst>
+                                        </p:cTn>
+                                        <p:tgtEl>
+                                          <p:spTgt spid="6">
+                                            <p:txEl>
+                                              <p:pRg st="8" end="8"/>
+                                            </p:txEl>
+                                          </p:spTgt>
+                                        </p:tgtEl>
+                                        <p:attrNameLst>
+                                          <p:attrName>style.visibility</p:attrName>
+                                        </p:attrNameLst>
+                                      </p:cBhvr>
+                                      <p:to>
+                                        <p:strVal val="visible"/>
+                                      </p:to>
+                                    </p:set>
+                                  </p:childTnLst>
+                                </p:cTn>
+                              </p:par>
+                              <p:par>
+                                <p:cTn id="35" presetID="1" presetClass="entr" presetSubtype="0" fill="hold" grpId="0" nodeType="withEffect">
+                                  <p:stCondLst>
+                                    <p:cond delay="0"/>
+                                  </p:stCondLst>
+                                  <p:childTnLst>
+                                    <p:set>
+                                      <p:cBhvr>
+                                        <p:cTn id="36" dur="1" fill="hold">
+                                          <p:stCondLst>
+                                            <p:cond delay="0"/>
+                                          </p:stCondLst>
+                                        </p:cTn>
+                                        <p:tgtEl>
+                                          <p:spTgt spid="6">
+                                            <p:txEl>
+                                              <p:pRg st="9" end="9"/>
+                                            </p:txEl>
+                                          </p:spTgt>
+                                        </p:tgtEl>
+                                        <p:attrNameLst>
+                                          <p:attrName>style.visibility</p:attrName>
+                                        </p:attrNameLst>
+                                      </p:cBhvr>
+                                      <p:to>
+                                        <p:strVal val="visible"/>
+                                      </p:to>
+                                    </p:set>
+                                  </p:childTnLst>
+                                </p:cTn>
+                              </p:par>
+                            </p:childTnLst>
+                          </p:cTn>
+                        </p:par>
+                      </p:childTnLst>
+                    </p:cTn>
+                  </p:par>
+                </p:childTnLst>
+              </p:cTn>
+              <p:prevCondLst>
+                <p:cond evt="onPrev" delay="0">
+                  <p:tgtEl>
+                    <p:sldTgt/>
+                  </p:tgtEl>
+                </p:cond>
+              </p:prevCondLst>
+              <p:nextCondLst>
+                <p:cond evt="onNext" delay="0">
+                  <p:tgtEl>
+                    <p:sldTgt/>
+                  </p:tgtEl>
+                </p:cond>
+              </p:nextCondLst>
+            </p:seq>
+          </p:childTnLst>
+        </p:cTn>
+      </p:par>
+    </p:tnLst>
+    <p:bldLst>
+      <p:bldP spid="6" grpId="0" uiExpand="1" build="p"/>
+    </p:bldLst>
+  </p:timing>
 </p:sld>
 </file>
 
@@ -5092,6 +5564,9 @@
                     <p:cTn id="3" fill="hold">
                       <p:stCondLst>
                         <p:cond delay="indefinite"/>
+                        <p:cond evt="onBegin" delay="0">
+                          <p:tn val="2"/>
+                        </p:cond>
                       </p:stCondLst>
                       <p:childTnLst>
                         <p:par>
@@ -5101,7 +5576,7 @@
                             </p:stCondLst>
                             <p:childTnLst>
                               <p:par>
-                                <p:cTn id="5" presetID="1" presetClass="entr" presetSubtype="0" fill="hold" grpId="0" nodeType="clickEffect">
+                                <p:cTn id="5" presetID="1" presetClass="entr" presetSubtype="0" fill="hold" grpId="0" nodeType="withEffect">
                                   <p:stCondLst>
                                     <p:cond delay="0"/>
                                   </p:stCondLst>
@@ -5131,26 +5606,39 @@
                                   </p:childTnLst>
                                 </p:cTn>
                               </p:par>
-                            </p:childTnLst>
-                          </p:cTn>
-                        </p:par>
-                      </p:childTnLst>
-                    </p:cTn>
-                  </p:par>
-                  <p:par>
-                    <p:cTn id="7" fill="hold">
-                      <p:stCondLst>
-                        <p:cond delay="indefinite"/>
-                      </p:stCondLst>
-                      <p:childTnLst>
-                        <p:par>
-                          <p:cTn id="8" fill="hold">
-                            <p:stCondLst>
-                              <p:cond delay="0"/>
-                            </p:stCondLst>
-                            <p:childTnLst>
                               <p:par>
-                                <p:cTn id="9" presetID="1" presetClass="entr" presetSubtype="0" fill="hold" grpId="0" nodeType="clickEffect">
+                                <p:cTn id="7" presetID="1" presetClass="entr" presetSubtype="0" fill="hold" grpId="0" nodeType="withEffect">
+                                  <p:stCondLst>
+                                    <p:cond delay="0"/>
+                                  </p:stCondLst>
+                                  <p:childTnLst>
+                                    <p:set>
+                                      <p:cBhvr>
+                                        <p:cTn id="8" dur="1" fill="hold">
+                                          <p:stCondLst>
+                                            <p:cond delay="0"/>
+                                          </p:stCondLst>
+                                        </p:cTn>
+                                        <p:tgtEl>
+                                          <p:spTgt spid="960515">
+                                            <p:txEl>
+                                              <p:pRg st="1" end="1"/>
+                                            </p:txEl>
+                                          </p:spTgt>
+                                        </p:tgtEl>
+                                        <p:attrNameLst>
+                                          <p:attrName>style.visibility</p:attrName>
+                                        </p:attrNameLst>
+                                      </p:cBhvr>
+                                      <p:to>
+                                        <p:strVal val="visible"/>
+                                      </p:to>
+                                    </p:set>
+                                  </p:childTnLst>
+                                </p:cTn>
+                              </p:par>
+                              <p:par>
+                                <p:cTn id="9" presetID="1" presetClass="entr" presetSubtype="0" fill="hold" grpId="0" nodeType="withEffect">
                                   <p:stCondLst>
                                     <p:cond delay="0"/>
                                   </p:stCondLst>
@@ -5165,7 +5653,7 @@
                                         <p:tgtEl>
                                           <p:spTgt spid="960515">
                                             <p:txEl>
-                                              <p:pRg st="1" end="1"/>
+                                              <p:pRg st="2" end="2"/>
                                             </p:txEl>
                                           </p:spTgt>
                                         </p:tgtEl>
@@ -5207,55 +5695,6 @@
                                     <p:set>
                                       <p:cBhvr>
                                         <p:cTn id="14" dur="1" fill="hold">
-                                          <p:stCondLst>
-                                            <p:cond delay="0"/>
-                                          </p:stCondLst>
-                                        </p:cTn>
-                                        <p:tgtEl>
-                                          <p:spTgt spid="960515">
-                                            <p:txEl>
-                                              <p:pRg st="2" end="2"/>
-                                            </p:txEl>
-                                          </p:spTgt>
-                                        </p:tgtEl>
-                                        <p:attrNameLst>
-                                          <p:attrName>style.visibility</p:attrName>
-                                        </p:attrNameLst>
-                                      </p:cBhvr>
-                                      <p:to>
-                                        <p:strVal val="visible"/>
-                                      </p:to>
-                                    </p:set>
-                                  </p:childTnLst>
-                                </p:cTn>
-                              </p:par>
-                            </p:childTnLst>
-                          </p:cTn>
-                        </p:par>
-                      </p:childTnLst>
-                    </p:cTn>
-                  </p:par>
-                  <p:par>
-                    <p:cTn id="15" fill="hold">
-                      <p:stCondLst>
-                        <p:cond delay="indefinite"/>
-                      </p:stCondLst>
-                      <p:childTnLst>
-                        <p:par>
-                          <p:cTn id="16" fill="hold">
-                            <p:stCondLst>
-                              <p:cond delay="0"/>
-                            </p:stCondLst>
-                            <p:childTnLst>
-                              <p:par>
-                                <p:cTn id="17" presetID="1" presetClass="entr" presetSubtype="0" fill="hold" grpId="0" nodeType="clickEffect">
-                                  <p:stCondLst>
-                                    <p:cond delay="0"/>
-                                  </p:stCondLst>
-                                  <p:childTnLst>
-                                    <p:set>
-                                      <p:cBhvr>
-                                        <p:cTn id="18" dur="1" fill="hold">
                                           <p:stCondLst>
                                             <p:cond delay="0"/>
                                           </p:stCondLst>
@@ -5306,7 +5745,7 @@
       </p:par>
     </p:tnLst>
     <p:bldLst>
-      <p:bldP spid="960515" grpId="0" build="p"/>
+      <p:bldP spid="960515" grpId="0" uiExpand="1" build="p"/>
     </p:bldLst>
   </p:timing>
 </p:sld>
@@ -5515,9 +5954,108 @@
   <p:timing>
     <p:tnLst>
       <p:par>
-        <p:cTn id="1" dur="indefinite" restart="never" nodeType="tmRoot"/>
+        <p:cTn id="1" dur="indefinite" restart="never" nodeType="tmRoot">
+          <p:childTnLst>
+            <p:seq concurrent="1" nextAc="seek">
+              <p:cTn id="2" dur="indefinite" nodeType="mainSeq">
+                <p:childTnLst>
+                  <p:par>
+                    <p:cTn id="3" fill="hold">
+                      <p:stCondLst>
+                        <p:cond delay="indefinite"/>
+                      </p:stCondLst>
+                      <p:childTnLst>
+                        <p:par>
+                          <p:cTn id="4" fill="hold">
+                            <p:stCondLst>
+                              <p:cond delay="0"/>
+                            </p:stCondLst>
+                            <p:childTnLst>
+                              <p:par>
+                                <p:cTn id="5" presetID="1" presetClass="entr" presetSubtype="0" fill="hold" grpId="0" nodeType="clickEffect">
+                                  <p:stCondLst>
+                                    <p:cond delay="0"/>
+                                  </p:stCondLst>
+                                  <p:childTnLst>
+                                    <p:set>
+                                      <p:cBhvr>
+                                        <p:cTn id="6" dur="1" fill="hold">
+                                          <p:stCondLst>
+                                            <p:cond delay="0"/>
+                                          </p:stCondLst>
+                                        </p:cTn>
+                                        <p:tgtEl>
+                                          <p:spTgt spid="6"/>
+                                        </p:tgtEl>
+                                        <p:attrNameLst>
+                                          <p:attrName>style.visibility</p:attrName>
+                                        </p:attrNameLst>
+                                      </p:cBhvr>
+                                      <p:to>
+                                        <p:strVal val="visible"/>
+                                      </p:to>
+                                    </p:set>
+                                  </p:childTnLst>
+                                </p:cTn>
+                              </p:par>
+                              <p:par>
+                                <p:cTn id="7" presetID="1" presetClass="entr" presetSubtype="0" fill="hold" grpId="0" nodeType="withEffect">
+                                  <p:stCondLst>
+                                    <p:cond delay="0"/>
+                                  </p:stCondLst>
+                                  <p:childTnLst>
+                                    <p:set>
+                                      <p:cBhvr>
+                                        <p:cTn id="8" dur="1" fill="hold">
+                                          <p:stCondLst>
+                                            <p:cond delay="0"/>
+                                          </p:stCondLst>
+                                        </p:cTn>
+                                        <p:tgtEl>
+                                          <p:spTgt spid="7"/>
+                                        </p:tgtEl>
+                                        <p:attrNameLst>
+                                          <p:attrName>style.visibility</p:attrName>
+                                        </p:attrNameLst>
+                                      </p:cBhvr>
+                                      <p:to>
+                                        <p:strVal val="visible"/>
+                                      </p:to>
+                                    </p:set>
+                                  </p:childTnLst>
+                                </p:cTn>
+                              </p:par>
+                            </p:childTnLst>
+                          </p:cTn>
+                        </p:par>
+                      </p:childTnLst>
+                    </p:cTn>
+                  </p:par>
+                </p:childTnLst>
+              </p:cTn>
+              <p:prevCondLst>
+                <p:cond evt="onPrev" delay="0">
+                  <p:tgtEl>
+                    <p:sldTgt/>
+                  </p:tgtEl>
+                </p:cond>
+              </p:prevCondLst>
+              <p:nextCondLst>
+                <p:cond evt="onNext" delay="0">
+                  <p:tgtEl>
+                    <p:sldTgt/>
+                  </p:tgtEl>
+                </p:cond>
+              </p:nextCondLst>
+            </p:seq>
+          </p:childTnLst>
+        </p:cTn>
       </p:par>
     </p:tnLst>
+    <p:bldLst>
+      <p:bldP spid="6" grpId="0" animBg="1"/>
+      <p:bldP spid="7" grpId="0" animBg="1"/>
+    </p:bldLst>
   </p:timing>
 </p:sld>
 </file>
@@ -5725,8 +6263,8 @@
         </p:nvSpPr>
         <p:spPr>
           <a:xfrm>
-            <a:off x="1828800" y="3048000"/>
-            <a:ext cx="914400" cy="304800"/>
+            <a:off x="1295400" y="2971800"/>
+            <a:ext cx="685800" cy="304800"/>
           </a:xfrm>
           <a:prstGeom prst="ellipse">
             <a:avLst/>
@@ -5797,6 +6335,78 @@
                                     <p:set>
                                       <p:cBhvr>
                                         <p:cTn id="6" dur="1" fill="hold">
+                                          <p:stCondLst>
+                                            <p:cond delay="0"/>
+                                          </p:stCondLst>
+                                        </p:cTn>
+                                        <p:tgtEl>
+                                          <p:spTgt spid="6"/>
+                                        </p:tgtEl>
+                                        <p:attrNameLst>
+                                          <p:attrName>style.visibility</p:attrName>
+                                        </p:attrNameLst>
+                                      </p:cBhvr>
+                                      <p:to>
+                                        <p:strVal val="visible"/>
+                                      </p:to>
+                                    </p:set>
+                                  </p:childTnLst>
+                                </p:cTn>
+                              </p:par>
+                              <p:par>
+                                <p:cTn id="7" presetID="1" presetClass="entr" presetSubtype="0" fill="hold" grpId="0" nodeType="withEffect">
+                                  <p:stCondLst>
+                                    <p:cond delay="0"/>
+                                  </p:stCondLst>
+                                  <p:childTnLst>
+                                    <p:set>
+                                      <p:cBhvr>
+                                        <p:cTn id="8" dur="1" fill="hold">
+                                          <p:stCondLst>
+                                            <p:cond delay="0"/>
+                                          </p:stCondLst>
+                                        </p:cTn>
+                                        <p:tgtEl>
+                                          <p:spTgt spid="7"/>
+                                        </p:tgtEl>
+                                        <p:attrNameLst>
+                                          <p:attrName>style.visibility</p:attrName>
+                                        </p:attrNameLst>
+                                      </p:cBhvr>
+                                      <p:to>
+                                        <p:strVal val="visible"/>
+                                      </p:to>
+                                    </p:set>
+                                  </p:childTnLst>
+                                </p:cTn>
+                              </p:par>
+                            </p:childTnLst>
+                          </p:cTn>
+                        </p:par>
+                      </p:childTnLst>
+                    </p:cTn>
+                  </p:par>
+                  <p:par>
+                    <p:cTn id="9" fill="hold">
+                      <p:stCondLst>
+                        <p:cond delay="indefinite"/>
+                      </p:stCondLst>
+                      <p:childTnLst>
+                        <p:par>
+                          <p:cTn id="10" fill="hold">
+                            <p:stCondLst>
+                              <p:cond delay="0"/>
+                            </p:stCondLst>
+                            <p:childTnLst>
+                              <p:par>
+                                <p:cTn id="11" presetID="1" presetClass="entr" presetSubtype="0" fill="hold" grpId="0" nodeType="clickEffect">
+                                  <p:stCondLst>
+                                    <p:cond delay="0"/>
+                                  </p:stCondLst>
+                                  <p:childTnLst>
+                                    <p:set>
+                                      <p:cBhvr>
+                                        <p:cTn id="12" dur="1" fill="hold">
                                           <p:stCondLst>
                                             <p:cond delay="0"/>
                                           </p:stCondLst>
@@ -5843,6 +6453,8 @@
       </p:par>
     </p:tnLst>
     <p:bldLst>
+      <p:bldP spid="6" grpId="0" animBg="1"/>
+      <p:bldP spid="7" grpId="0" animBg="1"/>
       <p:bldP spid="8" grpId="0" animBg="1"/>
     </p:bldLst>
   </p:timing>
@@ -6135,6 +6747,3433 @@
               <a:t>Companion testing routines</a:t>
             </a:r>
             <a:endParaRPr lang="en-US" sz="2400" dirty="0"/>
+          </a:p>
+        </p:txBody>
+      </p:sp>
+      <p:sp>
+        <p:nvSpPr>
+          <p:cNvPr id="960516" name="Text Box 4"/>
+          <p:cNvSpPr txBox="1">
+            <a:spLocks noChangeArrowheads="1"/>
+          </p:cNvSpPr>
+          <p:nvPr/>
+        </p:nvSpPr>
+        <p:spPr bwMode="auto">
+          <a:xfrm>
+            <a:off x="457200" y="6521450"/>
+            <a:ext cx="7086600" cy="338554"/>
+          </a:xfrm>
+          <a:prstGeom prst="rect">
+            <a:avLst/>
+          </a:prstGeom>
+          <a:noFill/>
+          <a:ln w="9525">
+            <a:noFill/>
+            <a:miter lim="800000"/>
+            <a:headEnd/>
+            <a:tailEnd/>
+          </a:ln>
+          <a:effectLst/>
+        </p:spPr>
+        <p:txBody>
+          <a:bodyPr wrap="square">
+            <a:spAutoFit/>
+          </a:bodyPr>
+          <a:lstStyle/>
+          <a:p>
+            <a:r>
+              <a:rPr lang="en-US" sz="1600" dirty="0">
+                <a:solidFill>
+                  <a:schemeClr val="bg1"/>
+                </a:solidFill>
+              </a:rPr>
+              <a:t>STM=Sediment Transport </a:t>
+            </a:r>
+            <a:r>
+              <a:rPr lang="en-US" sz="1600" dirty="0" smtClean="0">
+                <a:solidFill>
+                  <a:schemeClr val="bg1"/>
+                </a:solidFill>
+              </a:rPr>
+              <a:t>Module        </a:t>
+            </a:r>
+            <a:r>
+              <a:rPr lang="en-US" sz="1600" dirty="0" err="1" smtClean="0">
+                <a:solidFill>
+                  <a:schemeClr val="bg1"/>
+                </a:solidFill>
+              </a:rPr>
+              <a:t>Eulerian</a:t>
+            </a:r>
+            <a:r>
+              <a:rPr lang="en-US" sz="1600" dirty="0" smtClean="0">
+                <a:solidFill>
+                  <a:schemeClr val="bg1"/>
+                </a:solidFill>
+              </a:rPr>
+              <a:t>=fixed frame of reference</a:t>
+            </a:r>
+            <a:endParaRPr lang="en-US" sz="1600" dirty="0">
+              <a:solidFill>
+                <a:schemeClr val="bg1"/>
+              </a:solidFill>
+            </a:endParaRPr>
+          </a:p>
+        </p:txBody>
+      </p:sp>
+      <p:grpSp>
+        <p:nvGrpSpPr>
+          <p:cNvPr id="2" name="Group 7"/>
+          <p:cNvGrpSpPr>
+            <a:grpSpLocks/>
+          </p:cNvGrpSpPr>
+          <p:nvPr/>
+        </p:nvGrpSpPr>
+        <p:grpSpPr bwMode="auto">
+          <a:xfrm>
+            <a:off x="6553200" y="1066800"/>
+            <a:ext cx="2157413" cy="1827213"/>
+            <a:chOff x="352" y="864"/>
+            <a:chExt cx="1359" cy="1151"/>
+          </a:xfrm>
+        </p:grpSpPr>
+        <p:pic>
+          <p:nvPicPr>
+            <p:cNvPr id="960520" name="Picture 8" descr="j0289952[1]"/>
+            <p:cNvPicPr>
+              <a:picLocks noChangeAspect="1" noChangeArrowheads="1"/>
+            </p:cNvPicPr>
+            <p:nvPr/>
+          </p:nvPicPr>
+          <p:blipFill>
+            <a:blip r:embed="rId2" cstate="print"/>
+            <a:srcRect/>
+            <a:stretch>
+              <a:fillRect/>
+            </a:stretch>
+          </p:blipFill>
+          <p:spPr bwMode="auto">
+            <a:xfrm>
+              <a:off x="352" y="864"/>
+              <a:ext cx="1359" cy="1151"/>
+            </a:xfrm>
+            <a:prstGeom prst="rect">
+              <a:avLst/>
+            </a:prstGeom>
+            <a:noFill/>
+          </p:spPr>
+        </p:pic>
+        <p:pic>
+          <p:nvPicPr>
+            <p:cNvPr id="960521" name="Picture 9" descr="Dark blue delta4b"/>
+            <p:cNvPicPr>
+              <a:picLocks noChangeAspect="1" noChangeArrowheads="1"/>
+            </p:cNvPicPr>
+            <p:nvPr/>
+          </p:nvPicPr>
+          <p:blipFill>
+            <a:blip r:embed="rId3" cstate="print"/>
+            <a:srcRect/>
+            <a:stretch>
+              <a:fillRect/>
+            </a:stretch>
+          </p:blipFill>
+          <p:spPr bwMode="auto">
+            <a:xfrm>
+              <a:off x="576" y="1104"/>
+              <a:ext cx="217" cy="231"/>
+            </a:xfrm>
+            <a:prstGeom prst="rect">
+              <a:avLst/>
+            </a:prstGeom>
+            <a:noFill/>
+          </p:spPr>
+        </p:pic>
+      </p:grpSp>
+    </p:spTree>
+  </p:cSld>
+  <p:clrMapOvr>
+    <a:masterClrMapping/>
+  </p:clrMapOvr>
+  <p:timing>
+    <p:tnLst>
+      <p:par>
+        <p:cTn id="1" dur="indefinite" restart="never" nodeType="tmRoot">
+          <p:childTnLst>
+            <p:seq concurrent="1" nextAc="seek">
+              <p:cTn id="2" dur="indefinite" nodeType="mainSeq">
+                <p:childTnLst>
+                  <p:par>
+                    <p:cTn id="3" fill="hold">
+                      <p:stCondLst>
+                        <p:cond delay="indefinite"/>
+                        <p:cond evt="onBegin" delay="0">
+                          <p:tn val="2"/>
+                        </p:cond>
+                      </p:stCondLst>
+                      <p:childTnLst>
+                        <p:par>
+                          <p:cTn id="4" fill="hold">
+                            <p:stCondLst>
+                              <p:cond delay="0"/>
+                            </p:stCondLst>
+                            <p:childTnLst>
+                              <p:par>
+                                <p:cTn id="5" presetID="1" presetClass="entr" presetSubtype="0" fill="hold" grpId="0" nodeType="withEffect">
+                                  <p:stCondLst>
+                                    <p:cond delay="0"/>
+                                  </p:stCondLst>
+                                  <p:childTnLst>
+                                    <p:set>
+                                      <p:cBhvr>
+                                        <p:cTn id="6" dur="1" fill="hold">
+                                          <p:stCondLst>
+                                            <p:cond delay="0"/>
+                                          </p:stCondLst>
+                                        </p:cTn>
+                                        <p:tgtEl>
+                                          <p:spTgt spid="960515">
+                                            <p:txEl>
+                                              <p:pRg st="0" end="0"/>
+                                            </p:txEl>
+                                          </p:spTgt>
+                                        </p:tgtEl>
+                                        <p:attrNameLst>
+                                          <p:attrName>style.visibility</p:attrName>
+                                        </p:attrNameLst>
+                                      </p:cBhvr>
+                                      <p:to>
+                                        <p:strVal val="visible"/>
+                                      </p:to>
+                                    </p:set>
+                                  </p:childTnLst>
+                                </p:cTn>
+                              </p:par>
+                              <p:par>
+                                <p:cTn id="7" presetID="1" presetClass="entr" presetSubtype="0" fill="hold" grpId="0" nodeType="withEffect">
+                                  <p:stCondLst>
+                                    <p:cond delay="0"/>
+                                  </p:stCondLst>
+                                  <p:childTnLst>
+                                    <p:set>
+                                      <p:cBhvr>
+                                        <p:cTn id="8" dur="1" fill="hold">
+                                          <p:stCondLst>
+                                            <p:cond delay="0"/>
+                                          </p:stCondLst>
+                                        </p:cTn>
+                                        <p:tgtEl>
+                                          <p:spTgt spid="960515">
+                                            <p:txEl>
+                                              <p:pRg st="1" end="1"/>
+                                            </p:txEl>
+                                          </p:spTgt>
+                                        </p:tgtEl>
+                                        <p:attrNameLst>
+                                          <p:attrName>style.visibility</p:attrName>
+                                        </p:attrNameLst>
+                                      </p:cBhvr>
+                                      <p:to>
+                                        <p:strVal val="visible"/>
+                                      </p:to>
+                                    </p:set>
+                                  </p:childTnLst>
+                                </p:cTn>
+                              </p:par>
+                              <p:par>
+                                <p:cTn id="9" presetID="1" presetClass="entr" presetSubtype="0" fill="hold" grpId="0" nodeType="withEffect">
+                                  <p:stCondLst>
+                                    <p:cond delay="0"/>
+                                  </p:stCondLst>
+                                  <p:childTnLst>
+                                    <p:set>
+                                      <p:cBhvr>
+                                        <p:cTn id="10" dur="1" fill="hold">
+                                          <p:stCondLst>
+                                            <p:cond delay="0"/>
+                                          </p:stCondLst>
+                                        </p:cTn>
+                                        <p:tgtEl>
+                                          <p:spTgt spid="960515">
+                                            <p:txEl>
+                                              <p:pRg st="2" end="2"/>
+                                            </p:txEl>
+                                          </p:spTgt>
+                                        </p:tgtEl>
+                                        <p:attrNameLst>
+                                          <p:attrName>style.visibility</p:attrName>
+                                        </p:attrNameLst>
+                                      </p:cBhvr>
+                                      <p:to>
+                                        <p:strVal val="visible"/>
+                                      </p:to>
+                                    </p:set>
+                                  </p:childTnLst>
+                                </p:cTn>
+                              </p:par>
+                              <p:par>
+                                <p:cTn id="11" presetID="1" presetClass="entr" presetSubtype="0" fill="hold" grpId="0" nodeType="withEffect">
+                                  <p:stCondLst>
+                                    <p:cond delay="0"/>
+                                  </p:stCondLst>
+                                  <p:childTnLst>
+                                    <p:set>
+                                      <p:cBhvr>
+                                        <p:cTn id="12" dur="1" fill="hold">
+                                          <p:stCondLst>
+                                            <p:cond delay="0"/>
+                                          </p:stCondLst>
+                                        </p:cTn>
+                                        <p:tgtEl>
+                                          <p:spTgt spid="960515">
+                                            <p:txEl>
+                                              <p:pRg st="3" end="3"/>
+                                            </p:txEl>
+                                          </p:spTgt>
+                                        </p:tgtEl>
+                                        <p:attrNameLst>
+                                          <p:attrName>style.visibility</p:attrName>
+                                        </p:attrNameLst>
+                                      </p:cBhvr>
+                                      <p:to>
+                                        <p:strVal val="visible"/>
+                                      </p:to>
+                                    </p:set>
+                                  </p:childTnLst>
+                                </p:cTn>
+                              </p:par>
+                            </p:childTnLst>
+                          </p:cTn>
+                        </p:par>
+                      </p:childTnLst>
+                    </p:cTn>
+                  </p:par>
+                  <p:par>
+                    <p:cTn id="13" fill="hold">
+                      <p:stCondLst>
+                        <p:cond delay="indefinite"/>
+                      </p:stCondLst>
+                      <p:childTnLst>
+                        <p:par>
+                          <p:cTn id="14" fill="hold">
+                            <p:stCondLst>
+                              <p:cond delay="0"/>
+                            </p:stCondLst>
+                            <p:childTnLst>
+                              <p:par>
+                                <p:cTn id="15" presetID="1" presetClass="entr" presetSubtype="0" fill="hold" grpId="0" nodeType="clickEffect">
+                                  <p:stCondLst>
+                                    <p:cond delay="0"/>
+                                  </p:stCondLst>
+                                  <p:childTnLst>
+                                    <p:set>
+                                      <p:cBhvr>
+                                        <p:cTn id="16" dur="1" fill="hold">
+                                          <p:stCondLst>
+                                            <p:cond delay="0"/>
+                                          </p:stCondLst>
+                                        </p:cTn>
+                                        <p:tgtEl>
+                                          <p:spTgt spid="960515">
+                                            <p:txEl>
+                                              <p:pRg st="4" end="4"/>
+                                            </p:txEl>
+                                          </p:spTgt>
+                                        </p:tgtEl>
+                                        <p:attrNameLst>
+                                          <p:attrName>style.visibility</p:attrName>
+                                        </p:attrNameLst>
+                                      </p:cBhvr>
+                                      <p:to>
+                                        <p:strVal val="visible"/>
+                                      </p:to>
+                                    </p:set>
+                                  </p:childTnLst>
+                                </p:cTn>
+                              </p:par>
+                            </p:childTnLst>
+                          </p:cTn>
+                        </p:par>
+                      </p:childTnLst>
+                    </p:cTn>
+                  </p:par>
+                </p:childTnLst>
+              </p:cTn>
+              <p:prevCondLst>
+                <p:cond evt="onPrev" delay="0">
+                  <p:tgtEl>
+                    <p:sldTgt/>
+                  </p:tgtEl>
+                </p:cond>
+              </p:prevCondLst>
+              <p:nextCondLst>
+                <p:cond evt="onNext" delay="0">
+                  <p:tgtEl>
+                    <p:sldTgt/>
+                  </p:tgtEl>
+                </p:cond>
+              </p:nextCondLst>
+            </p:seq>
+          </p:childTnLst>
+        </p:cTn>
+      </p:par>
+    </p:tnLst>
+    <p:bldLst>
+      <p:bldP spid="960515" grpId="0" uiExpand="1" build="p"/>
+    </p:bldLst>
+  </p:timing>
+</p:sld>
+</file>
+
+<file path=ppt/slides/slide16.xml><?xml version="1.0" encoding="utf-8"?>
+<p:sld xmlns:a="http://schemas.openxmlformats.org/drawingml/2006/main" xmlns:r="http://schemas.openxmlformats.org/officeDocument/2006/relationships" xmlns:p="http://schemas.openxmlformats.org/presentationml/2006/main">
+  <p:cSld>
+    <p:spTree>
+      <p:nvGrpSpPr>
+        <p:cNvPr id="1" name=""/>
+        <p:cNvGrpSpPr/>
+        <p:nvPr/>
+      </p:nvGrpSpPr>
+      <p:grpSpPr>
+        <a:xfrm>
+          <a:off x="0" y="0"/>
+          <a:ext cx="0" cy="0"/>
+          <a:chOff x="0" y="0"/>
+          <a:chExt cx="0" cy="0"/>
+        </a:xfrm>
+      </p:grpSpPr>
+      <p:sp>
+        <p:nvSpPr>
+          <p:cNvPr id="8" name="Slide Number Placeholder 5"/>
+          <p:cNvSpPr>
+            <a:spLocks noGrp="1"/>
+          </p:cNvSpPr>
+          <p:nvPr>
+            <p:ph type="sldNum" sz="quarter" idx="12"/>
+          </p:nvPr>
+        </p:nvSpPr>
+        <p:spPr/>
+        <p:txBody>
+          <a:bodyPr/>
+          <a:lstStyle/>
+          <a:p>
+            <a:fld id="{55632931-31F7-412D-B659-DEC5955B1CB9}" type="slidenum">
+              <a:rPr lang="en-US"/>
+              <a:pPr/>
+              <a:t>16</a:t>
+            </a:fld>
+            <a:endParaRPr lang="en-US"/>
+          </a:p>
+        </p:txBody>
+      </p:sp>
+      <p:sp>
+        <p:nvSpPr>
+          <p:cNvPr id="960514" name="Rectangle 2"/>
+          <p:cNvSpPr>
+            <a:spLocks noGrp="1" noChangeArrowheads="1"/>
+          </p:cNvSpPr>
+          <p:nvPr>
+            <p:ph type="title"/>
+          </p:nvPr>
+        </p:nvSpPr>
+        <p:spPr/>
+        <p:txBody>
+          <a:bodyPr/>
+          <a:lstStyle/>
+          <a:p>
+            <a:r>
+              <a:rPr lang="en-US" dirty="0"/>
+              <a:t>STM Code </a:t>
+            </a:r>
+            <a:r>
+              <a:rPr lang="en-US" dirty="0" smtClean="0"/>
+              <a:t>Testing</a:t>
+            </a:r>
+            <a:endParaRPr lang="en-US" dirty="0"/>
+          </a:p>
+        </p:txBody>
+      </p:sp>
+      <p:sp>
+        <p:nvSpPr>
+          <p:cNvPr id="960516" name="Text Box 4"/>
+          <p:cNvSpPr txBox="1">
+            <a:spLocks noChangeArrowheads="1"/>
+          </p:cNvSpPr>
+          <p:nvPr/>
+        </p:nvSpPr>
+        <p:spPr bwMode="auto">
+          <a:xfrm>
+            <a:off x="457200" y="6521450"/>
+            <a:ext cx="3238500" cy="336550"/>
+          </a:xfrm>
+          <a:prstGeom prst="rect">
+            <a:avLst/>
+          </a:prstGeom>
+          <a:noFill/>
+          <a:ln w="9525">
+            <a:noFill/>
+            <a:miter lim="800000"/>
+            <a:headEnd/>
+            <a:tailEnd/>
+          </a:ln>
+          <a:effectLst/>
+        </p:spPr>
+        <p:txBody>
+          <a:bodyPr wrap="none">
+            <a:spAutoFit/>
+          </a:bodyPr>
+          <a:lstStyle/>
+          <a:p>
+            <a:r>
+              <a:rPr lang="en-US" sz="1600">
+                <a:solidFill>
+                  <a:schemeClr val="bg1"/>
+                </a:solidFill>
+              </a:rPr>
+              <a:t>STM=Sediment Transport Module</a:t>
+            </a:r>
+          </a:p>
+        </p:txBody>
+      </p:sp>
+      <p:sp>
+        <p:nvSpPr>
+          <p:cNvPr id="10" name="Rectangle 9"/>
+          <p:cNvSpPr/>
+          <p:nvPr/>
+        </p:nvSpPr>
+        <p:spPr>
+          <a:xfrm>
+            <a:off x="1219200" y="1219200"/>
+            <a:ext cx="2441448" cy="1600200"/>
+          </a:xfrm>
+          <a:prstGeom prst="rect">
+            <a:avLst/>
+          </a:prstGeom>
+          <a:solidFill>
+            <a:srgbClr val="CC6600"/>
+          </a:solidFill>
+        </p:spPr>
+        <p:style>
+          <a:lnRef idx="2">
+            <a:schemeClr val="accent1">
+              <a:shade val="50000"/>
+            </a:schemeClr>
+          </a:lnRef>
+          <a:fillRef idx="1">
+            <a:schemeClr val="accent1"/>
+          </a:fillRef>
+          <a:effectRef idx="0">
+            <a:schemeClr val="accent1"/>
+          </a:effectRef>
+          <a:fontRef idx="minor">
+            <a:schemeClr val="lt1"/>
+          </a:fontRef>
+        </p:style>
+        <p:txBody>
+          <a:bodyPr rtlCol="0" anchor="ctr"/>
+          <a:lstStyle/>
+          <a:p>
+            <a:pPr algn="ctr"/>
+            <a:r>
+              <a:rPr lang="en-US" sz="2800" dirty="0" smtClean="0"/>
+              <a:t>STM Code</a:t>
+            </a:r>
+            <a:endParaRPr lang="en-US" sz="2800" dirty="0"/>
+          </a:p>
+        </p:txBody>
+      </p:sp>
+      <p:sp>
+        <p:nvSpPr>
+          <p:cNvPr id="11" name="Rectangle 10"/>
+          <p:cNvSpPr/>
+          <p:nvPr/>
+        </p:nvSpPr>
+        <p:spPr>
+          <a:xfrm>
+            <a:off x="4648200" y="1219200"/>
+            <a:ext cx="2438400" cy="1600200"/>
+          </a:xfrm>
+          <a:prstGeom prst="rect">
+            <a:avLst/>
+          </a:prstGeom>
+          <a:solidFill>
+            <a:srgbClr val="008000"/>
+          </a:solidFill>
+        </p:spPr>
+        <p:style>
+          <a:lnRef idx="2">
+            <a:schemeClr val="accent1">
+              <a:shade val="50000"/>
+            </a:schemeClr>
+          </a:lnRef>
+          <a:fillRef idx="1">
+            <a:schemeClr val="accent1"/>
+          </a:fillRef>
+          <a:effectRef idx="0">
+            <a:schemeClr val="accent1"/>
+          </a:effectRef>
+          <a:fontRef idx="minor">
+            <a:schemeClr val="lt1"/>
+          </a:fontRef>
+        </p:style>
+        <p:txBody>
+          <a:bodyPr rtlCol="0" anchor="ctr"/>
+          <a:lstStyle/>
+          <a:p>
+            <a:pPr algn="ctr"/>
+            <a:r>
+              <a:rPr lang="en-US" sz="2800" dirty="0" smtClean="0"/>
+              <a:t>Testing Code</a:t>
+            </a:r>
+          </a:p>
+          <a:p>
+            <a:pPr algn="ctr"/>
+            <a:r>
+              <a:rPr lang="en-US" sz="2000" dirty="0" smtClean="0"/>
+              <a:t>Calls STM Code</a:t>
+            </a:r>
+            <a:endParaRPr lang="en-US" sz="2000" dirty="0"/>
+          </a:p>
+        </p:txBody>
+      </p:sp>
+      <p:sp>
+        <p:nvSpPr>
+          <p:cNvPr id="12" name="Rectangle 3"/>
+          <p:cNvSpPr txBox="1">
+            <a:spLocks noChangeArrowheads="1"/>
+          </p:cNvSpPr>
+          <p:nvPr/>
+        </p:nvSpPr>
+        <p:spPr bwMode="auto">
+          <a:xfrm>
+            <a:off x="304800" y="3200400"/>
+            <a:ext cx="8458200" cy="2895600"/>
+          </a:xfrm>
+          <a:prstGeom prst="rect">
+            <a:avLst/>
+          </a:prstGeom>
+          <a:noFill/>
+          <a:ln w="9525">
+            <a:noFill/>
+            <a:miter lim="800000"/>
+            <a:headEnd/>
+            <a:tailEnd/>
+          </a:ln>
+          <a:effectLst/>
+        </p:spPr>
+        <p:txBody>
+          <a:bodyPr vert="horz" wrap="square" lIns="91440" tIns="45720" rIns="91440" bIns="45720" numCol="1" anchor="t" anchorCtr="0" compatLnSpc="1">
+            <a:prstTxWarp prst="textNoShape">
+              <a:avLst/>
+            </a:prstTxWarp>
+          </a:bodyPr>
+          <a:lstStyle/>
+          <a:p>
+            <a:pPr marL="342900" marR="0" lvl="0" indent="-342900" algn="l" defTabSz="914400" rtl="0" eaLnBrk="1" fontAlgn="base" latinLnBrk="0" hangingPunct="1">
+              <a:lnSpc>
+                <a:spcPct val="100000"/>
+              </a:lnSpc>
+              <a:spcBef>
+                <a:spcPct val="20000"/>
+              </a:spcBef>
+              <a:spcAft>
+                <a:spcPct val="0"/>
+              </a:spcAft>
+              <a:buClrTx/>
+              <a:buSzTx/>
+              <a:buFontTx/>
+              <a:buChar char="•"/>
+              <a:tabLst/>
+              <a:defRPr/>
+            </a:pPr>
+            <a:r>
+              <a:rPr lang="en-US" sz="2800" kern="0" dirty="0" smtClean="0">
+                <a:solidFill>
+                  <a:srgbClr val="FFFFCC"/>
+                </a:solidFill>
+                <a:latin typeface="+mn-lt"/>
+              </a:rPr>
+              <a:t>Each routine in STM has companion testing code</a:t>
+            </a:r>
+          </a:p>
+          <a:p>
+            <a:pPr marL="342900" indent="-342900">
+              <a:spcBef>
+                <a:spcPct val="20000"/>
+              </a:spcBef>
+              <a:buFontTx/>
+              <a:buChar char="•"/>
+            </a:pPr>
+            <a:r>
+              <a:rPr lang="en-US" sz="2800" kern="0" dirty="0" smtClean="0">
+                <a:solidFill>
+                  <a:srgbClr val="FFFFCC"/>
+                </a:solidFill>
+                <a:latin typeface="+mn-lt"/>
+              </a:rPr>
+              <a:t>Code and analytical tests</a:t>
+            </a:r>
+          </a:p>
+          <a:p>
+            <a:pPr marL="342900" marR="0" lvl="0" indent="-342900" algn="l" defTabSz="914400" rtl="0" eaLnBrk="1" fontAlgn="base" latinLnBrk="0" hangingPunct="1">
+              <a:lnSpc>
+                <a:spcPct val="100000"/>
+              </a:lnSpc>
+              <a:spcBef>
+                <a:spcPct val="20000"/>
+              </a:spcBef>
+              <a:spcAft>
+                <a:spcPct val="0"/>
+              </a:spcAft>
+              <a:buClrTx/>
+              <a:buSzTx/>
+              <a:buFontTx/>
+              <a:buChar char="•"/>
+              <a:tabLst/>
+              <a:defRPr/>
+            </a:pPr>
+            <a:r>
+              <a:rPr kumimoji="0" lang="en-US" sz="2800" b="0" i="0" u="none" strike="noStrike" kern="0" cap="none" spc="0" normalizeH="0" baseline="0" noProof="0" dirty="0" smtClean="0">
+                <a:ln>
+                  <a:noFill/>
+                </a:ln>
+                <a:solidFill>
+                  <a:srgbClr val="FFFFCC"/>
+                </a:solidFill>
+                <a:effectLst/>
+                <a:uLnTx/>
+                <a:uFillTx/>
+                <a:latin typeface="+mn-lt"/>
+                <a:ea typeface="+mn-ea"/>
+                <a:cs typeface="+mn-cs"/>
+              </a:rPr>
+              <a:t>Test</a:t>
+            </a:r>
+            <a:r>
+              <a:rPr kumimoji="0" lang="en-US" sz="2800" b="0" i="0" u="none" strike="noStrike" kern="0" cap="none" spc="0" normalizeH="0" noProof="0" dirty="0" smtClean="0">
+                <a:ln>
+                  <a:noFill/>
+                </a:ln>
+                <a:solidFill>
+                  <a:srgbClr val="FFFFCC"/>
+                </a:solidFill>
+                <a:effectLst/>
+                <a:uLnTx/>
+                <a:uFillTx/>
+                <a:latin typeface="+mn-lt"/>
+                <a:ea typeface="+mn-ea"/>
+                <a:cs typeface="+mn-cs"/>
+              </a:rPr>
+              <a:t> wide range of scenarios </a:t>
+            </a:r>
+          </a:p>
+          <a:p>
+            <a:pPr marL="342900" marR="0" lvl="0" indent="-342900" algn="l" defTabSz="914400" rtl="0" eaLnBrk="1" fontAlgn="base" latinLnBrk="0" hangingPunct="1">
+              <a:lnSpc>
+                <a:spcPct val="100000"/>
+              </a:lnSpc>
+              <a:spcBef>
+                <a:spcPct val="20000"/>
+              </a:spcBef>
+              <a:spcAft>
+                <a:spcPct val="0"/>
+              </a:spcAft>
+              <a:buClrTx/>
+              <a:buSzTx/>
+              <a:buFontTx/>
+              <a:buChar char="•"/>
+              <a:tabLst/>
+              <a:defRPr/>
+            </a:pPr>
+            <a:r>
+              <a:rPr lang="en-US" sz="2800" kern="0" dirty="0" smtClean="0">
+                <a:solidFill>
+                  <a:srgbClr val="FFFFCC"/>
+                </a:solidFill>
+                <a:latin typeface="+mn-lt"/>
+              </a:rPr>
+              <a:t>Produce report </a:t>
+            </a:r>
+            <a:r>
+              <a:rPr lang="en-US" sz="2800" kern="0" dirty="0" smtClean="0">
+                <a:solidFill>
+                  <a:srgbClr val="FFFFCC"/>
+                </a:solidFill>
+                <a:latin typeface="+mn-lt"/>
+              </a:rPr>
+              <a:t>of </a:t>
+            </a:r>
+            <a:r>
+              <a:rPr lang="en-US" sz="2800" kern="0" dirty="0" smtClean="0">
+                <a:solidFill>
+                  <a:srgbClr val="FFFFCC"/>
+                </a:solidFill>
+                <a:latin typeface="+mn-lt"/>
+              </a:rPr>
+              <a:t>pass/fail result for all tests</a:t>
+            </a:r>
+          </a:p>
+          <a:p>
+            <a:pPr marL="342900" marR="0" lvl="0" indent="-342900" algn="l" defTabSz="914400" rtl="0" eaLnBrk="1" fontAlgn="base" latinLnBrk="0" hangingPunct="1">
+              <a:lnSpc>
+                <a:spcPct val="100000"/>
+              </a:lnSpc>
+              <a:spcBef>
+                <a:spcPct val="20000"/>
+              </a:spcBef>
+              <a:spcAft>
+                <a:spcPct val="0"/>
+              </a:spcAft>
+              <a:buClrTx/>
+              <a:buSzTx/>
+              <a:buFontTx/>
+              <a:buChar char="•"/>
+              <a:tabLst/>
+              <a:defRPr/>
+            </a:pPr>
+            <a:r>
+              <a:rPr lang="en-US" sz="2800" kern="0" dirty="0" smtClean="0">
+                <a:solidFill>
+                  <a:srgbClr val="FFFFCC"/>
+                </a:solidFill>
+                <a:latin typeface="+mn-lt"/>
+              </a:rPr>
+              <a:t>Run tests regularly, </a:t>
+            </a:r>
+            <a:br>
+              <a:rPr lang="en-US" sz="2800" kern="0" dirty="0" smtClean="0">
+                <a:solidFill>
+                  <a:srgbClr val="FFFFCC"/>
+                </a:solidFill>
+                <a:latin typeface="+mn-lt"/>
+              </a:rPr>
+            </a:br>
+            <a:r>
+              <a:rPr lang="en-US" sz="2800" kern="0" dirty="0" smtClean="0">
+                <a:solidFill>
+                  <a:srgbClr val="FFFFCC"/>
+                </a:solidFill>
+                <a:latin typeface="+mn-lt"/>
+              </a:rPr>
+              <a:t>in future automatic daily running of tests</a:t>
+            </a:r>
+          </a:p>
+          <a:p>
+            <a:pPr marL="342900" marR="0" lvl="0" indent="-342900" algn="l" defTabSz="914400" rtl="0" eaLnBrk="1" fontAlgn="base" latinLnBrk="0" hangingPunct="1">
+              <a:lnSpc>
+                <a:spcPct val="100000"/>
+              </a:lnSpc>
+              <a:spcBef>
+                <a:spcPct val="20000"/>
+              </a:spcBef>
+              <a:spcAft>
+                <a:spcPct val="0"/>
+              </a:spcAft>
+              <a:buClrTx/>
+              <a:buSzTx/>
+              <a:buFontTx/>
+              <a:buChar char="•"/>
+              <a:tabLst/>
+              <a:defRPr/>
+            </a:pPr>
+            <a:endParaRPr kumimoji="0" lang="en-US" sz="2800" b="0" i="0" u="none" strike="noStrike" kern="0" cap="none" spc="0" normalizeH="0" baseline="0" noProof="0" dirty="0" smtClean="0">
+              <a:ln>
+                <a:noFill/>
+              </a:ln>
+              <a:solidFill>
+                <a:srgbClr val="FFFFCC"/>
+              </a:solidFill>
+              <a:effectLst/>
+              <a:uLnTx/>
+              <a:uFillTx/>
+              <a:latin typeface="+mn-lt"/>
+              <a:ea typeface="+mn-ea"/>
+              <a:cs typeface="+mn-cs"/>
+            </a:endParaRPr>
+          </a:p>
+        </p:txBody>
+      </p:sp>
+    </p:spTree>
+  </p:cSld>
+  <p:clrMapOvr>
+    <a:masterClrMapping/>
+  </p:clrMapOvr>
+  <p:timing>
+    <p:tnLst>
+      <p:par>
+        <p:cTn id="1" dur="indefinite" restart="never" nodeType="tmRoot">
+          <p:childTnLst>
+            <p:seq concurrent="1" nextAc="seek">
+              <p:cTn id="2" dur="indefinite" nodeType="mainSeq">
+                <p:childTnLst>
+                  <p:par>
+                    <p:cTn id="3" fill="hold">
+                      <p:stCondLst>
+                        <p:cond delay="indefinite"/>
+                      </p:stCondLst>
+                      <p:childTnLst>
+                        <p:par>
+                          <p:cTn id="4" fill="hold">
+                            <p:stCondLst>
+                              <p:cond delay="0"/>
+                            </p:stCondLst>
+                            <p:childTnLst>
+                              <p:par>
+                                <p:cTn id="5" presetID="1" presetClass="entr" presetSubtype="0" fill="hold" grpId="0" nodeType="clickEffect">
+                                  <p:stCondLst>
+                                    <p:cond delay="0"/>
+                                  </p:stCondLst>
+                                  <p:childTnLst>
+                                    <p:set>
+                                      <p:cBhvr>
+                                        <p:cTn id="6" dur="1" fill="hold">
+                                          <p:stCondLst>
+                                            <p:cond delay="0"/>
+                                          </p:stCondLst>
+                                        </p:cTn>
+                                        <p:tgtEl>
+                                          <p:spTgt spid="11"/>
+                                        </p:tgtEl>
+                                        <p:attrNameLst>
+                                          <p:attrName>style.visibility</p:attrName>
+                                        </p:attrNameLst>
+                                      </p:cBhvr>
+                                      <p:to>
+                                        <p:strVal val="visible"/>
+                                      </p:to>
+                                    </p:set>
+                                  </p:childTnLst>
+                                </p:cTn>
+                              </p:par>
+                            </p:childTnLst>
+                          </p:cTn>
+                        </p:par>
+                      </p:childTnLst>
+                    </p:cTn>
+                  </p:par>
+                  <p:par>
+                    <p:cTn id="7" fill="hold">
+                      <p:stCondLst>
+                        <p:cond delay="indefinite"/>
+                      </p:stCondLst>
+                      <p:childTnLst>
+                        <p:par>
+                          <p:cTn id="8" fill="hold">
+                            <p:stCondLst>
+                              <p:cond delay="0"/>
+                            </p:stCondLst>
+                            <p:childTnLst>
+                              <p:par>
+                                <p:cTn id="9" presetID="1" presetClass="entr" presetSubtype="0" fill="hold" nodeType="clickEffect">
+                                  <p:stCondLst>
+                                    <p:cond delay="0"/>
+                                  </p:stCondLst>
+                                  <p:childTnLst>
+                                    <p:set>
+                                      <p:cBhvr>
+                                        <p:cTn id="10" dur="1" fill="hold">
+                                          <p:stCondLst>
+                                            <p:cond delay="0"/>
+                                          </p:stCondLst>
+                                        </p:cTn>
+                                        <p:tgtEl>
+                                          <p:spTgt spid="12">
+                                            <p:txEl>
+                                              <p:pRg st="0" end="0"/>
+                                            </p:txEl>
+                                          </p:spTgt>
+                                        </p:tgtEl>
+                                        <p:attrNameLst>
+                                          <p:attrName>style.visibility</p:attrName>
+                                        </p:attrNameLst>
+                                      </p:cBhvr>
+                                      <p:to>
+                                        <p:strVal val="visible"/>
+                                      </p:to>
+                                    </p:set>
+                                  </p:childTnLst>
+                                </p:cTn>
+                              </p:par>
+                            </p:childTnLst>
+                          </p:cTn>
+                        </p:par>
+                      </p:childTnLst>
+                    </p:cTn>
+                  </p:par>
+                  <p:par>
+                    <p:cTn id="11" fill="hold">
+                      <p:stCondLst>
+                        <p:cond delay="indefinite"/>
+                      </p:stCondLst>
+                      <p:childTnLst>
+                        <p:par>
+                          <p:cTn id="12" fill="hold">
+                            <p:stCondLst>
+                              <p:cond delay="0"/>
+                            </p:stCondLst>
+                            <p:childTnLst>
+                              <p:par>
+                                <p:cTn id="13" presetID="1" presetClass="entr" presetSubtype="0" fill="hold" nodeType="clickEffect">
+                                  <p:stCondLst>
+                                    <p:cond delay="0"/>
+                                  </p:stCondLst>
+                                  <p:childTnLst>
+                                    <p:set>
+                                      <p:cBhvr>
+                                        <p:cTn id="14" dur="1" fill="hold">
+                                          <p:stCondLst>
+                                            <p:cond delay="0"/>
+                                          </p:stCondLst>
+                                        </p:cTn>
+                                        <p:tgtEl>
+                                          <p:spTgt spid="12">
+                                            <p:txEl>
+                                              <p:pRg st="1" end="1"/>
+                                            </p:txEl>
+                                          </p:spTgt>
+                                        </p:tgtEl>
+                                        <p:attrNameLst>
+                                          <p:attrName>style.visibility</p:attrName>
+                                        </p:attrNameLst>
+                                      </p:cBhvr>
+                                      <p:to>
+                                        <p:strVal val="visible"/>
+                                      </p:to>
+                                    </p:set>
+                                  </p:childTnLst>
+                                </p:cTn>
+                              </p:par>
+                            </p:childTnLst>
+                          </p:cTn>
+                        </p:par>
+                      </p:childTnLst>
+                    </p:cTn>
+                  </p:par>
+                  <p:par>
+                    <p:cTn id="15" fill="hold">
+                      <p:stCondLst>
+                        <p:cond delay="indefinite"/>
+                      </p:stCondLst>
+                      <p:childTnLst>
+                        <p:par>
+                          <p:cTn id="16" fill="hold">
+                            <p:stCondLst>
+                              <p:cond delay="0"/>
+                            </p:stCondLst>
+                            <p:childTnLst>
+                              <p:par>
+                                <p:cTn id="17" presetID="1" presetClass="entr" presetSubtype="0" fill="hold" nodeType="clickEffect">
+                                  <p:stCondLst>
+                                    <p:cond delay="0"/>
+                                  </p:stCondLst>
+                                  <p:childTnLst>
+                                    <p:set>
+                                      <p:cBhvr>
+                                        <p:cTn id="18" dur="1" fill="hold">
+                                          <p:stCondLst>
+                                            <p:cond delay="0"/>
+                                          </p:stCondLst>
+                                        </p:cTn>
+                                        <p:tgtEl>
+                                          <p:spTgt spid="12">
+                                            <p:txEl>
+                                              <p:pRg st="2" end="2"/>
+                                            </p:txEl>
+                                          </p:spTgt>
+                                        </p:tgtEl>
+                                        <p:attrNameLst>
+                                          <p:attrName>style.visibility</p:attrName>
+                                        </p:attrNameLst>
+                                      </p:cBhvr>
+                                      <p:to>
+                                        <p:strVal val="visible"/>
+                                      </p:to>
+                                    </p:set>
+                                  </p:childTnLst>
+                                </p:cTn>
+                              </p:par>
+                            </p:childTnLst>
+                          </p:cTn>
+                        </p:par>
+                      </p:childTnLst>
+                    </p:cTn>
+                  </p:par>
+                  <p:par>
+                    <p:cTn id="19" fill="hold">
+                      <p:stCondLst>
+                        <p:cond delay="indefinite"/>
+                      </p:stCondLst>
+                      <p:childTnLst>
+                        <p:par>
+                          <p:cTn id="20" fill="hold">
+                            <p:stCondLst>
+                              <p:cond delay="0"/>
+                            </p:stCondLst>
+                            <p:childTnLst>
+                              <p:par>
+                                <p:cTn id="21" presetID="1" presetClass="entr" presetSubtype="0" fill="hold" nodeType="clickEffect">
+                                  <p:stCondLst>
+                                    <p:cond delay="0"/>
+                                  </p:stCondLst>
+                                  <p:childTnLst>
+                                    <p:set>
+                                      <p:cBhvr>
+                                        <p:cTn id="22" dur="1" fill="hold">
+                                          <p:stCondLst>
+                                            <p:cond delay="0"/>
+                                          </p:stCondLst>
+                                        </p:cTn>
+                                        <p:tgtEl>
+                                          <p:spTgt spid="12">
+                                            <p:txEl>
+                                              <p:pRg st="3" end="3"/>
+                                            </p:txEl>
+                                          </p:spTgt>
+                                        </p:tgtEl>
+                                        <p:attrNameLst>
+                                          <p:attrName>style.visibility</p:attrName>
+                                        </p:attrNameLst>
+                                      </p:cBhvr>
+                                      <p:to>
+                                        <p:strVal val="visible"/>
+                                      </p:to>
+                                    </p:set>
+                                  </p:childTnLst>
+                                </p:cTn>
+                              </p:par>
+                            </p:childTnLst>
+                          </p:cTn>
+                        </p:par>
+                      </p:childTnLst>
+                    </p:cTn>
+                  </p:par>
+                  <p:par>
+                    <p:cTn id="23" fill="hold">
+                      <p:stCondLst>
+                        <p:cond delay="indefinite"/>
+                      </p:stCondLst>
+                      <p:childTnLst>
+                        <p:par>
+                          <p:cTn id="24" fill="hold">
+                            <p:stCondLst>
+                              <p:cond delay="0"/>
+                            </p:stCondLst>
+                            <p:childTnLst>
+                              <p:par>
+                                <p:cTn id="25" presetID="1" presetClass="entr" presetSubtype="0" fill="hold" nodeType="clickEffect">
+                                  <p:stCondLst>
+                                    <p:cond delay="0"/>
+                                  </p:stCondLst>
+                                  <p:childTnLst>
+                                    <p:set>
+                                      <p:cBhvr>
+                                        <p:cTn id="26" dur="1" fill="hold">
+                                          <p:stCondLst>
+                                            <p:cond delay="0"/>
+                                          </p:stCondLst>
+                                        </p:cTn>
+                                        <p:tgtEl>
+                                          <p:spTgt spid="12">
+                                            <p:txEl>
+                                              <p:pRg st="4" end="4"/>
+                                            </p:txEl>
+                                          </p:spTgt>
+                                        </p:tgtEl>
+                                        <p:attrNameLst>
+                                          <p:attrName>style.visibility</p:attrName>
+                                        </p:attrNameLst>
+                                      </p:cBhvr>
+                                      <p:to>
+                                        <p:strVal val="visible"/>
+                                      </p:to>
+                                    </p:set>
+                                  </p:childTnLst>
+                                </p:cTn>
+                              </p:par>
+                            </p:childTnLst>
+                          </p:cTn>
+                        </p:par>
+                      </p:childTnLst>
+                    </p:cTn>
+                  </p:par>
+                </p:childTnLst>
+              </p:cTn>
+              <p:prevCondLst>
+                <p:cond evt="onPrev" delay="0">
+                  <p:tgtEl>
+                    <p:sldTgt/>
+                  </p:tgtEl>
+                </p:cond>
+              </p:prevCondLst>
+              <p:nextCondLst>
+                <p:cond evt="onNext" delay="0">
+                  <p:tgtEl>
+                    <p:sldTgt/>
+                  </p:tgtEl>
+                </p:cond>
+              </p:nextCondLst>
+            </p:seq>
+          </p:childTnLst>
+        </p:cTn>
+      </p:par>
+    </p:tnLst>
+    <p:bldLst>
+      <p:bldP spid="11" grpId="0" animBg="1"/>
+    </p:bldLst>
+  </p:timing>
+</p:sld>
+</file>
+
+<file path=ppt/slides/slide17.xml><?xml version="1.0" encoding="utf-8"?>
+<p:sld xmlns:a="http://schemas.openxmlformats.org/drawingml/2006/main" xmlns:r="http://schemas.openxmlformats.org/officeDocument/2006/relationships" xmlns:p="http://schemas.openxmlformats.org/presentationml/2006/main">
+  <p:cSld>
+    <p:spTree>
+      <p:nvGrpSpPr>
+        <p:cNvPr id="1" name=""/>
+        <p:cNvGrpSpPr/>
+        <p:nvPr/>
+      </p:nvGrpSpPr>
+      <p:grpSpPr>
+        <a:xfrm>
+          <a:off x="0" y="0"/>
+          <a:ext cx="0" cy="0"/>
+          <a:chOff x="0" y="0"/>
+          <a:chExt cx="0" cy="0"/>
+        </a:xfrm>
+      </p:grpSpPr>
+      <p:sp>
+        <p:nvSpPr>
+          <p:cNvPr id="2" name="Title 1"/>
+          <p:cNvSpPr>
+            <a:spLocks noGrp="1"/>
+          </p:cNvSpPr>
+          <p:nvPr>
+            <p:ph type="title"/>
+          </p:nvPr>
+        </p:nvSpPr>
+        <p:spPr>
+          <a:xfrm>
+            <a:off x="457200" y="533400"/>
+            <a:ext cx="8229600" cy="808038"/>
+          </a:xfrm>
+        </p:spPr>
+        <p:txBody>
+          <a:bodyPr/>
+          <a:lstStyle/>
+          <a:p>
+            <a:r>
+              <a:rPr lang="en-US" dirty="0" smtClean="0"/>
+              <a:t>F</a:t>
+            </a:r>
+            <a:r>
+              <a:rPr lang="en-US" dirty="0" smtClean="0">
+                <a:solidFill>
+                  <a:srgbClr val="FFFFCC"/>
+                </a:solidFill>
+              </a:rPr>
+              <a:t>ort</a:t>
+            </a:r>
+            <a:r>
+              <a:rPr lang="en-US" dirty="0" smtClean="0"/>
+              <a:t>r</a:t>
+            </a:r>
+            <a:r>
+              <a:rPr lang="en-US" dirty="0" smtClean="0">
+                <a:solidFill>
+                  <a:srgbClr val="FFFFCC"/>
+                </a:solidFill>
+              </a:rPr>
+              <a:t>an</a:t>
+            </a:r>
+            <a:r>
+              <a:rPr lang="en-US" dirty="0" smtClean="0"/>
+              <a:t> U</a:t>
+            </a:r>
+            <a:r>
+              <a:rPr lang="en-US" dirty="0" smtClean="0">
+                <a:solidFill>
+                  <a:srgbClr val="FFFFCC"/>
+                </a:solidFill>
+              </a:rPr>
+              <a:t>n</a:t>
+            </a:r>
+            <a:r>
+              <a:rPr lang="en-US" dirty="0" smtClean="0"/>
+              <a:t>i</a:t>
+            </a:r>
+            <a:r>
+              <a:rPr lang="en-US" dirty="0" smtClean="0">
+                <a:solidFill>
+                  <a:srgbClr val="FFFFCC"/>
+                </a:solidFill>
+              </a:rPr>
+              <a:t>t</a:t>
+            </a:r>
+            <a:r>
+              <a:rPr lang="en-US" dirty="0" smtClean="0"/>
+              <a:t> T</a:t>
+            </a:r>
+            <a:r>
+              <a:rPr lang="en-US" dirty="0" smtClean="0">
+                <a:solidFill>
+                  <a:srgbClr val="FFFFCC"/>
+                </a:solidFill>
+              </a:rPr>
+              <a:t>est</a:t>
+            </a:r>
+            <a:r>
+              <a:rPr lang="en-US" dirty="0" smtClean="0"/>
+              <a:t> </a:t>
+            </a:r>
+            <a:r>
+              <a:rPr lang="en-US" dirty="0" smtClean="0">
+                <a:solidFill>
+                  <a:srgbClr val="FFFFCC"/>
+                </a:solidFill>
+              </a:rPr>
+              <a:t>Framework</a:t>
+            </a:r>
+            <a:r>
+              <a:rPr lang="en-US" dirty="0" smtClean="0"/>
+              <a:t> (FRUIT)</a:t>
+            </a:r>
+            <a:endParaRPr lang="en-US" dirty="0"/>
+          </a:p>
+        </p:txBody>
+      </p:sp>
+      <p:sp>
+        <p:nvSpPr>
+          <p:cNvPr id="3" name="Content Placeholder 2"/>
+          <p:cNvSpPr>
+            <a:spLocks noGrp="1"/>
+          </p:cNvSpPr>
+          <p:nvPr>
+            <p:ph idx="1"/>
+          </p:nvPr>
+        </p:nvSpPr>
+        <p:spPr>
+          <a:xfrm>
+            <a:off x="457200" y="1371600"/>
+            <a:ext cx="7848600" cy="4525963"/>
+          </a:xfrm>
+        </p:spPr>
+        <p:txBody>
+          <a:bodyPr/>
+          <a:lstStyle/>
+          <a:p>
+            <a:r>
+              <a:rPr lang="en-US" dirty="0" smtClean="0"/>
+              <a:t>Unit testing</a:t>
+            </a:r>
+          </a:p>
+          <a:p>
+            <a:pPr lvl="1"/>
+            <a:r>
+              <a:rPr lang="en-US" dirty="0" smtClean="0"/>
+              <a:t>a </a:t>
+            </a:r>
+            <a:r>
+              <a:rPr lang="en-US" dirty="0" smtClean="0"/>
+              <a:t>software verification and validation method in which a programmer tests if individual units of source code</a:t>
+            </a:r>
+          </a:p>
+          <a:p>
+            <a:r>
+              <a:rPr lang="en-US" dirty="0" smtClean="0"/>
+              <a:t>FRUIT</a:t>
+            </a:r>
+          </a:p>
+          <a:p>
+            <a:pPr lvl="1"/>
+            <a:r>
+              <a:rPr lang="en-US" dirty="0" smtClean="0"/>
+              <a:t>o</a:t>
+            </a:r>
+            <a:r>
+              <a:rPr lang="en-US" dirty="0" smtClean="0"/>
+              <a:t>pen source</a:t>
+            </a:r>
+          </a:p>
+          <a:p>
+            <a:pPr lvl="1"/>
+            <a:r>
+              <a:rPr lang="en-US" dirty="0" smtClean="0"/>
+              <a:t>written </a:t>
+            </a:r>
+            <a:r>
+              <a:rPr lang="en-US" dirty="0" smtClean="0"/>
+              <a:t>in Fortran </a:t>
+            </a:r>
+            <a:r>
+              <a:rPr lang="en-US" dirty="0" smtClean="0"/>
+              <a:t>95 </a:t>
+            </a:r>
+            <a:endParaRPr lang="en-US" dirty="0" smtClean="0"/>
+          </a:p>
+          <a:p>
+            <a:pPr lvl="1"/>
+            <a:r>
+              <a:rPr lang="en-US" dirty="0" smtClean="0"/>
+              <a:t>h</a:t>
+            </a:r>
+            <a:r>
+              <a:rPr lang="en-US" dirty="0" smtClean="0"/>
+              <a:t>as assertion (true/false pass/fail), fixture, </a:t>
+            </a:r>
+            <a:r>
+              <a:rPr lang="en-US" dirty="0" smtClean="0"/>
+              <a:t>setup, teardown, </a:t>
+            </a:r>
+            <a:r>
+              <a:rPr lang="en-US" dirty="0" smtClean="0"/>
+              <a:t>report, </a:t>
+            </a:r>
+            <a:r>
+              <a:rPr lang="en-US" dirty="0" smtClean="0"/>
+              <a:t>spec generation, driver generation</a:t>
+            </a:r>
+            <a:endParaRPr lang="en-US" dirty="0"/>
+          </a:p>
+        </p:txBody>
+      </p:sp>
+      <p:sp>
+        <p:nvSpPr>
+          <p:cNvPr id="4" name="Slide Number Placeholder 3"/>
+          <p:cNvSpPr>
+            <a:spLocks noGrp="1"/>
+          </p:cNvSpPr>
+          <p:nvPr>
+            <p:ph type="sldNum" sz="quarter" idx="12"/>
+          </p:nvPr>
+        </p:nvSpPr>
+        <p:spPr/>
+        <p:txBody>
+          <a:bodyPr/>
+          <a:lstStyle/>
+          <a:p>
+            <a:fld id="{36D33C6A-853C-4ABE-8582-D2633FFA550F}" type="slidenum">
+              <a:rPr lang="en-US" smtClean="0"/>
+              <a:pPr/>
+              <a:t>17</a:t>
+            </a:fld>
+            <a:endParaRPr lang="en-US" dirty="0"/>
+          </a:p>
+        </p:txBody>
+      </p:sp>
+      <p:pic>
+        <p:nvPicPr>
+          <p:cNvPr id="51209" name="Picture 9" descr="C:\Documents and Settings\jamiea\Local Settings\Temporary Internet Files\Content.IE5\8123C5QF\j0441708[1].png"/>
+          <p:cNvPicPr>
+            <a:picLocks noChangeAspect="1" noChangeArrowheads="1"/>
+          </p:cNvPicPr>
+          <p:nvPr/>
+        </p:nvPicPr>
+        <p:blipFill>
+          <a:blip r:embed="rId2" cstate="print"/>
+          <a:srcRect/>
+          <a:stretch>
+            <a:fillRect/>
+          </a:stretch>
+        </p:blipFill>
+        <p:spPr bwMode="auto">
+          <a:xfrm>
+            <a:off x="0" y="533400"/>
+            <a:ext cx="685800" cy="685800"/>
+          </a:xfrm>
+          <a:prstGeom prst="rect">
+            <a:avLst/>
+          </a:prstGeom>
+          <a:noFill/>
+        </p:spPr>
+      </p:pic>
+      <p:pic>
+        <p:nvPicPr>
+          <p:cNvPr id="51210" name="Picture 10" descr="C:\Documents and Settings\jamiea\Local Settings\Temporary Internet Files\Content.IE5\W5MFG1IZ\j0441718[1].png"/>
+          <p:cNvPicPr>
+            <a:picLocks noChangeAspect="1" noChangeArrowheads="1"/>
+          </p:cNvPicPr>
+          <p:nvPr/>
+        </p:nvPicPr>
+        <p:blipFill>
+          <a:blip r:embed="rId3" cstate="print"/>
+          <a:srcRect/>
+          <a:stretch>
+            <a:fillRect/>
+          </a:stretch>
+        </p:blipFill>
+        <p:spPr bwMode="auto">
+          <a:xfrm rot="16200000">
+            <a:off x="2133600" y="3276600"/>
+            <a:ext cx="685800" cy="685800"/>
+          </a:xfrm>
+          <a:prstGeom prst="rect">
+            <a:avLst/>
+          </a:prstGeom>
+          <a:noFill/>
+        </p:spPr>
+      </p:pic>
+      <p:pic>
+        <p:nvPicPr>
+          <p:cNvPr id="51211" name="Picture 11" descr="C:\Documents and Settings\jamiea\Local Settings\Temporary Internet Files\Content.IE5\W9M3KH23\j0441719[1].png"/>
+          <p:cNvPicPr>
+            <a:picLocks noChangeAspect="1" noChangeArrowheads="1"/>
+          </p:cNvPicPr>
+          <p:nvPr/>
+        </p:nvPicPr>
+        <p:blipFill>
+          <a:blip r:embed="rId4" cstate="print"/>
+          <a:srcRect/>
+          <a:stretch>
+            <a:fillRect/>
+          </a:stretch>
+        </p:blipFill>
+        <p:spPr bwMode="auto">
+          <a:xfrm>
+            <a:off x="8458200" y="381000"/>
+            <a:ext cx="685800" cy="685800"/>
+          </a:xfrm>
+          <a:prstGeom prst="rect">
+            <a:avLst/>
+          </a:prstGeom>
+          <a:noFill/>
+        </p:spPr>
+      </p:pic>
+      <p:pic>
+        <p:nvPicPr>
+          <p:cNvPr id="51212" name="Picture 12" descr="C:\Documents and Settings\jamiea\Local Settings\Temporary Internet Files\Content.IE5\8123C5QF\j0436903[1].png"/>
+          <p:cNvPicPr>
+            <a:picLocks noChangeAspect="1" noChangeArrowheads="1"/>
+          </p:cNvPicPr>
+          <p:nvPr/>
+        </p:nvPicPr>
+        <p:blipFill>
+          <a:blip r:embed="rId5" cstate="print"/>
+          <a:srcRect/>
+          <a:stretch>
+            <a:fillRect/>
+          </a:stretch>
+        </p:blipFill>
+        <p:spPr bwMode="auto">
+          <a:xfrm>
+            <a:off x="3429000" y="3810000"/>
+            <a:ext cx="685800" cy="685800"/>
+          </a:xfrm>
+          <a:prstGeom prst="rect">
+            <a:avLst/>
+          </a:prstGeom>
+          <a:noFill/>
+        </p:spPr>
+      </p:pic>
+      <p:pic>
+        <p:nvPicPr>
+          <p:cNvPr id="51213" name="Picture 13" descr="C:\Documents and Settings\jamiea\Local Settings\Temporary Internet Files\Content.IE5\W5MFG1IZ\j0436894[1].png"/>
+          <p:cNvPicPr>
+            <a:picLocks noChangeAspect="1" noChangeArrowheads="1"/>
+          </p:cNvPicPr>
+          <p:nvPr/>
+        </p:nvPicPr>
+        <p:blipFill>
+          <a:blip r:embed="rId6" cstate="print"/>
+          <a:srcRect/>
+          <a:stretch>
+            <a:fillRect/>
+          </a:stretch>
+        </p:blipFill>
+        <p:spPr bwMode="auto">
+          <a:xfrm>
+            <a:off x="4495800" y="4267200"/>
+            <a:ext cx="685800" cy="685800"/>
+          </a:xfrm>
+          <a:prstGeom prst="rect">
+            <a:avLst/>
+          </a:prstGeom>
+          <a:noFill/>
+        </p:spPr>
+      </p:pic>
+      <p:grpSp>
+        <p:nvGrpSpPr>
+          <p:cNvPr id="20" name="Group 19"/>
+          <p:cNvGrpSpPr/>
+          <p:nvPr/>
+        </p:nvGrpSpPr>
+        <p:grpSpPr>
+          <a:xfrm>
+            <a:off x="7772400" y="1828800"/>
+            <a:ext cx="914400" cy="914400"/>
+            <a:chOff x="7772400" y="1828800"/>
+            <a:chExt cx="914400" cy="914400"/>
+          </a:xfrm>
+        </p:grpSpPr>
+        <p:pic>
+          <p:nvPicPr>
+            <p:cNvPr id="51214" name="Picture 14" descr="C:\Documents and Settings\jamiea\Local Settings\Temporary Internet Files\Content.IE5\WT634TUR\j0436892[1].png"/>
+            <p:cNvPicPr>
+              <a:picLocks noChangeAspect="1" noChangeArrowheads="1"/>
+            </p:cNvPicPr>
+            <p:nvPr/>
+          </p:nvPicPr>
+          <p:blipFill>
+            <a:blip r:embed="rId7" cstate="print"/>
+            <a:srcRect/>
+            <a:stretch>
+              <a:fillRect/>
+            </a:stretch>
+          </p:blipFill>
+          <p:spPr bwMode="auto">
+            <a:xfrm>
+              <a:off x="7886700" y="1943100"/>
+              <a:ext cx="685800" cy="685800"/>
+            </a:xfrm>
+            <a:prstGeom prst="rect">
+              <a:avLst/>
+            </a:prstGeom>
+            <a:noFill/>
+          </p:spPr>
+        </p:pic>
+        <p:sp>
+          <p:nvSpPr>
+            <p:cNvPr id="15" name="Oval 14"/>
+            <p:cNvSpPr/>
+            <p:nvPr/>
+          </p:nvSpPr>
+          <p:spPr>
+            <a:xfrm>
+              <a:off x="7772400" y="1828800"/>
+              <a:ext cx="914400" cy="914400"/>
+            </a:xfrm>
+            <a:prstGeom prst="ellipse">
+              <a:avLst/>
+            </a:prstGeom>
+            <a:noFill/>
+            <a:ln w="57150">
+              <a:solidFill>
+                <a:srgbClr val="FF0000"/>
+              </a:solidFill>
+            </a:ln>
+          </p:spPr>
+          <p:style>
+            <a:lnRef idx="2">
+              <a:schemeClr val="accent1">
+                <a:shade val="50000"/>
+              </a:schemeClr>
+            </a:lnRef>
+            <a:fillRef idx="1">
+              <a:schemeClr val="accent1"/>
+            </a:fillRef>
+            <a:effectRef idx="0">
+              <a:schemeClr val="accent1"/>
+            </a:effectRef>
+            <a:fontRef idx="minor">
+              <a:schemeClr val="lt1"/>
+            </a:fontRef>
+          </p:style>
+          <p:txBody>
+            <a:bodyPr rtlCol="0" anchor="ctr"/>
+            <a:lstStyle/>
+            <a:p>
+              <a:pPr algn="ctr"/>
+              <a:endParaRPr lang="en-US"/>
+            </a:p>
+          </p:txBody>
+        </p:sp>
+        <p:cxnSp>
+          <p:nvCxnSpPr>
+            <p:cNvPr id="17" name="Straight Connector 16"/>
+            <p:cNvCxnSpPr>
+              <a:stCxn id="15" idx="1"/>
+              <a:endCxn id="15" idx="5"/>
+            </p:cNvCxnSpPr>
+            <p:nvPr/>
+          </p:nvCxnSpPr>
+          <p:spPr>
+            <a:xfrm rot="16200000" flipH="1">
+              <a:off x="7906311" y="1962711"/>
+              <a:ext cx="646578" cy="646578"/>
+            </a:xfrm>
+            <a:prstGeom prst="line">
+              <a:avLst/>
+            </a:prstGeom>
+            <a:ln w="57150">
+              <a:solidFill>
+                <a:srgbClr val="FF0000"/>
+              </a:solidFill>
+            </a:ln>
+          </p:spPr>
+          <p:style>
+            <a:lnRef idx="1">
+              <a:schemeClr val="accent1"/>
+            </a:lnRef>
+            <a:fillRef idx="0">
+              <a:schemeClr val="accent1"/>
+            </a:fillRef>
+            <a:effectRef idx="0">
+              <a:schemeClr val="accent1"/>
+            </a:effectRef>
+            <a:fontRef idx="minor">
+              <a:schemeClr val="tx1"/>
+            </a:fontRef>
+          </p:style>
+        </p:cxnSp>
+      </p:grpSp>
+      <p:pic>
+        <p:nvPicPr>
+          <p:cNvPr id="51215" name="Picture 15" descr="C:\Documents and Settings\jamiea\Local Settings\Temporary Internet Files\Content.IE5\WT634TUR\j0436899[1].png"/>
+          <p:cNvPicPr>
+            <a:picLocks noChangeAspect="1" noChangeArrowheads="1"/>
+          </p:cNvPicPr>
+          <p:nvPr/>
+        </p:nvPicPr>
+        <p:blipFill>
+          <a:blip r:embed="rId8" cstate="print"/>
+          <a:srcRect/>
+          <a:stretch>
+            <a:fillRect/>
+          </a:stretch>
+        </p:blipFill>
+        <p:spPr bwMode="auto">
+          <a:xfrm>
+            <a:off x="4038600" y="5791200"/>
+            <a:ext cx="685800" cy="685800"/>
+          </a:xfrm>
+          <a:prstGeom prst="rect">
+            <a:avLst/>
+          </a:prstGeom>
+          <a:noFill/>
+        </p:spPr>
+      </p:pic>
+    </p:spTree>
+  </p:cSld>
+  <p:clrMapOvr>
+    <a:masterClrMapping/>
+  </p:clrMapOvr>
+  <p:timing>
+    <p:tnLst>
+      <p:par>
+        <p:cTn id="1" dur="indefinite" restart="never" nodeType="tmRoot">
+          <p:childTnLst>
+            <p:seq concurrent="1" nextAc="seek">
+              <p:cTn id="2" dur="indefinite" nodeType="mainSeq">
+                <p:childTnLst>
+                  <p:par>
+                    <p:cTn id="3" fill="hold">
+                      <p:stCondLst>
+                        <p:cond delay="indefinite"/>
+                      </p:stCondLst>
+                      <p:childTnLst>
+                        <p:par>
+                          <p:cTn id="4" fill="hold">
+                            <p:stCondLst>
+                              <p:cond delay="0"/>
+                            </p:stCondLst>
+                            <p:childTnLst>
+                              <p:par>
+                                <p:cTn id="5" presetID="1" presetClass="entr" presetSubtype="0" fill="hold" nodeType="clickEffect">
+                                  <p:stCondLst>
+                                    <p:cond delay="0"/>
+                                  </p:stCondLst>
+                                  <p:childTnLst>
+                                    <p:set>
+                                      <p:cBhvr>
+                                        <p:cTn id="6" dur="1" fill="hold">
+                                          <p:stCondLst>
+                                            <p:cond delay="0"/>
+                                          </p:stCondLst>
+                                        </p:cTn>
+                                        <p:tgtEl>
+                                          <p:spTgt spid="3">
+                                            <p:txEl>
+                                              <p:pRg st="0" end="0"/>
+                                            </p:txEl>
+                                          </p:spTgt>
+                                        </p:tgtEl>
+                                        <p:attrNameLst>
+                                          <p:attrName>style.visibility</p:attrName>
+                                        </p:attrNameLst>
+                                      </p:cBhvr>
+                                      <p:to>
+                                        <p:strVal val="visible"/>
+                                      </p:to>
+                                    </p:set>
+                                  </p:childTnLst>
+                                </p:cTn>
+                              </p:par>
+                              <p:par>
+                                <p:cTn id="7" presetID="1" presetClass="entr" presetSubtype="0" fill="hold" nodeType="withEffect">
+                                  <p:stCondLst>
+                                    <p:cond delay="0"/>
+                                  </p:stCondLst>
+                                  <p:childTnLst>
+                                    <p:set>
+                                      <p:cBhvr>
+                                        <p:cTn id="8" dur="1" fill="hold">
+                                          <p:stCondLst>
+                                            <p:cond delay="0"/>
+                                          </p:stCondLst>
+                                        </p:cTn>
+                                        <p:tgtEl>
+                                          <p:spTgt spid="3">
+                                            <p:txEl>
+                                              <p:pRg st="1" end="1"/>
+                                            </p:txEl>
+                                          </p:spTgt>
+                                        </p:tgtEl>
+                                        <p:attrNameLst>
+                                          <p:attrName>style.visibility</p:attrName>
+                                        </p:attrNameLst>
+                                      </p:cBhvr>
+                                      <p:to>
+                                        <p:strVal val="visible"/>
+                                      </p:to>
+                                    </p:set>
+                                  </p:childTnLst>
+                                </p:cTn>
+                              </p:par>
+                              <p:par>
+                                <p:cTn id="9" presetID="1" presetClass="entr" presetSubtype="0" fill="hold" nodeType="withEffect">
+                                  <p:stCondLst>
+                                    <p:cond delay="0"/>
+                                  </p:stCondLst>
+                                  <p:childTnLst>
+                                    <p:set>
+                                      <p:cBhvr>
+                                        <p:cTn id="10" dur="1" fill="hold">
+                                          <p:stCondLst>
+                                            <p:cond delay="0"/>
+                                          </p:stCondLst>
+                                        </p:cTn>
+                                        <p:tgtEl>
+                                          <p:spTgt spid="20"/>
+                                        </p:tgtEl>
+                                        <p:attrNameLst>
+                                          <p:attrName>style.visibility</p:attrName>
+                                        </p:attrNameLst>
+                                      </p:cBhvr>
+                                      <p:to>
+                                        <p:strVal val="visible"/>
+                                      </p:to>
+                                    </p:set>
+                                  </p:childTnLst>
+                                </p:cTn>
+                              </p:par>
+                            </p:childTnLst>
+                          </p:cTn>
+                        </p:par>
+                      </p:childTnLst>
+                    </p:cTn>
+                  </p:par>
+                  <p:par>
+                    <p:cTn id="11" fill="hold">
+                      <p:stCondLst>
+                        <p:cond delay="indefinite"/>
+                      </p:stCondLst>
+                      <p:childTnLst>
+                        <p:par>
+                          <p:cTn id="12" fill="hold">
+                            <p:stCondLst>
+                              <p:cond delay="0"/>
+                            </p:stCondLst>
+                            <p:childTnLst>
+                              <p:par>
+                                <p:cTn id="13" presetID="1" presetClass="entr" presetSubtype="0" fill="hold" nodeType="clickEffect">
+                                  <p:stCondLst>
+                                    <p:cond delay="0"/>
+                                  </p:stCondLst>
+                                  <p:childTnLst>
+                                    <p:set>
+                                      <p:cBhvr>
+                                        <p:cTn id="14" dur="1" fill="hold">
+                                          <p:stCondLst>
+                                            <p:cond delay="0"/>
+                                          </p:stCondLst>
+                                        </p:cTn>
+                                        <p:tgtEl>
+                                          <p:spTgt spid="3">
+                                            <p:txEl>
+                                              <p:pRg st="2" end="2"/>
+                                            </p:txEl>
+                                          </p:spTgt>
+                                        </p:tgtEl>
+                                        <p:attrNameLst>
+                                          <p:attrName>style.visibility</p:attrName>
+                                        </p:attrNameLst>
+                                      </p:cBhvr>
+                                      <p:to>
+                                        <p:strVal val="visible"/>
+                                      </p:to>
+                                    </p:set>
+                                  </p:childTnLst>
+                                </p:cTn>
+                              </p:par>
+                              <p:par>
+                                <p:cTn id="15" presetID="1" presetClass="entr" presetSubtype="0" fill="hold" nodeType="withEffect">
+                                  <p:stCondLst>
+                                    <p:cond delay="0"/>
+                                  </p:stCondLst>
+                                  <p:childTnLst>
+                                    <p:set>
+                                      <p:cBhvr>
+                                        <p:cTn id="16" dur="1" fill="hold">
+                                          <p:stCondLst>
+                                            <p:cond delay="0"/>
+                                          </p:stCondLst>
+                                        </p:cTn>
+                                        <p:tgtEl>
+                                          <p:spTgt spid="51210"/>
+                                        </p:tgtEl>
+                                        <p:attrNameLst>
+                                          <p:attrName>style.visibility</p:attrName>
+                                        </p:attrNameLst>
+                                      </p:cBhvr>
+                                      <p:to>
+                                        <p:strVal val="visible"/>
+                                      </p:to>
+                                    </p:set>
+                                  </p:childTnLst>
+                                </p:cTn>
+                              </p:par>
+                            </p:childTnLst>
+                          </p:cTn>
+                        </p:par>
+                      </p:childTnLst>
+                    </p:cTn>
+                  </p:par>
+                  <p:par>
+                    <p:cTn id="17" fill="hold">
+                      <p:stCondLst>
+                        <p:cond delay="indefinite"/>
+                      </p:stCondLst>
+                      <p:childTnLst>
+                        <p:par>
+                          <p:cTn id="18" fill="hold">
+                            <p:stCondLst>
+                              <p:cond delay="0"/>
+                            </p:stCondLst>
+                            <p:childTnLst>
+                              <p:par>
+                                <p:cTn id="19" presetID="1" presetClass="entr" presetSubtype="0" fill="hold" nodeType="clickEffect">
+                                  <p:stCondLst>
+                                    <p:cond delay="0"/>
+                                  </p:stCondLst>
+                                  <p:childTnLst>
+                                    <p:set>
+                                      <p:cBhvr>
+                                        <p:cTn id="20" dur="1" fill="hold">
+                                          <p:stCondLst>
+                                            <p:cond delay="0"/>
+                                          </p:stCondLst>
+                                        </p:cTn>
+                                        <p:tgtEl>
+                                          <p:spTgt spid="3">
+                                            <p:txEl>
+                                              <p:pRg st="3" end="3"/>
+                                            </p:txEl>
+                                          </p:spTgt>
+                                        </p:tgtEl>
+                                        <p:attrNameLst>
+                                          <p:attrName>style.visibility</p:attrName>
+                                        </p:attrNameLst>
+                                      </p:cBhvr>
+                                      <p:to>
+                                        <p:strVal val="visible"/>
+                                      </p:to>
+                                    </p:set>
+                                  </p:childTnLst>
+                                </p:cTn>
+                              </p:par>
+                              <p:par>
+                                <p:cTn id="21" presetID="1" presetClass="entr" presetSubtype="0" fill="hold" nodeType="withEffect">
+                                  <p:stCondLst>
+                                    <p:cond delay="0"/>
+                                  </p:stCondLst>
+                                  <p:childTnLst>
+                                    <p:set>
+                                      <p:cBhvr>
+                                        <p:cTn id="22" dur="1" fill="hold">
+                                          <p:stCondLst>
+                                            <p:cond delay="0"/>
+                                          </p:stCondLst>
+                                        </p:cTn>
+                                        <p:tgtEl>
+                                          <p:spTgt spid="51212"/>
+                                        </p:tgtEl>
+                                        <p:attrNameLst>
+                                          <p:attrName>style.visibility</p:attrName>
+                                        </p:attrNameLst>
+                                      </p:cBhvr>
+                                      <p:to>
+                                        <p:strVal val="visible"/>
+                                      </p:to>
+                                    </p:set>
+                                  </p:childTnLst>
+                                </p:cTn>
+                              </p:par>
+                            </p:childTnLst>
+                          </p:cTn>
+                        </p:par>
+                      </p:childTnLst>
+                    </p:cTn>
+                  </p:par>
+                  <p:par>
+                    <p:cTn id="23" fill="hold">
+                      <p:stCondLst>
+                        <p:cond delay="indefinite"/>
+                      </p:stCondLst>
+                      <p:childTnLst>
+                        <p:par>
+                          <p:cTn id="24" fill="hold">
+                            <p:stCondLst>
+                              <p:cond delay="0"/>
+                            </p:stCondLst>
+                            <p:childTnLst>
+                              <p:par>
+                                <p:cTn id="25" presetID="1" presetClass="entr" presetSubtype="0" fill="hold" nodeType="clickEffect">
+                                  <p:stCondLst>
+                                    <p:cond delay="0"/>
+                                  </p:stCondLst>
+                                  <p:childTnLst>
+                                    <p:set>
+                                      <p:cBhvr>
+                                        <p:cTn id="26" dur="1" fill="hold">
+                                          <p:stCondLst>
+                                            <p:cond delay="0"/>
+                                          </p:stCondLst>
+                                        </p:cTn>
+                                        <p:tgtEl>
+                                          <p:spTgt spid="3">
+                                            <p:txEl>
+                                              <p:pRg st="4" end="4"/>
+                                            </p:txEl>
+                                          </p:spTgt>
+                                        </p:tgtEl>
+                                        <p:attrNameLst>
+                                          <p:attrName>style.visibility</p:attrName>
+                                        </p:attrNameLst>
+                                      </p:cBhvr>
+                                      <p:to>
+                                        <p:strVal val="visible"/>
+                                      </p:to>
+                                    </p:set>
+                                  </p:childTnLst>
+                                </p:cTn>
+                              </p:par>
+                              <p:par>
+                                <p:cTn id="27" presetID="1" presetClass="entr" presetSubtype="0" fill="hold" nodeType="withEffect">
+                                  <p:stCondLst>
+                                    <p:cond delay="0"/>
+                                  </p:stCondLst>
+                                  <p:childTnLst>
+                                    <p:set>
+                                      <p:cBhvr>
+                                        <p:cTn id="28" dur="1" fill="hold">
+                                          <p:stCondLst>
+                                            <p:cond delay="0"/>
+                                          </p:stCondLst>
+                                        </p:cTn>
+                                        <p:tgtEl>
+                                          <p:spTgt spid="51213"/>
+                                        </p:tgtEl>
+                                        <p:attrNameLst>
+                                          <p:attrName>style.visibility</p:attrName>
+                                        </p:attrNameLst>
+                                      </p:cBhvr>
+                                      <p:to>
+                                        <p:strVal val="visible"/>
+                                      </p:to>
+                                    </p:set>
+                                  </p:childTnLst>
+                                </p:cTn>
+                              </p:par>
+                            </p:childTnLst>
+                          </p:cTn>
+                        </p:par>
+                      </p:childTnLst>
+                    </p:cTn>
+                  </p:par>
+                  <p:par>
+                    <p:cTn id="29" fill="hold">
+                      <p:stCondLst>
+                        <p:cond delay="indefinite"/>
+                      </p:stCondLst>
+                      <p:childTnLst>
+                        <p:par>
+                          <p:cTn id="30" fill="hold">
+                            <p:stCondLst>
+                              <p:cond delay="0"/>
+                            </p:stCondLst>
+                            <p:childTnLst>
+                              <p:par>
+                                <p:cTn id="31" presetID="1" presetClass="entr" presetSubtype="0" fill="hold" nodeType="clickEffect">
+                                  <p:stCondLst>
+                                    <p:cond delay="0"/>
+                                  </p:stCondLst>
+                                  <p:childTnLst>
+                                    <p:set>
+                                      <p:cBhvr>
+                                        <p:cTn id="32" dur="1" fill="hold">
+                                          <p:stCondLst>
+                                            <p:cond delay="0"/>
+                                          </p:stCondLst>
+                                        </p:cTn>
+                                        <p:tgtEl>
+                                          <p:spTgt spid="3">
+                                            <p:txEl>
+                                              <p:pRg st="5" end="5"/>
+                                            </p:txEl>
+                                          </p:spTgt>
+                                        </p:tgtEl>
+                                        <p:attrNameLst>
+                                          <p:attrName>style.visibility</p:attrName>
+                                        </p:attrNameLst>
+                                      </p:cBhvr>
+                                      <p:to>
+                                        <p:strVal val="visible"/>
+                                      </p:to>
+                                    </p:set>
+                                  </p:childTnLst>
+                                </p:cTn>
+                              </p:par>
+                              <p:par>
+                                <p:cTn id="33" presetID="1" presetClass="entr" presetSubtype="0" fill="hold" nodeType="withEffect">
+                                  <p:stCondLst>
+                                    <p:cond delay="0"/>
+                                  </p:stCondLst>
+                                  <p:childTnLst>
+                                    <p:set>
+                                      <p:cBhvr>
+                                        <p:cTn id="34" dur="1" fill="hold">
+                                          <p:stCondLst>
+                                            <p:cond delay="0"/>
+                                          </p:stCondLst>
+                                        </p:cTn>
+                                        <p:tgtEl>
+                                          <p:spTgt spid="51215"/>
+                                        </p:tgtEl>
+                                        <p:attrNameLst>
+                                          <p:attrName>style.visibility</p:attrName>
+                                        </p:attrNameLst>
+                                      </p:cBhvr>
+                                      <p:to>
+                                        <p:strVal val="visible"/>
+                                      </p:to>
+                                    </p:set>
+                                  </p:childTnLst>
+                                </p:cTn>
+                              </p:par>
+                            </p:childTnLst>
+                          </p:cTn>
+                        </p:par>
+                      </p:childTnLst>
+                    </p:cTn>
+                  </p:par>
+                </p:childTnLst>
+              </p:cTn>
+              <p:prevCondLst>
+                <p:cond evt="onPrev" delay="0">
+                  <p:tgtEl>
+                    <p:sldTgt/>
+                  </p:tgtEl>
+                </p:cond>
+              </p:prevCondLst>
+              <p:nextCondLst>
+                <p:cond evt="onNext" delay="0">
+                  <p:tgtEl>
+                    <p:sldTgt/>
+                  </p:tgtEl>
+                </p:cond>
+              </p:nextCondLst>
+            </p:seq>
+          </p:childTnLst>
+        </p:cTn>
+      </p:par>
+    </p:tnLst>
+  </p:timing>
+</p:sld>
+</file>
+
+<file path=ppt/slides/slide18.xml><?xml version="1.0" encoding="utf-8"?>
+<p:sld xmlns:a="http://schemas.openxmlformats.org/drawingml/2006/main" xmlns:r="http://schemas.openxmlformats.org/officeDocument/2006/relationships" xmlns:p="http://schemas.openxmlformats.org/presentationml/2006/main">
+  <p:cSld>
+    <p:spTree>
+      <p:nvGrpSpPr>
+        <p:cNvPr id="1" name=""/>
+        <p:cNvGrpSpPr/>
+        <p:nvPr/>
+      </p:nvGrpSpPr>
+      <p:grpSpPr>
+        <a:xfrm>
+          <a:off x="0" y="0"/>
+          <a:ext cx="0" cy="0"/>
+          <a:chOff x="0" y="0"/>
+          <a:chExt cx="0" cy="0"/>
+        </a:xfrm>
+      </p:grpSpPr>
+      <p:sp>
+        <p:nvSpPr>
+          <p:cNvPr id="2" name="Title 1"/>
+          <p:cNvSpPr>
+            <a:spLocks noGrp="1"/>
+          </p:cNvSpPr>
+          <p:nvPr>
+            <p:ph type="title"/>
+          </p:nvPr>
+        </p:nvSpPr>
+        <p:spPr/>
+        <p:txBody>
+          <a:bodyPr/>
+          <a:lstStyle/>
+          <a:p>
+            <a:r>
+              <a:rPr lang="en-US" dirty="0" smtClean="0"/>
+              <a:t>Sample Code Test: Gradient</a:t>
+            </a:r>
+            <a:endParaRPr lang="en-US" dirty="0"/>
+          </a:p>
+        </p:txBody>
+      </p:sp>
+      <p:sp>
+        <p:nvSpPr>
+          <p:cNvPr id="3" name="Content Placeholder 2"/>
+          <p:cNvSpPr>
+            <a:spLocks noGrp="1"/>
+          </p:cNvSpPr>
+          <p:nvPr>
+            <p:ph idx="1"/>
+          </p:nvPr>
+        </p:nvSpPr>
+        <p:spPr/>
+        <p:txBody>
+          <a:bodyPr/>
+          <a:lstStyle/>
+          <a:p>
+            <a:r>
+              <a:rPr lang="en-US" dirty="0" smtClean="0"/>
+              <a:t>Code </a:t>
+            </a:r>
+            <a:r>
+              <a:rPr lang="en-US" dirty="0" smtClean="0"/>
+              <a:t>test</a:t>
+            </a:r>
+          </a:p>
+          <a:p>
+            <a:pPr lvl="1"/>
+            <a:r>
+              <a:rPr lang="en-US" dirty="0" smtClean="0"/>
+              <a:t>gradient</a:t>
+            </a:r>
+          </a:p>
+          <a:p>
+            <a:pPr>
+              <a:buNone/>
+            </a:pPr>
+            <a:endParaRPr lang="en-US" dirty="0" smtClean="0"/>
+          </a:p>
+          <a:p>
+            <a:endParaRPr lang="en-US" dirty="0"/>
+          </a:p>
+        </p:txBody>
+      </p:sp>
+      <p:sp>
+        <p:nvSpPr>
+          <p:cNvPr id="4" name="Slide Number Placeholder 3"/>
+          <p:cNvSpPr>
+            <a:spLocks noGrp="1"/>
+          </p:cNvSpPr>
+          <p:nvPr>
+            <p:ph type="sldNum" sz="quarter" idx="12"/>
+          </p:nvPr>
+        </p:nvSpPr>
+        <p:spPr/>
+        <p:txBody>
+          <a:bodyPr/>
+          <a:lstStyle/>
+          <a:p>
+            <a:fld id="{36D33C6A-853C-4ABE-8582-D2633FFA550F}" type="slidenum">
+              <a:rPr lang="en-US" smtClean="0"/>
+              <a:pPr/>
+              <a:t>18</a:t>
+            </a:fld>
+            <a:endParaRPr lang="en-US"/>
+          </a:p>
+        </p:txBody>
+      </p:sp>
+      <p:sp>
+        <p:nvSpPr>
+          <p:cNvPr id="5" name="TextBox 4"/>
+          <p:cNvSpPr txBox="1"/>
+          <p:nvPr/>
+        </p:nvSpPr>
+        <p:spPr>
+          <a:xfrm>
+            <a:off x="3657600" y="1524000"/>
+            <a:ext cx="4706738" cy="1107996"/>
+          </a:xfrm>
+          <a:prstGeom prst="rect">
+            <a:avLst/>
+          </a:prstGeom>
+          <a:solidFill>
+            <a:srgbClr val="EB19BE"/>
+          </a:solidFill>
+        </p:spPr>
+        <p:txBody>
+          <a:bodyPr wrap="none" rtlCol="0">
+            <a:spAutoFit/>
+          </a:bodyPr>
+          <a:lstStyle/>
+          <a:p>
+            <a:r>
+              <a:rPr lang="en-US" sz="6600" dirty="0" smtClean="0"/>
+              <a:t>Add content</a:t>
+            </a:r>
+            <a:endParaRPr lang="en-US" sz="6600" dirty="0"/>
+          </a:p>
+        </p:txBody>
+      </p:sp>
+    </p:spTree>
+  </p:cSld>
+  <p:clrMapOvr>
+    <a:masterClrMapping/>
+  </p:clrMapOvr>
+  <p:timing>
+    <p:tnLst>
+      <p:par>
+        <p:cTn id="1" dur="indefinite" restart="never" nodeType="tmRoot"/>
+      </p:par>
+    </p:tnLst>
+  </p:timing>
+</p:sld>
+</file>
+
+<file path=ppt/slides/slide19.xml><?xml version="1.0" encoding="utf-8"?>
+<p:sld xmlns:a="http://schemas.openxmlformats.org/drawingml/2006/main" xmlns:r="http://schemas.openxmlformats.org/officeDocument/2006/relationships" xmlns:p="http://schemas.openxmlformats.org/presentationml/2006/main">
+  <p:cSld>
+    <p:spTree>
+      <p:nvGrpSpPr>
+        <p:cNvPr id="1" name=""/>
+        <p:cNvGrpSpPr/>
+        <p:nvPr/>
+      </p:nvGrpSpPr>
+      <p:grpSpPr>
+        <a:xfrm>
+          <a:off x="0" y="0"/>
+          <a:ext cx="0" cy="0"/>
+          <a:chOff x="0" y="0"/>
+          <a:chExt cx="0" cy="0"/>
+        </a:xfrm>
+      </p:grpSpPr>
+      <p:sp>
+        <p:nvSpPr>
+          <p:cNvPr id="2" name="Title 1"/>
+          <p:cNvSpPr>
+            <a:spLocks noGrp="1"/>
+          </p:cNvSpPr>
+          <p:nvPr>
+            <p:ph type="title"/>
+          </p:nvPr>
+        </p:nvSpPr>
+        <p:spPr>
+          <a:xfrm>
+            <a:off x="457200" y="457200"/>
+            <a:ext cx="8229600" cy="808038"/>
+          </a:xfrm>
+        </p:spPr>
+        <p:txBody>
+          <a:bodyPr/>
+          <a:lstStyle/>
+          <a:p>
+            <a:r>
+              <a:rPr lang="en-US" dirty="0" smtClean="0"/>
+              <a:t>Analytical Test:</a:t>
+            </a:r>
+            <a:br>
+              <a:rPr lang="en-US" dirty="0" smtClean="0"/>
+            </a:br>
+            <a:r>
+              <a:rPr lang="en-US" dirty="0" smtClean="0"/>
+              <a:t>Diffusion of one unit of mass </a:t>
+            </a:r>
+            <a:endParaRPr lang="en-US" dirty="0"/>
+          </a:p>
+        </p:txBody>
+      </p:sp>
+      <p:sp>
+        <p:nvSpPr>
+          <p:cNvPr id="11" name="Content Placeholder 10"/>
+          <p:cNvSpPr>
+            <a:spLocks noGrp="1"/>
+          </p:cNvSpPr>
+          <p:nvPr>
+            <p:ph sz="half" idx="2"/>
+          </p:nvPr>
+        </p:nvSpPr>
+        <p:spPr>
+          <a:xfrm>
+            <a:off x="381000" y="1524000"/>
+            <a:ext cx="8763000" cy="1219199"/>
+          </a:xfrm>
+        </p:spPr>
+        <p:txBody>
+          <a:bodyPr/>
+          <a:lstStyle/>
+          <a:p>
+            <a:pPr>
+              <a:buNone/>
+            </a:pPr>
+            <a:r>
+              <a:rPr lang="en-US" dirty="0" smtClean="0"/>
+              <a:t>Symmetrical C=1/∆X at X=0   c=0 everywhere else</a:t>
+            </a:r>
+          </a:p>
+        </p:txBody>
+      </p:sp>
+      <p:sp>
+        <p:nvSpPr>
+          <p:cNvPr id="4" name="Slide Number Placeholder 3"/>
+          <p:cNvSpPr>
+            <a:spLocks noGrp="1"/>
+          </p:cNvSpPr>
+          <p:nvPr>
+            <p:ph type="sldNum" sz="quarter" idx="12"/>
+          </p:nvPr>
+        </p:nvSpPr>
+        <p:spPr/>
+        <p:txBody>
+          <a:bodyPr/>
+          <a:lstStyle/>
+          <a:p>
+            <a:fld id="{36D33C6A-853C-4ABE-8582-D2633FFA550F}" type="slidenum">
+              <a:rPr lang="en-US" smtClean="0"/>
+              <a:pPr/>
+              <a:t>19</a:t>
+            </a:fld>
+            <a:endParaRPr lang="en-US"/>
+          </a:p>
+        </p:txBody>
+      </p:sp>
+      <p:pic>
+        <p:nvPicPr>
+          <p:cNvPr id="17" name="Content Placeholder 16" descr="Analtyical Test Concentration.png"/>
+          <p:cNvPicPr>
+            <a:picLocks noGrp="1" noChangeAspect="1"/>
+          </p:cNvPicPr>
+          <p:nvPr>
+            <p:ph sz="half" idx="1"/>
+          </p:nvPr>
+        </p:nvPicPr>
+        <p:blipFill>
+          <a:blip r:embed="rId2" cstate="print"/>
+          <a:stretch>
+            <a:fillRect/>
+          </a:stretch>
+        </p:blipFill>
+        <p:spPr>
+          <a:xfrm>
+            <a:off x="1676400" y="1676400"/>
+            <a:ext cx="6359768" cy="4724400"/>
+          </a:xfrm>
+        </p:spPr>
+      </p:pic>
+    </p:spTree>
+  </p:cSld>
+  <p:clrMapOvr>
+    <a:masterClrMapping/>
+  </p:clrMapOvr>
+  <p:timing>
+    <p:tnLst>
+      <p:par>
+        <p:cTn id="1" dur="indefinite" restart="never" nodeType="tmRoot"/>
+      </p:par>
+    </p:tnLst>
+  </p:timing>
+</p:sld>
+</file>
+
+<file path=ppt/slides/slide2.xml><?xml version="1.0" encoding="utf-8"?>
+<p:sld xmlns:a="http://schemas.openxmlformats.org/drawingml/2006/main" xmlns:r="http://schemas.openxmlformats.org/officeDocument/2006/relationships" xmlns:p="http://schemas.openxmlformats.org/presentationml/2006/main">
+  <p:cSld>
+    <p:spTree>
+      <p:nvGrpSpPr>
+        <p:cNvPr id="1" name=""/>
+        <p:cNvGrpSpPr/>
+        <p:nvPr/>
+      </p:nvGrpSpPr>
+      <p:grpSpPr>
+        <a:xfrm>
+          <a:off x="0" y="0"/>
+          <a:ext cx="0" cy="0"/>
+          <a:chOff x="0" y="0"/>
+          <a:chExt cx="0" cy="0"/>
+        </a:xfrm>
+      </p:grpSpPr>
+      <p:sp>
+        <p:nvSpPr>
+          <p:cNvPr id="5" name="Slide Number Placeholder 4"/>
+          <p:cNvSpPr>
+            <a:spLocks noGrp="1"/>
+          </p:cNvSpPr>
+          <p:nvPr>
+            <p:ph type="sldNum" sz="quarter" idx="12"/>
+          </p:nvPr>
+        </p:nvSpPr>
+        <p:spPr/>
+        <p:txBody>
+          <a:bodyPr/>
+          <a:lstStyle/>
+          <a:p>
+            <a:fld id="{4D1FAE17-FF9F-4802-B6B5-C9D27394F88B}" type="slidenum">
+              <a:rPr lang="en-US"/>
+              <a:pPr/>
+              <a:t>2</a:t>
+            </a:fld>
+            <a:endParaRPr lang="en-US"/>
+          </a:p>
+        </p:txBody>
+      </p:sp>
+      <p:sp>
+        <p:nvSpPr>
+          <p:cNvPr id="957444" name="Rectangle 4"/>
+          <p:cNvSpPr>
+            <a:spLocks noGrp="1" noChangeArrowheads="1"/>
+          </p:cNvSpPr>
+          <p:nvPr>
+            <p:ph type="title"/>
+          </p:nvPr>
+        </p:nvSpPr>
+        <p:spPr>
+          <a:xfrm>
+            <a:off x="457200" y="228600"/>
+            <a:ext cx="8229600" cy="808038"/>
+          </a:xfrm>
+        </p:spPr>
+        <p:txBody>
+          <a:bodyPr/>
+          <a:lstStyle/>
+          <a:p>
+            <a:r>
+              <a:rPr lang="en-US" sz="3200"/>
+              <a:t>Thanks to CWEMF for the refreshments</a:t>
+            </a:r>
+          </a:p>
+        </p:txBody>
+      </p:sp>
+      <p:pic>
+        <p:nvPicPr>
+          <p:cNvPr id="957445" name="Picture 5" descr="j0437763[1]"/>
+          <p:cNvPicPr>
+            <a:picLocks noChangeAspect="1" noChangeArrowheads="1"/>
+          </p:cNvPicPr>
+          <p:nvPr/>
+        </p:nvPicPr>
+        <p:blipFill>
+          <a:blip r:embed="rId2" cstate="print"/>
+          <a:srcRect/>
+          <a:stretch>
+            <a:fillRect/>
+          </a:stretch>
+        </p:blipFill>
+        <p:spPr bwMode="auto">
+          <a:xfrm>
+            <a:off x="3500438" y="1371600"/>
+            <a:ext cx="2141537" cy="3201988"/>
+          </a:xfrm>
+          <a:prstGeom prst="rect">
+            <a:avLst/>
+          </a:prstGeom>
+          <a:noFill/>
+        </p:spPr>
+      </p:pic>
+      <p:sp>
+        <p:nvSpPr>
+          <p:cNvPr id="957446" name="Text Box 6"/>
+          <p:cNvSpPr txBox="1">
+            <a:spLocks noChangeArrowheads="1"/>
+          </p:cNvSpPr>
+          <p:nvPr/>
+        </p:nvSpPr>
+        <p:spPr bwMode="auto">
+          <a:xfrm>
+            <a:off x="1819275" y="5522913"/>
+            <a:ext cx="5505450" cy="641350"/>
+          </a:xfrm>
+          <a:prstGeom prst="rect">
+            <a:avLst/>
+          </a:prstGeom>
+          <a:noFill/>
+          <a:ln w="9525">
+            <a:noFill/>
+            <a:miter lim="800000"/>
+            <a:headEnd/>
+            <a:tailEnd/>
+          </a:ln>
+          <a:effectLst/>
+        </p:spPr>
+        <p:txBody>
+          <a:bodyPr wrap="none">
+            <a:spAutoFit/>
+          </a:bodyPr>
+          <a:lstStyle/>
+          <a:p>
+            <a:pPr algn="ctr"/>
+            <a:r>
+              <a:rPr lang="en-US">
+                <a:solidFill>
+                  <a:schemeClr val="bg1"/>
+                </a:solidFill>
+              </a:rPr>
+              <a:t>California Water and Environmental Modeling Forum</a:t>
+            </a:r>
+          </a:p>
+          <a:p>
+            <a:pPr algn="ctr"/>
+            <a:r>
+              <a:rPr lang="en-US">
+                <a:solidFill>
+                  <a:schemeClr val="bg1"/>
+                </a:solidFill>
+              </a:rPr>
+              <a:t>cwemf.org</a:t>
+            </a:r>
+          </a:p>
+        </p:txBody>
+      </p:sp>
+    </p:spTree>
+  </p:cSld>
+  <p:clrMapOvr>
+    <a:masterClrMapping/>
+  </p:clrMapOvr>
+  <p:timing>
+    <p:tnLst>
+      <p:par>
+        <p:cTn id="1" dur="indefinite" restart="never" nodeType="tmRoot"/>
+      </p:par>
+    </p:tnLst>
+  </p:timing>
+</p:sld>
+</file>
+
+<file path=ppt/slides/slide20.xml><?xml version="1.0" encoding="utf-8"?>
+<p:sld xmlns:a="http://schemas.openxmlformats.org/drawingml/2006/main" xmlns:r="http://schemas.openxmlformats.org/officeDocument/2006/relationships" xmlns:p="http://schemas.openxmlformats.org/presentationml/2006/main">
+  <p:cSld>
+    <p:spTree>
+      <p:nvGrpSpPr>
+        <p:cNvPr id="1" name=""/>
+        <p:cNvGrpSpPr/>
+        <p:nvPr/>
+      </p:nvGrpSpPr>
+      <p:grpSpPr>
+        <a:xfrm>
+          <a:off x="0" y="0"/>
+          <a:ext cx="0" cy="0"/>
+          <a:chOff x="0" y="0"/>
+          <a:chExt cx="0" cy="0"/>
+        </a:xfrm>
+      </p:grpSpPr>
+      <p:sp>
+        <p:nvSpPr>
+          <p:cNvPr id="10" name="Rectangle 9"/>
+          <p:cNvSpPr/>
+          <p:nvPr/>
+        </p:nvSpPr>
+        <p:spPr>
+          <a:xfrm>
+            <a:off x="4239399" y="1752600"/>
+            <a:ext cx="4724400" cy="3657600"/>
+          </a:xfrm>
+          <a:prstGeom prst="rect">
+            <a:avLst/>
+          </a:prstGeom>
+          <a:solidFill>
+            <a:schemeClr val="bg1"/>
+          </a:solidFill>
+          <a:ln>
+            <a:noFill/>
+          </a:ln>
+        </p:spPr>
+        <p:style>
+          <a:lnRef idx="2">
+            <a:schemeClr val="accent1">
+              <a:shade val="50000"/>
+            </a:schemeClr>
+          </a:lnRef>
+          <a:fillRef idx="1">
+            <a:schemeClr val="accent1"/>
+          </a:fillRef>
+          <a:effectRef idx="0">
+            <a:schemeClr val="accent1"/>
+          </a:effectRef>
+          <a:fontRef idx="minor">
+            <a:schemeClr val="lt1"/>
+          </a:fontRef>
+        </p:style>
+        <p:txBody>
+          <a:bodyPr rtlCol="0" anchor="ctr"/>
+          <a:lstStyle/>
+          <a:p>
+            <a:pPr algn="ctr"/>
+            <a:endParaRPr lang="en-US"/>
+          </a:p>
+        </p:txBody>
+      </p:sp>
+      <p:sp>
+        <p:nvSpPr>
+          <p:cNvPr id="2" name="Title 1"/>
+          <p:cNvSpPr>
+            <a:spLocks noGrp="1"/>
+          </p:cNvSpPr>
+          <p:nvPr>
+            <p:ph type="title"/>
+          </p:nvPr>
+        </p:nvSpPr>
+        <p:spPr>
+          <a:xfrm>
+            <a:off x="381000" y="304800"/>
+            <a:ext cx="8229600" cy="808038"/>
+          </a:xfrm>
+        </p:spPr>
+        <p:txBody>
+          <a:bodyPr/>
+          <a:lstStyle/>
+          <a:p>
+            <a:r>
+              <a:rPr lang="en-US" dirty="0" smtClean="0"/>
+              <a:t>Analytical Test:</a:t>
+            </a:r>
+            <a:r>
+              <a:rPr lang="en-US" dirty="0" smtClean="0"/>
+              <a:t> </a:t>
+            </a:r>
+            <a:r>
+              <a:rPr lang="en-US" dirty="0" smtClean="0"/>
+              <a:t>Diffusion</a:t>
+            </a:r>
+            <a:endParaRPr lang="en-US" dirty="0"/>
+          </a:p>
+        </p:txBody>
+      </p:sp>
+      <p:sp>
+        <p:nvSpPr>
+          <p:cNvPr id="3" name="Content Placeholder 2"/>
+          <p:cNvSpPr>
+            <a:spLocks noGrp="1"/>
+          </p:cNvSpPr>
+          <p:nvPr>
+            <p:ph sz="half" idx="1"/>
+          </p:nvPr>
+        </p:nvSpPr>
+        <p:spPr>
+          <a:xfrm>
+            <a:off x="457200" y="1600200"/>
+            <a:ext cx="3886200" cy="4525963"/>
+          </a:xfrm>
+        </p:spPr>
+        <p:txBody>
+          <a:bodyPr/>
+          <a:lstStyle/>
+          <a:p>
+            <a:r>
+              <a:rPr lang="en-US" dirty="0" smtClean="0"/>
+              <a:t>Neumann boundary condition at x=0.1</a:t>
+            </a:r>
+            <a:br>
+              <a:rPr lang="en-US" dirty="0" smtClean="0"/>
+            </a:br>
+            <a:r>
+              <a:rPr lang="en-US" dirty="0" smtClean="0"/>
+              <a:t>(specify slope) </a:t>
+            </a:r>
+          </a:p>
+          <a:p>
+            <a:endParaRPr lang="en-US" dirty="0" smtClean="0"/>
+          </a:p>
+          <a:p>
+            <a:r>
+              <a:rPr lang="en-US" dirty="0" err="1" smtClean="0"/>
+              <a:t>Dirichlet</a:t>
+            </a:r>
+            <a:r>
+              <a:rPr lang="en-US" dirty="0" smtClean="0"/>
+              <a:t> boundary condition at x=1.0</a:t>
+            </a:r>
+            <a:br>
+              <a:rPr lang="en-US" dirty="0" smtClean="0"/>
+            </a:br>
+            <a:r>
+              <a:rPr lang="en-US" dirty="0" smtClean="0"/>
+              <a:t>(specify value)</a:t>
+            </a:r>
+            <a:endParaRPr lang="en-US" dirty="0"/>
+          </a:p>
+        </p:txBody>
+      </p:sp>
+      <p:sp>
+        <p:nvSpPr>
+          <p:cNvPr id="5" name="Slide Number Placeholder 4"/>
+          <p:cNvSpPr>
+            <a:spLocks noGrp="1"/>
+          </p:cNvSpPr>
+          <p:nvPr>
+            <p:ph type="sldNum" sz="quarter" idx="12"/>
+          </p:nvPr>
+        </p:nvSpPr>
+        <p:spPr/>
+        <p:txBody>
+          <a:bodyPr/>
+          <a:lstStyle/>
+          <a:p>
+            <a:fld id="{B08451F3-A0B5-44D8-90F5-7925B7702084}" type="slidenum">
+              <a:rPr lang="en-US" smtClean="0"/>
+              <a:pPr/>
+              <a:t>20</a:t>
+            </a:fld>
+            <a:endParaRPr lang="en-US"/>
+          </a:p>
+        </p:txBody>
+      </p:sp>
+      <p:pic>
+        <p:nvPicPr>
+          <p:cNvPr id="53250" name="Picture 2" descr="OUT-put"/>
+          <p:cNvPicPr>
+            <a:picLocks noChangeAspect="1" noChangeArrowheads="1"/>
+          </p:cNvPicPr>
+          <p:nvPr/>
+        </p:nvPicPr>
+        <p:blipFill>
+          <a:blip r:embed="rId2" cstate="print"/>
+          <a:srcRect/>
+          <a:stretch>
+            <a:fillRect/>
+          </a:stretch>
+        </p:blipFill>
+        <p:spPr bwMode="auto">
+          <a:xfrm>
+            <a:off x="4391799" y="1828800"/>
+            <a:ext cx="4572000" cy="3429000"/>
+          </a:xfrm>
+          <a:prstGeom prst="rect">
+            <a:avLst/>
+          </a:prstGeom>
+          <a:noFill/>
+          <a:ln w="9525">
+            <a:noFill/>
+            <a:miter lim="800000"/>
+            <a:headEnd/>
+            <a:tailEnd/>
+          </a:ln>
+        </p:spPr>
+      </p:pic>
+      <p:sp>
+        <p:nvSpPr>
+          <p:cNvPr id="7" name="Rectangle 6"/>
+          <p:cNvSpPr/>
+          <p:nvPr/>
+        </p:nvSpPr>
+        <p:spPr>
+          <a:xfrm>
+            <a:off x="5991998" y="1828800"/>
+            <a:ext cx="1434245" cy="152400"/>
+          </a:xfrm>
+          <a:prstGeom prst="rect">
+            <a:avLst/>
+          </a:prstGeom>
+          <a:solidFill>
+            <a:schemeClr val="bg1"/>
+          </a:solidFill>
+          <a:ln>
+            <a:noFill/>
+          </a:ln>
+        </p:spPr>
+        <p:style>
+          <a:lnRef idx="2">
+            <a:schemeClr val="accent1">
+              <a:shade val="50000"/>
+            </a:schemeClr>
+          </a:lnRef>
+          <a:fillRef idx="1">
+            <a:schemeClr val="accent1"/>
+          </a:fillRef>
+          <a:effectRef idx="0">
+            <a:schemeClr val="accent1"/>
+          </a:effectRef>
+          <a:fontRef idx="minor">
+            <a:schemeClr val="lt1"/>
+          </a:fontRef>
+        </p:style>
+        <p:txBody>
+          <a:bodyPr rtlCol="0" anchor="ctr"/>
+          <a:lstStyle/>
+          <a:p>
+            <a:pPr algn="ctr"/>
+            <a:endParaRPr lang="en-US"/>
+          </a:p>
+        </p:txBody>
+      </p:sp>
+      <p:sp>
+        <p:nvSpPr>
+          <p:cNvPr id="8" name="Rectangle 7"/>
+          <p:cNvSpPr/>
+          <p:nvPr/>
+        </p:nvSpPr>
+        <p:spPr>
+          <a:xfrm>
+            <a:off x="6372998" y="5105400"/>
+            <a:ext cx="717123" cy="152400"/>
+          </a:xfrm>
+          <a:prstGeom prst="rect">
+            <a:avLst/>
+          </a:prstGeom>
+          <a:solidFill>
+            <a:schemeClr val="bg1"/>
+          </a:solidFill>
+          <a:ln>
+            <a:noFill/>
+          </a:ln>
+        </p:spPr>
+        <p:style>
+          <a:lnRef idx="2">
+            <a:schemeClr val="accent1">
+              <a:shade val="50000"/>
+            </a:schemeClr>
+          </a:lnRef>
+          <a:fillRef idx="1">
+            <a:schemeClr val="accent1"/>
+          </a:fillRef>
+          <a:effectRef idx="0">
+            <a:schemeClr val="accent1"/>
+          </a:effectRef>
+          <a:fontRef idx="minor">
+            <a:schemeClr val="lt1"/>
+          </a:fontRef>
+        </p:style>
+        <p:txBody>
+          <a:bodyPr rtlCol="0" anchor="ctr"/>
+          <a:lstStyle/>
+          <a:p>
+            <a:pPr algn="ctr"/>
+            <a:endParaRPr lang="en-US"/>
+          </a:p>
+        </p:txBody>
+      </p:sp>
+      <p:sp>
+        <p:nvSpPr>
+          <p:cNvPr id="9" name="Rectangle 8"/>
+          <p:cNvSpPr/>
+          <p:nvPr/>
+        </p:nvSpPr>
+        <p:spPr>
+          <a:xfrm>
+            <a:off x="4391799" y="3429000"/>
+            <a:ext cx="79680" cy="152400"/>
+          </a:xfrm>
+          <a:prstGeom prst="rect">
+            <a:avLst/>
+          </a:prstGeom>
+          <a:solidFill>
+            <a:schemeClr val="bg1"/>
+          </a:solidFill>
+          <a:ln>
+            <a:noFill/>
+          </a:ln>
+        </p:spPr>
+        <p:style>
+          <a:lnRef idx="2">
+            <a:schemeClr val="accent1">
+              <a:shade val="50000"/>
+            </a:schemeClr>
+          </a:lnRef>
+          <a:fillRef idx="1">
+            <a:schemeClr val="accent1"/>
+          </a:fillRef>
+          <a:effectRef idx="0">
+            <a:schemeClr val="accent1"/>
+          </a:effectRef>
+          <a:fontRef idx="minor">
+            <a:schemeClr val="lt1"/>
+          </a:fontRef>
+        </p:style>
+        <p:txBody>
+          <a:bodyPr rtlCol="0" anchor="ctr"/>
+          <a:lstStyle/>
+          <a:p>
+            <a:pPr algn="ctr"/>
+            <a:endParaRPr lang="en-US"/>
+          </a:p>
+        </p:txBody>
+      </p:sp>
+      <p:sp>
+        <p:nvSpPr>
+          <p:cNvPr id="11" name="TextBox 10"/>
+          <p:cNvSpPr txBox="1"/>
+          <p:nvPr/>
+        </p:nvSpPr>
+        <p:spPr>
+          <a:xfrm rot="16200000">
+            <a:off x="3680123" y="3254076"/>
+            <a:ext cx="1298753" cy="276999"/>
+          </a:xfrm>
+          <a:prstGeom prst="rect">
+            <a:avLst/>
+          </a:prstGeom>
+          <a:noFill/>
+        </p:spPr>
+        <p:txBody>
+          <a:bodyPr wrap="square" rtlCol="0">
+            <a:spAutoFit/>
+          </a:bodyPr>
+          <a:lstStyle/>
+          <a:p>
+            <a:r>
+              <a:rPr lang="en-US" sz="1200" dirty="0" smtClean="0"/>
+              <a:t>Concentration</a:t>
+            </a:r>
+            <a:endParaRPr lang="en-US" sz="1200" dirty="0"/>
+          </a:p>
+        </p:txBody>
+      </p:sp>
+      <p:sp>
+        <p:nvSpPr>
+          <p:cNvPr id="12" name="TextBox 11"/>
+          <p:cNvSpPr txBox="1"/>
+          <p:nvPr/>
+        </p:nvSpPr>
+        <p:spPr>
+          <a:xfrm>
+            <a:off x="6220599" y="5133201"/>
+            <a:ext cx="1828800" cy="276999"/>
+          </a:xfrm>
+          <a:prstGeom prst="rect">
+            <a:avLst/>
+          </a:prstGeom>
+          <a:noFill/>
+        </p:spPr>
+        <p:txBody>
+          <a:bodyPr wrap="square" rtlCol="0">
+            <a:spAutoFit/>
+          </a:bodyPr>
+          <a:lstStyle/>
+          <a:p>
+            <a:r>
+              <a:rPr lang="en-US" sz="1200" dirty="0" smtClean="0"/>
+              <a:t>Distance from 0.1 to 1</a:t>
+            </a:r>
+            <a:endParaRPr lang="en-US" sz="1200" dirty="0"/>
+          </a:p>
+        </p:txBody>
+      </p:sp>
+      <p:sp>
+        <p:nvSpPr>
+          <p:cNvPr id="13" name="TextBox 12"/>
+          <p:cNvSpPr txBox="1"/>
+          <p:nvPr/>
+        </p:nvSpPr>
+        <p:spPr>
+          <a:xfrm>
+            <a:off x="7363599" y="2209800"/>
+            <a:ext cx="1447800" cy="553998"/>
+          </a:xfrm>
+          <a:prstGeom prst="rect">
+            <a:avLst/>
+          </a:prstGeom>
+          <a:noFill/>
+        </p:spPr>
+        <p:txBody>
+          <a:bodyPr wrap="square" rtlCol="0">
+            <a:spAutoFit/>
+          </a:bodyPr>
+          <a:lstStyle/>
+          <a:p>
+            <a:r>
+              <a:rPr lang="en-US" sz="1000" dirty="0" smtClean="0"/>
+              <a:t>Exact solution</a:t>
+            </a:r>
+          </a:p>
+          <a:p>
+            <a:r>
+              <a:rPr lang="en-US" sz="1000" dirty="0" smtClean="0"/>
+              <a:t>Numerical solution at </a:t>
+            </a:r>
+          </a:p>
+          <a:p>
+            <a:r>
+              <a:rPr lang="en-US" sz="1000" dirty="0" smtClean="0"/>
+              <a:t>v</a:t>
+            </a:r>
+            <a:r>
+              <a:rPr lang="en-US" sz="1000" dirty="0" smtClean="0"/>
+              <a:t>arious times</a:t>
+            </a:r>
+            <a:endParaRPr lang="en-US" sz="1000" dirty="0"/>
+          </a:p>
+        </p:txBody>
+      </p:sp>
+      <p:sp>
+        <p:nvSpPr>
+          <p:cNvPr id="14" name="Oval 13"/>
+          <p:cNvSpPr>
+            <a:spLocks noChangeAspect="1"/>
+          </p:cNvSpPr>
+          <p:nvPr/>
+        </p:nvSpPr>
+        <p:spPr>
+          <a:xfrm>
+            <a:off x="7314069" y="2286000"/>
+            <a:ext cx="38100" cy="76200"/>
+          </a:xfrm>
+          <a:prstGeom prst="ellipse">
+            <a:avLst/>
+          </a:prstGeom>
+          <a:noFill/>
+          <a:ln w="6350">
+            <a:solidFill>
+              <a:srgbClr val="FF0000"/>
+            </a:solidFill>
+          </a:ln>
+        </p:spPr>
+        <p:style>
+          <a:lnRef idx="2">
+            <a:schemeClr val="accent1">
+              <a:shade val="50000"/>
+            </a:schemeClr>
+          </a:lnRef>
+          <a:fillRef idx="1">
+            <a:schemeClr val="accent1"/>
+          </a:fillRef>
+          <a:effectRef idx="0">
+            <a:schemeClr val="accent1"/>
+          </a:effectRef>
+          <a:fontRef idx="minor">
+            <a:schemeClr val="lt1"/>
+          </a:fontRef>
+        </p:style>
+        <p:txBody>
+          <a:bodyPr rtlCol="0" anchor="ctr"/>
+          <a:lstStyle/>
+          <a:p>
+            <a:pPr algn="ctr"/>
+            <a:endParaRPr lang="en-US"/>
+          </a:p>
+        </p:txBody>
+      </p:sp>
+      <p:cxnSp>
+        <p:nvCxnSpPr>
+          <p:cNvPr id="16" name="Straight Connector 15"/>
+          <p:cNvCxnSpPr/>
+          <p:nvPr/>
+        </p:nvCxnSpPr>
+        <p:spPr>
+          <a:xfrm>
+            <a:off x="7264539" y="2476500"/>
+            <a:ext cx="137160" cy="0"/>
+          </a:xfrm>
+          <a:prstGeom prst="line">
+            <a:avLst/>
+          </a:prstGeom>
+          <a:ln>
+            <a:solidFill>
+              <a:srgbClr val="0000FF"/>
+            </a:solidFill>
+          </a:ln>
+        </p:spPr>
+        <p:style>
+          <a:lnRef idx="1">
+            <a:schemeClr val="accent1"/>
+          </a:lnRef>
+          <a:fillRef idx="0">
+            <a:schemeClr val="accent1"/>
+          </a:fillRef>
+          <a:effectRef idx="0">
+            <a:schemeClr val="accent1"/>
+          </a:effectRef>
+          <a:fontRef idx="minor">
+            <a:schemeClr val="tx1"/>
+          </a:fontRef>
+        </p:style>
+      </p:cxnSp>
+      <p:sp>
+        <p:nvSpPr>
+          <p:cNvPr id="20" name="Rectangle 19"/>
+          <p:cNvSpPr/>
+          <p:nvPr/>
+        </p:nvSpPr>
+        <p:spPr>
+          <a:xfrm>
+            <a:off x="4467999" y="5029200"/>
+            <a:ext cx="4343400" cy="76200"/>
+          </a:xfrm>
+          <a:prstGeom prst="rect">
+            <a:avLst/>
+          </a:prstGeom>
+          <a:solidFill>
+            <a:schemeClr val="bg1"/>
+          </a:solidFill>
+          <a:ln>
+            <a:noFill/>
+          </a:ln>
+        </p:spPr>
+        <p:style>
+          <a:lnRef idx="2">
+            <a:schemeClr val="accent1">
+              <a:shade val="50000"/>
+            </a:schemeClr>
+          </a:lnRef>
+          <a:fillRef idx="1">
+            <a:schemeClr val="accent1"/>
+          </a:fillRef>
+          <a:effectRef idx="0">
+            <a:schemeClr val="accent1"/>
+          </a:effectRef>
+          <a:fontRef idx="minor">
+            <a:schemeClr val="lt1"/>
+          </a:fontRef>
+        </p:style>
+        <p:txBody>
+          <a:bodyPr rtlCol="0" anchor="ctr"/>
+          <a:lstStyle/>
+          <a:p>
+            <a:pPr algn="ctr"/>
+            <a:endParaRPr lang="en-US"/>
+          </a:p>
+        </p:txBody>
+      </p:sp>
+    </p:spTree>
+  </p:cSld>
+  <p:clrMapOvr>
+    <a:masterClrMapping/>
+  </p:clrMapOvr>
+  <p:timing>
+    <p:tnLst>
+      <p:par>
+        <p:cTn id="1" dur="indefinite" restart="never" nodeType="tmRoot"/>
+      </p:par>
+    </p:tnLst>
+  </p:timing>
+</p:sld>
+</file>
+
+<file path=ppt/slides/slide21.xml><?xml version="1.0" encoding="utf-8"?>
+<p:sld xmlns:a="http://schemas.openxmlformats.org/drawingml/2006/main" xmlns:r="http://schemas.openxmlformats.org/officeDocument/2006/relationships" xmlns:p="http://schemas.openxmlformats.org/presentationml/2006/main">
+  <p:cSld>
+    <p:spTree>
+      <p:nvGrpSpPr>
+        <p:cNvPr id="1" name=""/>
+        <p:cNvGrpSpPr/>
+        <p:nvPr/>
+      </p:nvGrpSpPr>
+      <p:grpSpPr>
+        <a:xfrm>
+          <a:off x="0" y="0"/>
+          <a:ext cx="0" cy="0"/>
+          <a:chOff x="0" y="0"/>
+          <a:chExt cx="0" cy="0"/>
+        </a:xfrm>
+      </p:grpSpPr>
+      <p:sp>
+        <p:nvSpPr>
+          <p:cNvPr id="8" name="Slide Number Placeholder 5"/>
+          <p:cNvSpPr>
+            <a:spLocks noGrp="1"/>
+          </p:cNvSpPr>
+          <p:nvPr>
+            <p:ph type="sldNum" sz="quarter" idx="12"/>
+          </p:nvPr>
+        </p:nvSpPr>
+        <p:spPr/>
+        <p:txBody>
+          <a:bodyPr/>
+          <a:lstStyle/>
+          <a:p>
+            <a:fld id="{55632931-31F7-412D-B659-DEC5955B1CB9}" type="slidenum">
+              <a:rPr lang="en-US"/>
+              <a:pPr/>
+              <a:t>21</a:t>
+            </a:fld>
+            <a:endParaRPr lang="en-US"/>
+          </a:p>
+        </p:txBody>
+      </p:sp>
+      <p:sp>
+        <p:nvSpPr>
+          <p:cNvPr id="960514" name="Rectangle 2"/>
+          <p:cNvSpPr>
+            <a:spLocks noGrp="1" noChangeArrowheads="1"/>
+          </p:cNvSpPr>
+          <p:nvPr>
+            <p:ph type="title"/>
+          </p:nvPr>
+        </p:nvSpPr>
+        <p:spPr/>
+        <p:txBody>
+          <a:bodyPr/>
+          <a:lstStyle/>
+          <a:p>
+            <a:r>
+              <a:rPr lang="en-US"/>
+              <a:t>STM Code Development Plan</a:t>
+            </a:r>
+          </a:p>
+        </p:txBody>
+      </p:sp>
+      <p:sp>
+        <p:nvSpPr>
+          <p:cNvPr id="960515" name="Rectangle 3"/>
+          <p:cNvSpPr>
+            <a:spLocks noGrp="1" noChangeArrowheads="1"/>
+          </p:cNvSpPr>
+          <p:nvPr>
+            <p:ph type="body" idx="1"/>
+          </p:nvPr>
+        </p:nvSpPr>
+        <p:spPr>
+          <a:xfrm>
+            <a:off x="457200" y="1143000"/>
+            <a:ext cx="7391400" cy="4800600"/>
+          </a:xfrm>
+        </p:spPr>
+        <p:txBody>
+          <a:bodyPr/>
+          <a:lstStyle/>
+          <a:p>
+            <a:r>
+              <a:rPr lang="en-US" sz="2400" dirty="0"/>
+              <a:t>Flexible, modular </a:t>
+            </a:r>
+            <a:r>
+              <a:rPr lang="en-US" sz="2400" dirty="0" smtClean="0"/>
+              <a:t>design</a:t>
+            </a:r>
+            <a:endParaRPr lang="en-US" sz="2400" dirty="0"/>
+          </a:p>
+          <a:p>
+            <a:pPr>
+              <a:spcBef>
+                <a:spcPct val="40000"/>
+              </a:spcBef>
+            </a:pPr>
+            <a:r>
+              <a:rPr lang="en-US" sz="2400" dirty="0" smtClean="0"/>
+              <a:t>Generalize </a:t>
+            </a:r>
+            <a:r>
+              <a:rPr lang="en-US" sz="2400" dirty="0" err="1" smtClean="0"/>
+              <a:t>Eulerian</a:t>
+            </a:r>
+            <a:r>
+              <a:rPr lang="en-US" sz="2400" dirty="0" smtClean="0"/>
+              <a:t> </a:t>
+            </a:r>
+            <a:r>
+              <a:rPr lang="en-US" sz="2400" dirty="0"/>
+              <a:t>transport that </a:t>
+            </a:r>
+            <a:br>
+              <a:rPr lang="en-US" sz="2400" dirty="0"/>
+            </a:br>
+            <a:r>
+              <a:rPr lang="en-US" sz="2400" dirty="0"/>
+              <a:t>could be adapted to other constituents</a:t>
+            </a:r>
+          </a:p>
+          <a:p>
+            <a:pPr>
+              <a:spcBef>
+                <a:spcPct val="40000"/>
+              </a:spcBef>
+            </a:pPr>
+            <a:r>
+              <a:rPr lang="en-US" sz="2400" dirty="0" smtClean="0"/>
+              <a:t>Self-documenting </a:t>
+            </a:r>
+            <a:r>
+              <a:rPr lang="en-US" sz="2400" dirty="0"/>
+              <a:t>code using </a:t>
+            </a:r>
+            <a:r>
+              <a:rPr lang="en-US" sz="2400" dirty="0" err="1" smtClean="0"/>
+              <a:t>Doxygen</a:t>
+            </a:r>
+            <a:endParaRPr lang="en-US" sz="2400" dirty="0" smtClean="0"/>
+          </a:p>
+          <a:p>
+            <a:pPr>
+              <a:spcBef>
+                <a:spcPct val="40000"/>
+              </a:spcBef>
+            </a:pPr>
+            <a:r>
+              <a:rPr lang="en-US" sz="2400" dirty="0" smtClean="0"/>
+              <a:t>Companion testing routines</a:t>
+            </a:r>
+            <a:endParaRPr lang="en-US" sz="2400" dirty="0"/>
+          </a:p>
+          <a:p>
+            <a:pPr>
+              <a:spcBef>
+                <a:spcPct val="40000"/>
+              </a:spcBef>
+            </a:pPr>
+            <a:r>
+              <a:rPr lang="en-US" sz="2400" dirty="0" smtClean="0"/>
+              <a:t>Assistance with code </a:t>
+            </a:r>
+            <a:r>
+              <a:rPr lang="en-US" sz="2400" dirty="0"/>
+              <a:t>development by DWR staff </a:t>
+            </a:r>
+          </a:p>
+          <a:p>
+            <a:pPr lvl="1"/>
+            <a:r>
+              <a:rPr lang="en-US" sz="2200" dirty="0"/>
+              <a:t>lead by Kevin </a:t>
+            </a:r>
+            <a:r>
+              <a:rPr lang="en-US" sz="2200" dirty="0" smtClean="0"/>
+              <a:t>Kao </a:t>
+            </a:r>
+            <a:br>
+              <a:rPr lang="en-US" sz="2200" dirty="0" smtClean="0"/>
+            </a:br>
+            <a:r>
+              <a:rPr lang="en-US" sz="2200" dirty="0" smtClean="0"/>
+              <a:t>additional input Eli </a:t>
+            </a:r>
+            <a:r>
+              <a:rPr lang="en-US" sz="2200" dirty="0" err="1" smtClean="0"/>
+              <a:t>Ateljevich</a:t>
+            </a:r>
+            <a:r>
+              <a:rPr lang="en-US" sz="2200" dirty="0" smtClean="0"/>
+              <a:t> and Nicky </a:t>
+            </a:r>
+            <a:r>
+              <a:rPr lang="en-US" sz="2200" dirty="0" err="1" smtClean="0"/>
+              <a:t>Sandhu</a:t>
+            </a:r>
+            <a:endParaRPr lang="en-US" sz="2200" dirty="0"/>
+          </a:p>
+          <a:p>
+            <a:pPr lvl="1"/>
+            <a:r>
+              <a:rPr lang="en-US" sz="2200" dirty="0"/>
+              <a:t>version control</a:t>
+            </a:r>
+          </a:p>
+          <a:p>
+            <a:pPr>
+              <a:spcBef>
+                <a:spcPct val="40000"/>
+              </a:spcBef>
+            </a:pPr>
+            <a:r>
+              <a:rPr lang="en-US" sz="2400" dirty="0"/>
+              <a:t>Training on </a:t>
+            </a:r>
+            <a:r>
+              <a:rPr lang="en-US" sz="2400" dirty="0" smtClean="0"/>
+              <a:t>use </a:t>
+            </a:r>
+            <a:r>
+              <a:rPr lang="en-US" sz="2400" dirty="0"/>
+              <a:t>of the model</a:t>
+            </a:r>
           </a:p>
         </p:txBody>
       </p:sp>
@@ -6530,1296 +10569,15 @@
                                   </p:childTnLst>
                                 </p:cTn>
                               </p:par>
-                            </p:childTnLst>
-                          </p:cTn>
-                        </p:par>
-                      </p:childTnLst>
-                    </p:cTn>
-                  </p:par>
-                </p:childTnLst>
-              </p:cTn>
-              <p:prevCondLst>
-                <p:cond evt="onPrev" delay="0">
-                  <p:tgtEl>
-                    <p:sldTgt/>
-                  </p:tgtEl>
-                </p:cond>
-              </p:prevCondLst>
-              <p:nextCondLst>
-                <p:cond evt="onNext" delay="0">
-                  <p:tgtEl>
-                    <p:sldTgt/>
-                  </p:tgtEl>
-                </p:cond>
-              </p:nextCondLst>
-            </p:seq>
-          </p:childTnLst>
-        </p:cTn>
-      </p:par>
-    </p:tnLst>
-    <p:bldLst>
-      <p:bldP spid="960515" grpId="0" build="p"/>
-    </p:bldLst>
-  </p:timing>
-</p:sld>
-</file>
-
-<file path=ppt/slides/slide16.xml><?xml version="1.0" encoding="utf-8"?>
-<p:sld xmlns:a="http://schemas.openxmlformats.org/drawingml/2006/main" xmlns:r="http://schemas.openxmlformats.org/officeDocument/2006/relationships" xmlns:p="http://schemas.openxmlformats.org/presentationml/2006/main">
-  <p:cSld>
-    <p:spTree>
-      <p:nvGrpSpPr>
-        <p:cNvPr id="1" name=""/>
-        <p:cNvGrpSpPr/>
-        <p:nvPr/>
-      </p:nvGrpSpPr>
-      <p:grpSpPr>
-        <a:xfrm>
-          <a:off x="0" y="0"/>
-          <a:ext cx="0" cy="0"/>
-          <a:chOff x="0" y="0"/>
-          <a:chExt cx="0" cy="0"/>
-        </a:xfrm>
-      </p:grpSpPr>
-      <p:sp>
-        <p:nvSpPr>
-          <p:cNvPr id="8" name="Slide Number Placeholder 5"/>
-          <p:cNvSpPr>
-            <a:spLocks noGrp="1"/>
-          </p:cNvSpPr>
-          <p:nvPr>
-            <p:ph type="sldNum" sz="quarter" idx="12"/>
-          </p:nvPr>
-        </p:nvSpPr>
-        <p:spPr/>
-        <p:txBody>
-          <a:bodyPr/>
-          <a:lstStyle/>
-          <a:p>
-            <a:fld id="{55632931-31F7-412D-B659-DEC5955B1CB9}" type="slidenum">
-              <a:rPr lang="en-US"/>
-              <a:pPr/>
-              <a:t>16</a:t>
-            </a:fld>
-            <a:endParaRPr lang="en-US"/>
-          </a:p>
-        </p:txBody>
-      </p:sp>
-      <p:sp>
-        <p:nvSpPr>
-          <p:cNvPr id="960514" name="Rectangle 2"/>
-          <p:cNvSpPr>
-            <a:spLocks noGrp="1" noChangeArrowheads="1"/>
-          </p:cNvSpPr>
-          <p:nvPr>
-            <p:ph type="title"/>
-          </p:nvPr>
-        </p:nvSpPr>
-        <p:spPr/>
-        <p:txBody>
-          <a:bodyPr/>
-          <a:lstStyle/>
-          <a:p>
-            <a:r>
-              <a:rPr lang="en-US" dirty="0"/>
-              <a:t>STM Code </a:t>
-            </a:r>
-            <a:r>
-              <a:rPr lang="en-US" dirty="0" smtClean="0"/>
-              <a:t>Testing</a:t>
-            </a:r>
-            <a:endParaRPr lang="en-US" dirty="0"/>
-          </a:p>
-        </p:txBody>
-      </p:sp>
-      <p:sp>
-        <p:nvSpPr>
-          <p:cNvPr id="960516" name="Text Box 4"/>
-          <p:cNvSpPr txBox="1">
-            <a:spLocks noChangeArrowheads="1"/>
-          </p:cNvSpPr>
-          <p:nvPr/>
-        </p:nvSpPr>
-        <p:spPr bwMode="auto">
-          <a:xfrm>
-            <a:off x="457200" y="6521450"/>
-            <a:ext cx="3238500" cy="336550"/>
-          </a:xfrm>
-          <a:prstGeom prst="rect">
-            <a:avLst/>
-          </a:prstGeom>
-          <a:noFill/>
-          <a:ln w="9525">
-            <a:noFill/>
-            <a:miter lim="800000"/>
-            <a:headEnd/>
-            <a:tailEnd/>
-          </a:ln>
-          <a:effectLst/>
-        </p:spPr>
-        <p:txBody>
-          <a:bodyPr wrap="none">
-            <a:spAutoFit/>
-          </a:bodyPr>
-          <a:lstStyle/>
-          <a:p>
-            <a:r>
-              <a:rPr lang="en-US" sz="1600">
-                <a:solidFill>
-                  <a:schemeClr val="bg1"/>
-                </a:solidFill>
-              </a:rPr>
-              <a:t>STM=Sediment Transport Module</a:t>
-            </a:r>
-          </a:p>
-        </p:txBody>
-      </p:sp>
-      <p:sp>
-        <p:nvSpPr>
-          <p:cNvPr id="10" name="Rectangle 9"/>
-          <p:cNvSpPr/>
-          <p:nvPr/>
-        </p:nvSpPr>
-        <p:spPr>
-          <a:xfrm>
-            <a:off x="1219200" y="1219200"/>
-            <a:ext cx="2441448" cy="1600200"/>
-          </a:xfrm>
-          <a:prstGeom prst="rect">
-            <a:avLst/>
-          </a:prstGeom>
-          <a:solidFill>
-            <a:srgbClr val="CC6600"/>
-          </a:solidFill>
-        </p:spPr>
-        <p:style>
-          <a:lnRef idx="2">
-            <a:schemeClr val="accent1">
-              <a:shade val="50000"/>
-            </a:schemeClr>
-          </a:lnRef>
-          <a:fillRef idx="1">
-            <a:schemeClr val="accent1"/>
-          </a:fillRef>
-          <a:effectRef idx="0">
-            <a:schemeClr val="accent1"/>
-          </a:effectRef>
-          <a:fontRef idx="minor">
-            <a:schemeClr val="lt1"/>
-          </a:fontRef>
-        </p:style>
-        <p:txBody>
-          <a:bodyPr rtlCol="0" anchor="ctr"/>
-          <a:lstStyle/>
-          <a:p>
-            <a:pPr algn="ctr"/>
-            <a:r>
-              <a:rPr lang="en-US" sz="2800" dirty="0" smtClean="0"/>
-              <a:t>STM Code</a:t>
-            </a:r>
-            <a:endParaRPr lang="en-US" sz="2800" dirty="0"/>
-          </a:p>
-        </p:txBody>
-      </p:sp>
-      <p:sp>
-        <p:nvSpPr>
-          <p:cNvPr id="11" name="Rectangle 10"/>
-          <p:cNvSpPr/>
-          <p:nvPr/>
-        </p:nvSpPr>
-        <p:spPr>
-          <a:xfrm>
-            <a:off x="4648200" y="1219200"/>
-            <a:ext cx="2438400" cy="1600200"/>
-          </a:xfrm>
-          <a:prstGeom prst="rect">
-            <a:avLst/>
-          </a:prstGeom>
-          <a:solidFill>
-            <a:srgbClr val="008000"/>
-          </a:solidFill>
-        </p:spPr>
-        <p:style>
-          <a:lnRef idx="2">
-            <a:schemeClr val="accent1">
-              <a:shade val="50000"/>
-            </a:schemeClr>
-          </a:lnRef>
-          <a:fillRef idx="1">
-            <a:schemeClr val="accent1"/>
-          </a:fillRef>
-          <a:effectRef idx="0">
-            <a:schemeClr val="accent1"/>
-          </a:effectRef>
-          <a:fontRef idx="minor">
-            <a:schemeClr val="lt1"/>
-          </a:fontRef>
-        </p:style>
-        <p:txBody>
-          <a:bodyPr rtlCol="0" anchor="ctr"/>
-          <a:lstStyle/>
-          <a:p>
-            <a:pPr algn="ctr"/>
-            <a:r>
-              <a:rPr lang="en-US" sz="2800" dirty="0" smtClean="0"/>
-              <a:t>Testing </a:t>
-            </a:r>
-            <a:r>
-              <a:rPr lang="en-US" sz="2800" dirty="0" smtClean="0"/>
-              <a:t>Code</a:t>
-            </a:r>
-          </a:p>
-          <a:p>
-            <a:pPr algn="ctr"/>
-            <a:r>
-              <a:rPr lang="en-US" sz="2000" dirty="0" smtClean="0"/>
-              <a:t>Calls STM Code</a:t>
-            </a:r>
-            <a:endParaRPr lang="en-US" sz="2000" dirty="0"/>
-          </a:p>
-        </p:txBody>
-      </p:sp>
-      <p:sp>
-        <p:nvSpPr>
-          <p:cNvPr id="12" name="Rectangle 3"/>
-          <p:cNvSpPr txBox="1">
-            <a:spLocks noChangeArrowheads="1"/>
-          </p:cNvSpPr>
-          <p:nvPr/>
-        </p:nvSpPr>
-        <p:spPr bwMode="auto">
-          <a:xfrm>
-            <a:off x="304800" y="3200400"/>
-            <a:ext cx="8458200" cy="2895600"/>
-          </a:xfrm>
-          <a:prstGeom prst="rect">
-            <a:avLst/>
-          </a:prstGeom>
-          <a:noFill/>
-          <a:ln w="9525">
-            <a:noFill/>
-            <a:miter lim="800000"/>
-            <a:headEnd/>
-            <a:tailEnd/>
-          </a:ln>
-          <a:effectLst/>
-        </p:spPr>
-        <p:txBody>
-          <a:bodyPr vert="horz" wrap="square" lIns="91440" tIns="45720" rIns="91440" bIns="45720" numCol="1" anchor="t" anchorCtr="0" compatLnSpc="1">
-            <a:prstTxWarp prst="textNoShape">
-              <a:avLst/>
-            </a:prstTxWarp>
-          </a:bodyPr>
-          <a:lstStyle/>
-          <a:p>
-            <a:pPr marL="342900" marR="0" lvl="0" indent="-342900" algn="l" defTabSz="914400" rtl="0" eaLnBrk="1" fontAlgn="base" latinLnBrk="0" hangingPunct="1">
-              <a:lnSpc>
-                <a:spcPct val="100000"/>
-              </a:lnSpc>
-              <a:spcBef>
-                <a:spcPct val="20000"/>
-              </a:spcBef>
-              <a:spcAft>
-                <a:spcPct val="0"/>
-              </a:spcAft>
-              <a:buClrTx/>
-              <a:buSzTx/>
-              <a:buFontTx/>
-              <a:buChar char="•"/>
-              <a:tabLst/>
-              <a:defRPr/>
-            </a:pPr>
-            <a:r>
-              <a:rPr lang="en-US" sz="2800" kern="0" dirty="0" smtClean="0">
-                <a:solidFill>
-                  <a:srgbClr val="FFFFCC"/>
-                </a:solidFill>
-                <a:latin typeface="+mn-lt"/>
-              </a:rPr>
-              <a:t>Each routine in STM has companion testing code</a:t>
-            </a:r>
-          </a:p>
-          <a:p>
-            <a:pPr marL="342900" indent="-342900">
-              <a:spcBef>
-                <a:spcPct val="20000"/>
-              </a:spcBef>
-              <a:buFontTx/>
-              <a:buChar char="•"/>
-            </a:pPr>
-            <a:r>
-              <a:rPr lang="en-US" sz="2800" kern="0" dirty="0" smtClean="0">
-                <a:solidFill>
-                  <a:srgbClr val="FFFFCC"/>
-                </a:solidFill>
-                <a:latin typeface="+mn-lt"/>
-              </a:rPr>
-              <a:t>Code and analytical tests</a:t>
-            </a:r>
-          </a:p>
-          <a:p>
-            <a:pPr marL="342900" marR="0" lvl="0" indent="-342900" algn="l" defTabSz="914400" rtl="0" eaLnBrk="1" fontAlgn="base" latinLnBrk="0" hangingPunct="1">
-              <a:lnSpc>
-                <a:spcPct val="100000"/>
-              </a:lnSpc>
-              <a:spcBef>
-                <a:spcPct val="20000"/>
-              </a:spcBef>
-              <a:spcAft>
-                <a:spcPct val="0"/>
-              </a:spcAft>
-              <a:buClrTx/>
-              <a:buSzTx/>
-              <a:buFontTx/>
-              <a:buChar char="•"/>
-              <a:tabLst/>
-              <a:defRPr/>
-            </a:pPr>
-            <a:r>
-              <a:rPr kumimoji="0" lang="en-US" sz="2800" b="0" i="0" u="none" strike="noStrike" kern="0" cap="none" spc="0" normalizeH="0" baseline="0" noProof="0" dirty="0" smtClean="0">
-                <a:ln>
-                  <a:noFill/>
-                </a:ln>
-                <a:solidFill>
-                  <a:srgbClr val="FFFFCC"/>
-                </a:solidFill>
-                <a:effectLst/>
-                <a:uLnTx/>
-                <a:uFillTx/>
-                <a:latin typeface="+mn-lt"/>
-                <a:ea typeface="+mn-ea"/>
-                <a:cs typeface="+mn-cs"/>
-              </a:rPr>
-              <a:t>Test</a:t>
-            </a:r>
-            <a:r>
-              <a:rPr kumimoji="0" lang="en-US" sz="2800" b="0" i="0" u="none" strike="noStrike" kern="0" cap="none" spc="0" normalizeH="0" noProof="0" dirty="0" smtClean="0">
-                <a:ln>
-                  <a:noFill/>
-                </a:ln>
-                <a:solidFill>
-                  <a:srgbClr val="FFFFCC"/>
-                </a:solidFill>
-                <a:effectLst/>
-                <a:uLnTx/>
-                <a:uFillTx/>
-                <a:latin typeface="+mn-lt"/>
-                <a:ea typeface="+mn-ea"/>
-                <a:cs typeface="+mn-cs"/>
-              </a:rPr>
-              <a:t> wide range of scenarios </a:t>
-            </a:r>
-          </a:p>
-          <a:p>
-            <a:pPr marL="342900" marR="0" lvl="0" indent="-342900" algn="l" defTabSz="914400" rtl="0" eaLnBrk="1" fontAlgn="base" latinLnBrk="0" hangingPunct="1">
-              <a:lnSpc>
-                <a:spcPct val="100000"/>
-              </a:lnSpc>
-              <a:spcBef>
-                <a:spcPct val="20000"/>
-              </a:spcBef>
-              <a:spcAft>
-                <a:spcPct val="0"/>
-              </a:spcAft>
-              <a:buClrTx/>
-              <a:buSzTx/>
-              <a:buFontTx/>
-              <a:buChar char="•"/>
-              <a:tabLst/>
-              <a:defRPr/>
-            </a:pPr>
-            <a:r>
-              <a:rPr lang="en-US" sz="2800" kern="0" baseline="0" dirty="0" smtClean="0">
-                <a:solidFill>
-                  <a:srgbClr val="FFFFCC"/>
-                </a:solidFill>
-                <a:latin typeface="+mn-lt"/>
-              </a:rPr>
-              <a:t>Produce</a:t>
-            </a:r>
-            <a:r>
-              <a:rPr lang="en-US" sz="2800" kern="0" dirty="0" smtClean="0">
-                <a:solidFill>
-                  <a:srgbClr val="FFFFCC"/>
-                </a:solidFill>
-                <a:latin typeface="+mn-lt"/>
-              </a:rPr>
-              <a:t> report of pass/fail result for all tests</a:t>
-            </a:r>
-          </a:p>
-          <a:p>
-            <a:pPr marL="342900" marR="0" lvl="0" indent="-342900" algn="l" defTabSz="914400" rtl="0" eaLnBrk="1" fontAlgn="base" latinLnBrk="0" hangingPunct="1">
-              <a:lnSpc>
-                <a:spcPct val="100000"/>
-              </a:lnSpc>
-              <a:spcBef>
-                <a:spcPct val="20000"/>
-              </a:spcBef>
-              <a:spcAft>
-                <a:spcPct val="0"/>
-              </a:spcAft>
-              <a:buClrTx/>
-              <a:buSzTx/>
-              <a:buFontTx/>
-              <a:buChar char="•"/>
-              <a:tabLst/>
-              <a:defRPr/>
-            </a:pPr>
-            <a:r>
-              <a:rPr lang="en-US" sz="2800" kern="0" dirty="0" smtClean="0">
-                <a:solidFill>
-                  <a:srgbClr val="FFFFCC"/>
-                </a:solidFill>
-                <a:latin typeface="+mn-lt"/>
-              </a:rPr>
-              <a:t>Run tests regularly, </a:t>
-            </a:r>
-            <a:br>
-              <a:rPr lang="en-US" sz="2800" kern="0" dirty="0" smtClean="0">
-                <a:solidFill>
-                  <a:srgbClr val="FFFFCC"/>
-                </a:solidFill>
-                <a:latin typeface="+mn-lt"/>
-              </a:rPr>
-            </a:br>
-            <a:r>
-              <a:rPr lang="en-US" sz="2800" kern="0" dirty="0" smtClean="0">
-                <a:solidFill>
-                  <a:srgbClr val="FFFFCC"/>
-                </a:solidFill>
-                <a:latin typeface="+mn-lt"/>
-              </a:rPr>
-              <a:t>in future automatic daily running of tests</a:t>
-            </a:r>
-          </a:p>
-          <a:p>
-            <a:pPr marL="342900" marR="0" lvl="0" indent="-342900" algn="l" defTabSz="914400" rtl="0" eaLnBrk="1" fontAlgn="base" latinLnBrk="0" hangingPunct="1">
-              <a:lnSpc>
-                <a:spcPct val="100000"/>
-              </a:lnSpc>
-              <a:spcBef>
-                <a:spcPct val="20000"/>
-              </a:spcBef>
-              <a:spcAft>
-                <a:spcPct val="0"/>
-              </a:spcAft>
-              <a:buClrTx/>
-              <a:buSzTx/>
-              <a:buFontTx/>
-              <a:buChar char="•"/>
-              <a:tabLst/>
-              <a:defRPr/>
-            </a:pPr>
-            <a:endParaRPr kumimoji="0" lang="en-US" sz="2800" b="0" i="0" u="none" strike="noStrike" kern="0" cap="none" spc="0" normalizeH="0" baseline="0" noProof="0" dirty="0" smtClean="0">
-              <a:ln>
-                <a:noFill/>
-              </a:ln>
-              <a:solidFill>
-                <a:srgbClr val="FFFFCC"/>
-              </a:solidFill>
-              <a:effectLst/>
-              <a:uLnTx/>
-              <a:uFillTx/>
-              <a:latin typeface="+mn-lt"/>
-              <a:ea typeface="+mn-ea"/>
-              <a:cs typeface="+mn-cs"/>
-            </a:endParaRPr>
-          </a:p>
-        </p:txBody>
-      </p:sp>
-    </p:spTree>
-  </p:cSld>
-  <p:clrMapOvr>
-    <a:masterClrMapping/>
-  </p:clrMapOvr>
-  <p:timing>
-    <p:tnLst>
-      <p:par>
-        <p:cTn id="1" dur="indefinite" restart="never" nodeType="tmRoot"/>
-      </p:par>
-    </p:tnLst>
-  </p:timing>
-</p:sld>
-</file>
-
-<file path=ppt/slides/slide17.xml><?xml version="1.0" encoding="utf-8"?>
-<p:sld xmlns:a="http://schemas.openxmlformats.org/drawingml/2006/main" xmlns:r="http://schemas.openxmlformats.org/officeDocument/2006/relationships" xmlns:p="http://schemas.openxmlformats.org/presentationml/2006/main">
-  <p:cSld>
-    <p:spTree>
-      <p:nvGrpSpPr>
-        <p:cNvPr id="1" name=""/>
-        <p:cNvGrpSpPr/>
-        <p:nvPr/>
-      </p:nvGrpSpPr>
-      <p:grpSpPr>
-        <a:xfrm>
-          <a:off x="0" y="0"/>
-          <a:ext cx="0" cy="0"/>
-          <a:chOff x="0" y="0"/>
-          <a:chExt cx="0" cy="0"/>
-        </a:xfrm>
-      </p:grpSpPr>
-      <p:sp>
-        <p:nvSpPr>
-          <p:cNvPr id="2" name="Title 1"/>
-          <p:cNvSpPr>
-            <a:spLocks noGrp="1"/>
-          </p:cNvSpPr>
-          <p:nvPr>
-            <p:ph type="title"/>
-          </p:nvPr>
-        </p:nvSpPr>
-        <p:spPr/>
-        <p:txBody>
-          <a:bodyPr/>
-          <a:lstStyle/>
-          <a:p>
-            <a:r>
-              <a:rPr lang="en-US" dirty="0" smtClean="0"/>
-              <a:t>Sample test</a:t>
-            </a:r>
-            <a:endParaRPr lang="en-US" dirty="0"/>
-          </a:p>
-        </p:txBody>
-      </p:sp>
-      <p:sp>
-        <p:nvSpPr>
-          <p:cNvPr id="3" name="Content Placeholder 2"/>
-          <p:cNvSpPr>
-            <a:spLocks noGrp="1"/>
-          </p:cNvSpPr>
-          <p:nvPr>
-            <p:ph idx="1"/>
-          </p:nvPr>
-        </p:nvSpPr>
-        <p:spPr/>
-        <p:txBody>
-          <a:bodyPr/>
-          <a:lstStyle/>
-          <a:p>
-            <a:r>
-              <a:rPr lang="en-US" dirty="0" smtClean="0"/>
-              <a:t>Fruit framework</a:t>
-            </a:r>
-          </a:p>
-          <a:p>
-            <a:endParaRPr lang="en-US" dirty="0" smtClean="0"/>
-          </a:p>
-          <a:p>
-            <a:r>
-              <a:rPr lang="en-US" dirty="0" smtClean="0"/>
-              <a:t>Code test</a:t>
-            </a:r>
-          </a:p>
-          <a:p>
-            <a:pPr lvl="1"/>
-            <a:r>
-              <a:rPr lang="en-US" dirty="0" smtClean="0"/>
-              <a:t>gradient</a:t>
-            </a:r>
-          </a:p>
-          <a:p>
-            <a:endParaRPr lang="en-US" dirty="0" smtClean="0"/>
-          </a:p>
-          <a:p>
-            <a:r>
-              <a:rPr lang="en-US" dirty="0" smtClean="0"/>
-              <a:t>Analytical test</a:t>
-            </a:r>
-          </a:p>
-          <a:p>
-            <a:pPr lvl="1"/>
-            <a:r>
-              <a:rPr lang="en-US" dirty="0" smtClean="0"/>
-              <a:t>Concentration/derivative concentration</a:t>
-            </a:r>
-          </a:p>
-          <a:p>
-            <a:pPr lvl="1"/>
-            <a:r>
-              <a:rPr lang="en-US" dirty="0" smtClean="0"/>
-              <a:t>Look for Excel files with plots</a:t>
-            </a:r>
-          </a:p>
-          <a:p>
-            <a:endParaRPr lang="en-US" dirty="0"/>
-          </a:p>
-        </p:txBody>
-      </p:sp>
-      <p:sp>
-        <p:nvSpPr>
-          <p:cNvPr id="4" name="Slide Number Placeholder 3"/>
-          <p:cNvSpPr>
-            <a:spLocks noGrp="1"/>
-          </p:cNvSpPr>
-          <p:nvPr>
-            <p:ph type="sldNum" sz="quarter" idx="12"/>
-          </p:nvPr>
-        </p:nvSpPr>
-        <p:spPr/>
-        <p:txBody>
-          <a:bodyPr/>
-          <a:lstStyle/>
-          <a:p>
-            <a:fld id="{36D33C6A-853C-4ABE-8582-D2633FFA550F}" type="slidenum">
-              <a:rPr lang="en-US" smtClean="0"/>
-              <a:pPr/>
-              <a:t>17</a:t>
-            </a:fld>
-            <a:endParaRPr lang="en-US"/>
-          </a:p>
-        </p:txBody>
-      </p:sp>
-    </p:spTree>
-  </p:cSld>
-  <p:clrMapOvr>
-    <a:masterClrMapping/>
-  </p:clrMapOvr>
-</p:sld>
-</file>
-
-<file path=ppt/slides/slide18.xml><?xml version="1.0" encoding="utf-8"?>
-<p:sld xmlns:a="http://schemas.openxmlformats.org/drawingml/2006/main" xmlns:r="http://schemas.openxmlformats.org/officeDocument/2006/relationships" xmlns:p="http://schemas.openxmlformats.org/presentationml/2006/main">
-  <p:cSld>
-    <p:spTree>
-      <p:nvGrpSpPr>
-        <p:cNvPr id="1" name=""/>
-        <p:cNvGrpSpPr/>
-        <p:nvPr/>
-      </p:nvGrpSpPr>
-      <p:grpSpPr>
-        <a:xfrm>
-          <a:off x="0" y="0"/>
-          <a:ext cx="0" cy="0"/>
-          <a:chOff x="0" y="0"/>
-          <a:chExt cx="0" cy="0"/>
-        </a:xfrm>
-      </p:grpSpPr>
-      <p:sp>
-        <p:nvSpPr>
-          <p:cNvPr id="8" name="Slide Number Placeholder 5"/>
-          <p:cNvSpPr>
-            <a:spLocks noGrp="1"/>
-          </p:cNvSpPr>
-          <p:nvPr>
-            <p:ph type="sldNum" sz="quarter" idx="12"/>
-          </p:nvPr>
-        </p:nvSpPr>
-        <p:spPr/>
-        <p:txBody>
-          <a:bodyPr/>
-          <a:lstStyle/>
-          <a:p>
-            <a:fld id="{55632931-31F7-412D-B659-DEC5955B1CB9}" type="slidenum">
-              <a:rPr lang="en-US"/>
-              <a:pPr/>
-              <a:t>18</a:t>
-            </a:fld>
-            <a:endParaRPr lang="en-US"/>
-          </a:p>
-        </p:txBody>
-      </p:sp>
-      <p:sp>
-        <p:nvSpPr>
-          <p:cNvPr id="960514" name="Rectangle 2"/>
-          <p:cNvSpPr>
-            <a:spLocks noGrp="1" noChangeArrowheads="1"/>
-          </p:cNvSpPr>
-          <p:nvPr>
-            <p:ph type="title"/>
-          </p:nvPr>
-        </p:nvSpPr>
-        <p:spPr/>
-        <p:txBody>
-          <a:bodyPr/>
-          <a:lstStyle/>
-          <a:p>
-            <a:r>
-              <a:rPr lang="en-US"/>
-              <a:t>STM Code Development Plan</a:t>
-            </a:r>
-          </a:p>
-        </p:txBody>
-      </p:sp>
-      <p:sp>
-        <p:nvSpPr>
-          <p:cNvPr id="960515" name="Rectangle 3"/>
-          <p:cNvSpPr>
-            <a:spLocks noGrp="1" noChangeArrowheads="1"/>
-          </p:cNvSpPr>
-          <p:nvPr>
-            <p:ph type="body" idx="1"/>
-          </p:nvPr>
-        </p:nvSpPr>
-        <p:spPr>
-          <a:xfrm>
-            <a:off x="457200" y="1143000"/>
-            <a:ext cx="7391400" cy="4800600"/>
-          </a:xfrm>
-        </p:spPr>
-        <p:txBody>
-          <a:bodyPr/>
-          <a:lstStyle/>
-          <a:p>
-            <a:r>
-              <a:rPr lang="en-US" sz="2400" dirty="0"/>
-              <a:t>Flexible, modular </a:t>
-            </a:r>
-            <a:r>
-              <a:rPr lang="en-US" sz="2400" dirty="0" smtClean="0"/>
-              <a:t>design</a:t>
-            </a:r>
-            <a:endParaRPr lang="en-US" sz="2400" dirty="0"/>
-          </a:p>
-          <a:p>
-            <a:pPr>
-              <a:spcBef>
-                <a:spcPct val="40000"/>
-              </a:spcBef>
-            </a:pPr>
-            <a:r>
-              <a:rPr lang="en-US" sz="2400" dirty="0"/>
-              <a:t>Separate input/output routines to </a:t>
-            </a:r>
-            <a:br>
-              <a:rPr lang="en-US" sz="2400" dirty="0"/>
-            </a:br>
-            <a:r>
-              <a:rPr lang="en-US" sz="2400" dirty="0"/>
-              <a:t>aid in generalization to other codes</a:t>
-            </a:r>
-          </a:p>
-          <a:p>
-            <a:pPr>
-              <a:spcBef>
-                <a:spcPct val="40000"/>
-              </a:spcBef>
-            </a:pPr>
-            <a:r>
-              <a:rPr lang="en-US" sz="2400" dirty="0"/>
-              <a:t>Generalize </a:t>
-            </a:r>
-            <a:r>
-              <a:rPr lang="en-US" sz="2400" dirty="0" err="1" smtClean="0"/>
-              <a:t>Eulerian</a:t>
-            </a:r>
-            <a:r>
-              <a:rPr lang="en-US" sz="2400" dirty="0" smtClean="0"/>
-              <a:t> </a:t>
-            </a:r>
-            <a:r>
-              <a:rPr lang="en-US" sz="2400" dirty="0"/>
-              <a:t>transport that </a:t>
-            </a:r>
-            <a:br>
-              <a:rPr lang="en-US" sz="2400" dirty="0"/>
-            </a:br>
-            <a:r>
-              <a:rPr lang="en-US" sz="2400" dirty="0"/>
-              <a:t>could be adapted to other constituents</a:t>
-            </a:r>
-          </a:p>
-          <a:p>
-            <a:pPr>
-              <a:spcBef>
-                <a:spcPct val="40000"/>
-              </a:spcBef>
-            </a:pPr>
-            <a:r>
-              <a:rPr lang="en-US" sz="2400" dirty="0" smtClean="0"/>
-              <a:t>Self-documenting </a:t>
-            </a:r>
-            <a:r>
-              <a:rPr lang="en-US" sz="2400" dirty="0"/>
-              <a:t>code using </a:t>
-            </a:r>
-            <a:r>
-              <a:rPr lang="en-US" sz="2400" dirty="0" err="1" smtClean="0"/>
-              <a:t>Doxygen</a:t>
-            </a:r>
-            <a:endParaRPr lang="en-US" sz="2400" dirty="0" smtClean="0"/>
-          </a:p>
-          <a:p>
-            <a:pPr>
-              <a:spcBef>
-                <a:spcPct val="40000"/>
-              </a:spcBef>
-            </a:pPr>
-            <a:r>
-              <a:rPr lang="en-US" sz="2400" dirty="0" smtClean="0"/>
-              <a:t>Companion testing routines</a:t>
-            </a:r>
-            <a:endParaRPr lang="en-US" sz="2400" dirty="0"/>
-          </a:p>
-          <a:p>
-            <a:pPr>
-              <a:spcBef>
-                <a:spcPct val="40000"/>
-              </a:spcBef>
-            </a:pPr>
-            <a:r>
-              <a:rPr lang="en-US" sz="2400" dirty="0" smtClean="0"/>
-              <a:t>Assistance with code </a:t>
-            </a:r>
-            <a:r>
-              <a:rPr lang="en-US" sz="2400" dirty="0"/>
-              <a:t>development by DWR staff </a:t>
-            </a:r>
-          </a:p>
-          <a:p>
-            <a:pPr lvl="1"/>
-            <a:r>
-              <a:rPr lang="en-US" sz="2200" dirty="0"/>
-              <a:t>lead by Kevin Kao</a:t>
-            </a:r>
-          </a:p>
-          <a:p>
-            <a:pPr lvl="1"/>
-            <a:r>
-              <a:rPr lang="en-US" sz="2200" dirty="0"/>
-              <a:t>version control</a:t>
-            </a:r>
-          </a:p>
-          <a:p>
-            <a:pPr>
-              <a:spcBef>
-                <a:spcPct val="40000"/>
-              </a:spcBef>
-            </a:pPr>
-            <a:r>
-              <a:rPr lang="en-US" sz="2400" dirty="0"/>
-              <a:t>Training on </a:t>
-            </a:r>
-            <a:r>
-              <a:rPr lang="en-US" sz="2400" dirty="0" smtClean="0"/>
-              <a:t>use </a:t>
-            </a:r>
-            <a:r>
-              <a:rPr lang="en-US" sz="2400" dirty="0"/>
-              <a:t>of the model</a:t>
-            </a:r>
-          </a:p>
-        </p:txBody>
-      </p:sp>
-      <p:sp>
-        <p:nvSpPr>
-          <p:cNvPr id="960516" name="Text Box 4"/>
-          <p:cNvSpPr txBox="1">
-            <a:spLocks noChangeArrowheads="1"/>
-          </p:cNvSpPr>
-          <p:nvPr/>
-        </p:nvSpPr>
-        <p:spPr bwMode="auto">
-          <a:xfrm>
-            <a:off x="457200" y="6521450"/>
-            <a:ext cx="7086600" cy="338554"/>
-          </a:xfrm>
-          <a:prstGeom prst="rect">
-            <a:avLst/>
-          </a:prstGeom>
-          <a:noFill/>
-          <a:ln w="9525">
-            <a:noFill/>
-            <a:miter lim="800000"/>
-            <a:headEnd/>
-            <a:tailEnd/>
-          </a:ln>
-          <a:effectLst/>
-        </p:spPr>
-        <p:txBody>
-          <a:bodyPr wrap="square">
-            <a:spAutoFit/>
-          </a:bodyPr>
-          <a:lstStyle/>
-          <a:p>
-            <a:r>
-              <a:rPr lang="en-US" sz="1600" dirty="0">
-                <a:solidFill>
-                  <a:schemeClr val="bg1"/>
-                </a:solidFill>
-              </a:rPr>
-              <a:t>STM=Sediment Transport </a:t>
-            </a:r>
-            <a:r>
-              <a:rPr lang="en-US" sz="1600" dirty="0" smtClean="0">
-                <a:solidFill>
-                  <a:schemeClr val="bg1"/>
-                </a:solidFill>
-              </a:rPr>
-              <a:t>Module        </a:t>
-            </a:r>
-            <a:r>
-              <a:rPr lang="en-US" sz="1600" dirty="0" err="1" smtClean="0">
-                <a:solidFill>
-                  <a:schemeClr val="bg1"/>
-                </a:solidFill>
-              </a:rPr>
-              <a:t>Eulerian</a:t>
-            </a:r>
-            <a:r>
-              <a:rPr lang="en-US" sz="1600" dirty="0" smtClean="0">
-                <a:solidFill>
-                  <a:schemeClr val="bg1"/>
-                </a:solidFill>
-              </a:rPr>
-              <a:t>=fixed frame of reference</a:t>
-            </a:r>
-            <a:endParaRPr lang="en-US" sz="1600" dirty="0">
-              <a:solidFill>
-                <a:schemeClr val="bg1"/>
-              </a:solidFill>
-            </a:endParaRPr>
-          </a:p>
-        </p:txBody>
-      </p:sp>
-      <p:grpSp>
-        <p:nvGrpSpPr>
-          <p:cNvPr id="2" name="Group 7"/>
-          <p:cNvGrpSpPr>
-            <a:grpSpLocks/>
-          </p:cNvGrpSpPr>
-          <p:nvPr/>
-        </p:nvGrpSpPr>
-        <p:grpSpPr bwMode="auto">
-          <a:xfrm>
-            <a:off x="6553200" y="1066800"/>
-            <a:ext cx="2157413" cy="1827213"/>
-            <a:chOff x="352" y="864"/>
-            <a:chExt cx="1359" cy="1151"/>
-          </a:xfrm>
-        </p:grpSpPr>
-        <p:pic>
-          <p:nvPicPr>
-            <p:cNvPr id="960520" name="Picture 8" descr="j0289952[1]"/>
-            <p:cNvPicPr>
-              <a:picLocks noChangeAspect="1" noChangeArrowheads="1"/>
-            </p:cNvPicPr>
-            <p:nvPr/>
-          </p:nvPicPr>
-          <p:blipFill>
-            <a:blip r:embed="rId2" cstate="print"/>
-            <a:srcRect/>
-            <a:stretch>
-              <a:fillRect/>
-            </a:stretch>
-          </p:blipFill>
-          <p:spPr bwMode="auto">
-            <a:xfrm>
-              <a:off x="352" y="864"/>
-              <a:ext cx="1359" cy="1151"/>
-            </a:xfrm>
-            <a:prstGeom prst="rect">
-              <a:avLst/>
-            </a:prstGeom>
-            <a:noFill/>
-          </p:spPr>
-        </p:pic>
-        <p:pic>
-          <p:nvPicPr>
-            <p:cNvPr id="960521" name="Picture 9" descr="Dark blue delta4b"/>
-            <p:cNvPicPr>
-              <a:picLocks noChangeAspect="1" noChangeArrowheads="1"/>
-            </p:cNvPicPr>
-            <p:nvPr/>
-          </p:nvPicPr>
-          <p:blipFill>
-            <a:blip r:embed="rId3" cstate="print"/>
-            <a:srcRect/>
-            <a:stretch>
-              <a:fillRect/>
-            </a:stretch>
-          </p:blipFill>
-          <p:spPr bwMode="auto">
-            <a:xfrm>
-              <a:off x="576" y="1104"/>
-              <a:ext cx="217" cy="231"/>
-            </a:xfrm>
-            <a:prstGeom prst="rect">
-              <a:avLst/>
-            </a:prstGeom>
-            <a:noFill/>
-          </p:spPr>
-        </p:pic>
-      </p:grpSp>
-    </p:spTree>
-  </p:cSld>
-  <p:clrMapOvr>
-    <a:masterClrMapping/>
-  </p:clrMapOvr>
-  <p:timing>
-    <p:tnLst>
-      <p:par>
-        <p:cTn id="1" dur="indefinite" restart="never" nodeType="tmRoot">
-          <p:childTnLst>
-            <p:seq concurrent="1" nextAc="seek">
-              <p:cTn id="2" dur="indefinite" nodeType="mainSeq">
-                <p:childTnLst>
-                  <p:par>
-                    <p:cTn id="3" fill="hold">
-                      <p:stCondLst>
-                        <p:cond delay="indefinite"/>
-                      </p:stCondLst>
-                      <p:childTnLst>
-                        <p:par>
-                          <p:cTn id="4" fill="hold">
-                            <p:stCondLst>
-                              <p:cond delay="0"/>
-                            </p:stCondLst>
-                            <p:childTnLst>
                               <p:par>
-                                <p:cTn id="5" presetID="1" presetClass="entr" presetSubtype="0" fill="hold" grpId="0" nodeType="clickEffect">
+                                <p:cTn id="23" presetID="1" presetClass="entr" presetSubtype="0" fill="hold" grpId="0" nodeType="withEffect">
                                   <p:stCondLst>
                                     <p:cond delay="0"/>
                                   </p:stCondLst>
                                   <p:childTnLst>
                                     <p:set>
                                       <p:cBhvr>
-                                        <p:cTn id="6" dur="1" fill="hold">
-                                          <p:stCondLst>
-                                            <p:cond delay="0"/>
-                                          </p:stCondLst>
-                                        </p:cTn>
-                                        <p:tgtEl>
-                                          <p:spTgt spid="960515">
-                                            <p:txEl>
-                                              <p:pRg st="0" end="0"/>
-                                            </p:txEl>
-                                          </p:spTgt>
-                                        </p:tgtEl>
-                                        <p:attrNameLst>
-                                          <p:attrName>style.visibility</p:attrName>
-                                        </p:attrNameLst>
-                                      </p:cBhvr>
-                                      <p:to>
-                                        <p:strVal val="visible"/>
-                                      </p:to>
-                                    </p:set>
-                                  </p:childTnLst>
-                                </p:cTn>
-                              </p:par>
-                            </p:childTnLst>
-                          </p:cTn>
-                        </p:par>
-                      </p:childTnLst>
-                    </p:cTn>
-                  </p:par>
-                  <p:par>
-                    <p:cTn id="7" fill="hold">
-                      <p:stCondLst>
-                        <p:cond delay="indefinite"/>
-                      </p:stCondLst>
-                      <p:childTnLst>
-                        <p:par>
-                          <p:cTn id="8" fill="hold">
-                            <p:stCondLst>
-                              <p:cond delay="0"/>
-                            </p:stCondLst>
-                            <p:childTnLst>
-                              <p:par>
-                                <p:cTn id="9" presetID="1" presetClass="entr" presetSubtype="0" fill="hold" grpId="0" nodeType="clickEffect">
-                                  <p:stCondLst>
-                                    <p:cond delay="0"/>
-                                  </p:stCondLst>
-                                  <p:childTnLst>
-                                    <p:set>
-                                      <p:cBhvr>
-                                        <p:cTn id="10" dur="1" fill="hold">
-                                          <p:stCondLst>
-                                            <p:cond delay="0"/>
-                                          </p:stCondLst>
-                                        </p:cTn>
-                                        <p:tgtEl>
-                                          <p:spTgt spid="960515">
-                                            <p:txEl>
-                                              <p:pRg st="1" end="1"/>
-                                            </p:txEl>
-                                          </p:spTgt>
-                                        </p:tgtEl>
-                                        <p:attrNameLst>
-                                          <p:attrName>style.visibility</p:attrName>
-                                        </p:attrNameLst>
-                                      </p:cBhvr>
-                                      <p:to>
-                                        <p:strVal val="visible"/>
-                                      </p:to>
-                                    </p:set>
-                                  </p:childTnLst>
-                                </p:cTn>
-                              </p:par>
-                            </p:childTnLst>
-                          </p:cTn>
-                        </p:par>
-                      </p:childTnLst>
-                    </p:cTn>
-                  </p:par>
-                  <p:par>
-                    <p:cTn id="11" fill="hold">
-                      <p:stCondLst>
-                        <p:cond delay="indefinite"/>
-                      </p:stCondLst>
-                      <p:childTnLst>
-                        <p:par>
-                          <p:cTn id="12" fill="hold">
-                            <p:stCondLst>
-                              <p:cond delay="0"/>
-                            </p:stCondLst>
-                            <p:childTnLst>
-                              <p:par>
-                                <p:cTn id="13" presetID="1" presetClass="entr" presetSubtype="0" fill="hold" grpId="0" nodeType="clickEffect">
-                                  <p:stCondLst>
-                                    <p:cond delay="0"/>
-                                  </p:stCondLst>
-                                  <p:childTnLst>
-                                    <p:set>
-                                      <p:cBhvr>
-                                        <p:cTn id="14" dur="1" fill="hold">
-                                          <p:stCondLst>
-                                            <p:cond delay="0"/>
-                                          </p:stCondLst>
-                                        </p:cTn>
-                                        <p:tgtEl>
-                                          <p:spTgt spid="960515">
-                                            <p:txEl>
-                                              <p:pRg st="2" end="2"/>
-                                            </p:txEl>
-                                          </p:spTgt>
-                                        </p:tgtEl>
-                                        <p:attrNameLst>
-                                          <p:attrName>style.visibility</p:attrName>
-                                        </p:attrNameLst>
-                                      </p:cBhvr>
-                                      <p:to>
-                                        <p:strVal val="visible"/>
-                                      </p:to>
-                                    </p:set>
-                                  </p:childTnLst>
-                                </p:cTn>
-                              </p:par>
-                            </p:childTnLst>
-                          </p:cTn>
-                        </p:par>
-                      </p:childTnLst>
-                    </p:cTn>
-                  </p:par>
-                  <p:par>
-                    <p:cTn id="15" fill="hold">
-                      <p:stCondLst>
-                        <p:cond delay="indefinite"/>
-                      </p:stCondLst>
-                      <p:childTnLst>
-                        <p:par>
-                          <p:cTn id="16" fill="hold">
-                            <p:stCondLst>
-                              <p:cond delay="0"/>
-                            </p:stCondLst>
-                            <p:childTnLst>
-                              <p:par>
-                                <p:cTn id="17" presetID="1" presetClass="entr" presetSubtype="0" fill="hold" grpId="0" nodeType="clickEffect">
-                                  <p:stCondLst>
-                                    <p:cond delay="0"/>
-                                  </p:stCondLst>
-                                  <p:childTnLst>
-                                    <p:set>
-                                      <p:cBhvr>
-                                        <p:cTn id="18" dur="1" fill="hold">
-                                          <p:stCondLst>
-                                            <p:cond delay="0"/>
-                                          </p:stCondLst>
-                                        </p:cTn>
-                                        <p:tgtEl>
-                                          <p:spTgt spid="960515">
-                                            <p:txEl>
-                                              <p:pRg st="3" end="3"/>
-                                            </p:txEl>
-                                          </p:spTgt>
-                                        </p:tgtEl>
-                                        <p:attrNameLst>
-                                          <p:attrName>style.visibility</p:attrName>
-                                        </p:attrNameLst>
-                                      </p:cBhvr>
-                                      <p:to>
-                                        <p:strVal val="visible"/>
-                                      </p:to>
-                                    </p:set>
-                                  </p:childTnLst>
-                                </p:cTn>
-                              </p:par>
-                            </p:childTnLst>
-                          </p:cTn>
-                        </p:par>
-                      </p:childTnLst>
-                    </p:cTn>
-                  </p:par>
-                  <p:par>
-                    <p:cTn id="19" fill="hold">
-                      <p:stCondLst>
-                        <p:cond delay="indefinite"/>
-                      </p:stCondLst>
-                      <p:childTnLst>
-                        <p:par>
-                          <p:cTn id="20" fill="hold">
-                            <p:stCondLst>
-                              <p:cond delay="0"/>
-                            </p:stCondLst>
-                            <p:childTnLst>
-                              <p:par>
-                                <p:cTn id="21" presetID="1" presetClass="entr" presetSubtype="0" fill="hold" grpId="0" nodeType="clickEffect">
-                                  <p:stCondLst>
-                                    <p:cond delay="0"/>
-                                  </p:stCondLst>
-                                  <p:childTnLst>
-                                    <p:set>
-                                      <p:cBhvr>
-                                        <p:cTn id="22" dur="1" fill="hold">
-                                          <p:stCondLst>
-                                            <p:cond delay="0"/>
-                                          </p:stCondLst>
-                                        </p:cTn>
-                                        <p:tgtEl>
-                                          <p:spTgt spid="960515">
-                                            <p:txEl>
-                                              <p:pRg st="4" end="4"/>
-                                            </p:txEl>
-                                          </p:spTgt>
-                                        </p:tgtEl>
-                                        <p:attrNameLst>
-                                          <p:attrName>style.visibility</p:attrName>
-                                        </p:attrNameLst>
-                                      </p:cBhvr>
-                                      <p:to>
-                                        <p:strVal val="visible"/>
-                                      </p:to>
-                                    </p:set>
-                                  </p:childTnLst>
-                                </p:cTn>
-                              </p:par>
-                            </p:childTnLst>
-                          </p:cTn>
-                        </p:par>
-                      </p:childTnLst>
-                    </p:cTn>
-                  </p:par>
-                  <p:par>
-                    <p:cTn id="23" fill="hold">
-                      <p:stCondLst>
-                        <p:cond delay="indefinite"/>
-                      </p:stCondLst>
-                      <p:childTnLst>
-                        <p:par>
-                          <p:cTn id="24" fill="hold">
-                            <p:stCondLst>
-                              <p:cond delay="0"/>
-                            </p:stCondLst>
-                            <p:childTnLst>
-                              <p:par>
-                                <p:cTn id="25" presetID="1" presetClass="entr" presetSubtype="0" fill="hold" grpId="0" nodeType="clickEffect">
-                                  <p:stCondLst>
-                                    <p:cond delay="0"/>
-                                  </p:stCondLst>
-                                  <p:childTnLst>
-                                    <p:set>
-                                      <p:cBhvr>
-                                        <p:cTn id="26" dur="1" fill="hold">
+                                        <p:cTn id="24" dur="1" fill="hold">
                                           <p:stCondLst>
                                             <p:cond delay="0"/>
                                           </p:stCondLst>
@@ -7843,14 +10601,14 @@
                                 </p:cTn>
                               </p:par>
                               <p:par>
-                                <p:cTn id="27" presetID="1" presetClass="entr" presetSubtype="0" fill="hold" grpId="0" nodeType="withEffect">
+                                <p:cTn id="25" presetID="1" presetClass="entr" presetSubtype="0" fill="hold" grpId="0" nodeType="withEffect">
                                   <p:stCondLst>
                                     <p:cond delay="0"/>
                                   </p:stCondLst>
                                   <p:childTnLst>
                                     <p:set>
                                       <p:cBhvr>
-                                        <p:cTn id="28" dur="1" fill="hold">
+                                        <p:cTn id="26" dur="1" fill="hold">
                                           <p:stCondLst>
                                             <p:cond delay="0"/>
                                           </p:stCondLst>
@@ -7873,8 +10631,26 @@
                                   </p:childTnLst>
                                 </p:cTn>
                               </p:par>
+                            </p:childTnLst>
+                          </p:cTn>
+                        </p:par>
+                      </p:childTnLst>
+                    </p:cTn>
+                  </p:par>
+                  <p:par>
+                    <p:cTn id="27" fill="hold">
+                      <p:stCondLst>
+                        <p:cond delay="indefinite"/>
+                      </p:stCondLst>
+                      <p:childTnLst>
+                        <p:par>
+                          <p:cTn id="28" fill="hold">
+                            <p:stCondLst>
+                              <p:cond delay="0"/>
+                            </p:stCondLst>
+                            <p:childTnLst>
                               <p:par>
-                                <p:cTn id="29" presetID="1" presetClass="entr" presetSubtype="0" fill="hold" grpId="0" nodeType="withEffect">
+                                <p:cTn id="29" presetID="1" presetClass="entr" presetSubtype="0" fill="hold" grpId="0" nodeType="clickEffect">
                                   <p:stCondLst>
                                     <p:cond delay="0"/>
                                   </p:stCondLst>
@@ -7890,55 +10666,6 @@
                                           <p:spTgt spid="960515">
                                             <p:txEl>
                                               <p:pRg st="7" end="7"/>
-                                            </p:txEl>
-                                          </p:spTgt>
-                                        </p:tgtEl>
-                                        <p:attrNameLst>
-                                          <p:attrName>style.visibility</p:attrName>
-                                        </p:attrNameLst>
-                                      </p:cBhvr>
-                                      <p:to>
-                                        <p:strVal val="visible"/>
-                                      </p:to>
-                                    </p:set>
-                                  </p:childTnLst>
-                                </p:cTn>
-                              </p:par>
-                            </p:childTnLst>
-                          </p:cTn>
-                        </p:par>
-                      </p:childTnLst>
-                    </p:cTn>
-                  </p:par>
-                  <p:par>
-                    <p:cTn id="31" fill="hold">
-                      <p:stCondLst>
-                        <p:cond delay="indefinite"/>
-                      </p:stCondLst>
-                      <p:childTnLst>
-                        <p:par>
-                          <p:cTn id="32" fill="hold">
-                            <p:stCondLst>
-                              <p:cond delay="0"/>
-                            </p:stCondLst>
-                            <p:childTnLst>
-                              <p:par>
-                                <p:cTn id="33" presetID="1" presetClass="entr" presetSubtype="0" fill="hold" grpId="0" nodeType="clickEffect">
-                                  <p:stCondLst>
-                                    <p:cond delay="0"/>
-                                  </p:stCondLst>
-                                  <p:childTnLst>
-                                    <p:set>
-                                      <p:cBhvr>
-                                        <p:cTn id="34" dur="1" fill="hold">
-                                          <p:stCondLst>
-                                            <p:cond delay="0"/>
-                                          </p:stCondLst>
-                                        </p:cTn>
-                                        <p:tgtEl>
-                                          <p:spTgt spid="960515">
-                                            <p:txEl>
-                                              <p:pRg st="8" end="8"/>
                                             </p:txEl>
                                           </p:spTgt>
                                         </p:tgtEl>
@@ -7987,7 +10714,7 @@
 </p:sld>
 </file>
 
-<file path=ppt/slides/slide19.xml><?xml version="1.0" encoding="utf-8"?>
+<file path=ppt/slides/slide22.xml><?xml version="1.0" encoding="utf-8"?>
 <p:sld xmlns:a="http://schemas.openxmlformats.org/drawingml/2006/main" xmlns:r="http://schemas.openxmlformats.org/officeDocument/2006/relationships" xmlns:p="http://schemas.openxmlformats.org/presentationml/2006/main">
   <p:cSld>
     <p:spTree>
@@ -8022,7 +10749,7 @@
             <a:fld id="{034D5156-D83D-4BFD-99E4-F9A2B71ADF74}" type="slidenum">
               <a:rPr lang="en-US"/>
               <a:pPr/>
-              <a:t>19</a:t>
+              <a:t>22</a:t>
             </a:fld>
             <a:endParaRPr lang="en-US"/>
           </a:p>
@@ -8733,7 +11460,7 @@
         </p:nvGrpSpPr>
         <p:grpSpPr>
           <a:xfrm>
-            <a:off x="3429000" y="990600"/>
+            <a:off x="3276600" y="990600"/>
             <a:ext cx="1276350" cy="1181100"/>
             <a:chOff x="3429000" y="1485900"/>
             <a:chExt cx="1276350" cy="1181100"/>
@@ -9008,7 +11735,7 @@
         </p:nvGrpSpPr>
         <p:grpSpPr>
           <a:xfrm>
-            <a:off x="4876800" y="990600"/>
+            <a:off x="4724400" y="990600"/>
             <a:ext cx="1276350" cy="1181100"/>
             <a:chOff x="4876800" y="1485900"/>
             <a:chExt cx="1276350" cy="1181100"/>
@@ -10094,38 +12821,6 @@
           </a:p>
         </p:txBody>
       </p:sp>
-      <p:sp>
-        <p:nvSpPr>
-          <p:cNvPr id="63" name="TextBox 62"/>
-          <p:cNvSpPr txBox="1"/>
-          <p:nvPr/>
-        </p:nvSpPr>
-        <p:spPr>
-          <a:xfrm>
-            <a:off x="5105400" y="3581400"/>
-            <a:ext cx="3429000" cy="1446550"/>
-          </a:xfrm>
-          <a:prstGeom prst="rect">
-            <a:avLst/>
-          </a:prstGeom>
-          <a:solidFill>
-            <a:srgbClr val="EB19BE"/>
-          </a:solidFill>
-        </p:spPr>
-        <p:txBody>
-          <a:bodyPr wrap="square" rtlCol="0">
-            <a:spAutoFit/>
-          </a:bodyPr>
-          <a:lstStyle/>
-          <a:p>
-            <a:r>
-              <a:rPr lang="en-US" sz="4400" dirty="0" smtClean="0"/>
-              <a:t>Fix Animation</a:t>
-            </a:r>
-            <a:endParaRPr lang="en-US" sz="4400" dirty="0"/>
-          </a:p>
-        </p:txBody>
-      </p:sp>
     </p:spTree>
   </p:cSld>
   <p:clrMapOvr>
@@ -10205,50 +12900,60 @@
                                   </p:childTnLst>
                                 </p:cTn>
                               </p:par>
+                            </p:childTnLst>
+                          </p:cTn>
+                        </p:par>
+                      </p:childTnLst>
+                    </p:cTn>
+                  </p:par>
+                  <p:par>
+                    <p:cTn id="9" fill="hold">
+                      <p:stCondLst>
+                        <p:cond delay="indefinite"/>
+                      </p:stCondLst>
+                      <p:childTnLst>
+                        <p:par>
+                          <p:cTn id="10" fill="hold">
+                            <p:stCondLst>
+                              <p:cond delay="0"/>
+                            </p:stCondLst>
+                            <p:childTnLst>
                               <p:par>
-                                <p:cTn id="9" presetID="10" presetClass="exit" presetSubtype="0" fill="hold" nodeType="withEffect">
+                                <p:cTn id="11" presetID="1" presetClass="entr" presetSubtype="0" fill="hold" grpId="0" nodeType="clickEffect">
                                   <p:stCondLst>
                                     <p:cond delay="0"/>
                                   </p:stCondLst>
                                   <p:childTnLst>
-                                    <p:animEffect transition="out" filter="fade">
-                                      <p:cBhvr>
-                                        <p:cTn id="10" dur="2000"/>
-                                        <p:tgtEl>
-                                          <p:spTgt spid="968755"/>
-                                        </p:tgtEl>
-                                      </p:cBhvr>
-                                    </p:animEffect>
                                     <p:set>
                                       <p:cBhvr>
-                                        <p:cTn id="11" dur="1" fill="hold">
+                                        <p:cTn id="12" dur="1" fill="hold">
                                           <p:stCondLst>
-                                            <p:cond delay="1999"/>
+                                            <p:cond delay="0"/>
                                           </p:stCondLst>
                                         </p:cTn>
                                         <p:tgtEl>
-                                          <p:spTgt spid="968755"/>
+                                          <p:spTgt spid="209"/>
                                         </p:tgtEl>
                                         <p:attrNameLst>
                                           <p:attrName>style.visibility</p:attrName>
                                         </p:attrNameLst>
                                       </p:cBhvr>
                                       <p:to>
-                                        <p:strVal val="hidden"/>
+                                        <p:strVal val="visible"/>
                                       </p:to>
                                     </p:set>
                                   </p:childTnLst>
                                 </p:cTn>
                               </p:par>
                               <p:par>
-                                <p:cTn id="12" presetID="1" presetClass="entr" presetSubtype="0" fill="hold" nodeType="withEffect">
+                                <p:cTn id="13" presetID="1" presetClass="entr" presetSubtype="0" fill="hold" nodeType="withEffect">
                                   <p:stCondLst>
                                     <p:cond delay="0"/>
                                   </p:stCondLst>
                                   <p:childTnLst>
                                     <p:set>
                                       <p:cBhvr>
-                                        <p:cTn id="13" dur="1" fill="hold">
+                                        <p:cTn id="14" dur="1" fill="hold">
                                           <p:stCondLst>
                                             <p:cond delay="0"/>
                                           </p:stCondLst>
@@ -10267,15 +12972,60 @@
                                   </p:childTnLst>
                                 </p:cTn>
                               </p:par>
+                            </p:childTnLst>
+                          </p:cTn>
+                        </p:par>
+                      </p:childTnLst>
+                    </p:cTn>
+                  </p:par>
+                  <p:par>
+                    <p:cTn id="15" fill="hold">
+                      <p:stCondLst>
+                        <p:cond delay="indefinite"/>
+                      </p:stCondLst>
+                      <p:childTnLst>
+                        <p:par>
+                          <p:cTn id="16" fill="hold">
+                            <p:stCondLst>
+                              <p:cond delay="0"/>
+                            </p:stCondLst>
+                            <p:childTnLst>
                               <p:par>
-                                <p:cTn id="14" presetID="1" presetClass="entr" presetSubtype="0" fill="hold" nodeType="withEffect">
+                                <p:cTn id="17" presetID="1" presetClass="entr" presetSubtype="0" fill="hold" nodeType="clickEffect">
                                   <p:stCondLst>
                                     <p:cond delay="0"/>
                                   </p:stCondLst>
                                   <p:childTnLst>
                                     <p:set>
                                       <p:cBhvr>
-                                        <p:cTn id="15" dur="1" fill="hold">
+                                        <p:cTn id="18" dur="1" fill="hold">
+                                          <p:stCondLst>
+                                            <p:cond delay="0"/>
+                                          </p:stCondLst>
+                                        </p:cTn>
+                                        <p:tgtEl>
+                                          <p:spTgt spid="212"/>
+                                        </p:tgtEl>
+                                        <p:attrNameLst>
+                                          <p:attrName>style.visibility</p:attrName>
+                                        </p:attrNameLst>
+                                      </p:cBhvr>
+                                      <p:to>
+                                        <p:strVal val="visible"/>
+                                      </p:to>
+                                    </p:set>
+                                  </p:childTnLst>
+                                </p:cTn>
+                              </p:par>
+                              <p:par>
+                                <p:cTn id="19" presetID="1" presetClass="entr" presetSubtype="0" fill="hold" nodeType="withEffect">
+                                  <p:stCondLst>
+                                    <p:cond delay="0"/>
+                                  </p:stCondLst>
+                                  <p:childTnLst>
+                                    <p:set>
+                                      <p:cBhvr>
+                                        <p:cTn id="20" dur="1" fill="hold">
                                           <p:stCondLst>
                                             <p:cond delay="0"/>
                                           </p:stCondLst>
@@ -10294,15 +13044,60 @@
                                   </p:childTnLst>
                                 </p:cTn>
                               </p:par>
+                            </p:childTnLst>
+                          </p:cTn>
+                        </p:par>
+                      </p:childTnLst>
+                    </p:cTn>
+                  </p:par>
+                  <p:par>
+                    <p:cTn id="21" fill="hold">
+                      <p:stCondLst>
+                        <p:cond delay="indefinite"/>
+                      </p:stCondLst>
+                      <p:childTnLst>
+                        <p:par>
+                          <p:cTn id="22" fill="hold">
+                            <p:stCondLst>
+                              <p:cond delay="0"/>
+                            </p:stCondLst>
+                            <p:childTnLst>
                               <p:par>
-                                <p:cTn id="16" presetID="1" presetClass="entr" presetSubtype="0" fill="hold" nodeType="withEffect">
+                                <p:cTn id="23" presetID="1" presetClass="entr" presetSubtype="0" fill="hold" nodeType="clickEffect">
                                   <p:stCondLst>
                                     <p:cond delay="0"/>
                                   </p:stCondLst>
                                   <p:childTnLst>
                                     <p:set>
                                       <p:cBhvr>
-                                        <p:cTn id="17" dur="1" fill="hold">
+                                        <p:cTn id="24" dur="1" fill="hold">
+                                          <p:stCondLst>
+                                            <p:cond delay="0"/>
+                                          </p:stCondLst>
+                                        </p:cTn>
+                                        <p:tgtEl>
+                                          <p:spTgt spid="211"/>
+                                        </p:tgtEl>
+                                        <p:attrNameLst>
+                                          <p:attrName>style.visibility</p:attrName>
+                                        </p:attrNameLst>
+                                      </p:cBhvr>
+                                      <p:to>
+                                        <p:strVal val="visible"/>
+                                      </p:to>
+                                    </p:set>
+                                  </p:childTnLst>
+                                </p:cTn>
+                              </p:par>
+                              <p:par>
+                                <p:cTn id="25" presetID="1" presetClass="entr" presetSubtype="0" fill="hold" nodeType="withEffect">
+                                  <p:stCondLst>
+                                    <p:cond delay="0"/>
+                                  </p:stCondLst>
+                                  <p:childTnLst>
+                                    <p:set>
+                                      <p:cBhvr>
+                                        <p:cTn id="26" dur="1" fill="hold">
                                           <p:stCondLst>
                                             <p:cond delay="0"/>
                                           </p:stCondLst>
@@ -10328,26 +13123,26 @@
                     </p:cTn>
                   </p:par>
                   <p:par>
-                    <p:cTn id="18" fill="hold">
+                    <p:cTn id="27" fill="hold">
                       <p:stCondLst>
                         <p:cond delay="indefinite"/>
                       </p:stCondLst>
                       <p:childTnLst>
                         <p:par>
-                          <p:cTn id="19" fill="hold">
+                          <p:cTn id="28" fill="hold">
                             <p:stCondLst>
                               <p:cond delay="0"/>
                             </p:stCondLst>
                             <p:childTnLst>
                               <p:par>
-                                <p:cTn id="20" presetID="1" presetClass="entr" presetSubtype="0" fill="hold" grpId="0" nodeType="clickEffect">
+                                <p:cTn id="29" presetID="1" presetClass="entr" presetSubtype="0" fill="hold" grpId="0" nodeType="clickEffect">
                                   <p:stCondLst>
                                     <p:cond delay="0"/>
                                   </p:stCondLst>
                                   <p:childTnLst>
                                     <p:set>
                                       <p:cBhvr>
-                                        <p:cTn id="21" dur="1" fill="hold">
+                                        <p:cTn id="30" dur="1" fill="hold">
                                           <p:stCondLst>
                                             <p:cond delay="0"/>
                                           </p:stCondLst>
@@ -10367,14 +13162,14 @@
                                 </p:cTn>
                               </p:par>
                               <p:par>
-                                <p:cTn id="22" presetID="1" presetClass="entr" presetSubtype="0" fill="hold" nodeType="withEffect">
+                                <p:cTn id="31" presetID="1" presetClass="entr" presetSubtype="0" fill="hold" nodeType="withEffect">
                                   <p:stCondLst>
                                     <p:cond delay="0"/>
                                   </p:stCondLst>
                                   <p:childTnLst>
                                     <p:set>
                                       <p:cBhvr>
-                                        <p:cTn id="23" dur="1" fill="hold">
+                                        <p:cTn id="32" dur="1" fill="hold">
                                           <p:stCondLst>
                                             <p:cond delay="0"/>
                                           </p:stCondLst>
@@ -10394,14 +13189,14 @@
                                 </p:cTn>
                               </p:par>
                               <p:par>
-                                <p:cTn id="24" presetID="1" presetClass="entr" presetSubtype="0" fill="hold" nodeType="withEffect">
+                                <p:cTn id="33" presetID="1" presetClass="entr" presetSubtype="0" fill="hold" nodeType="withEffect">
                                   <p:stCondLst>
                                     <p:cond delay="0"/>
                                   </p:stCondLst>
                                   <p:childTnLst>
                                     <p:set>
                                       <p:cBhvr>
-                                        <p:cTn id="25" dur="1" fill="hold">
+                                        <p:cTn id="34" dur="1" fill="hold">
                                           <p:stCondLst>
                                             <p:cond delay="0"/>
                                           </p:stCondLst>
@@ -10420,15 +13215,64 @@
                                   </p:childTnLst>
                                 </p:cTn>
                               </p:par>
+                            </p:childTnLst>
+                          </p:cTn>
+                        </p:par>
+                      </p:childTnLst>
+                    </p:cTn>
+                  </p:par>
+                  <p:par>
+                    <p:cTn id="35" fill="hold">
+                      <p:stCondLst>
+                        <p:cond delay="indefinite"/>
+                      </p:stCondLst>
+                      <p:childTnLst>
+                        <p:par>
+                          <p:cTn id="36" fill="hold">
+                            <p:stCondLst>
+                              <p:cond delay="0"/>
+                            </p:stCondLst>
+                            <p:childTnLst>
                               <p:par>
-                                <p:cTn id="26" presetID="1" presetClass="entr" presetSubtype="0" fill="hold" nodeType="withEffect">
+                                <p:cTn id="37" presetID="1" presetClass="entr" presetSubtype="0" fill="hold" nodeType="clickEffect">
                                   <p:stCondLst>
                                     <p:cond delay="0"/>
                                   </p:stCondLst>
                                   <p:childTnLst>
                                     <p:set>
                                       <p:cBhvr>
-                                        <p:cTn id="27" dur="1" fill="hold">
+                                        <p:cTn id="38" dur="1" fill="hold">
+                                          <p:stCondLst>
+                                            <p:cond delay="0"/>
+                                          </p:stCondLst>
+                                        </p:cTn>
+                                        <p:tgtEl>
+                                          <p:spTgt spid="213">
+                                            <p:txEl>
+                                              <p:pRg st="0" end="0"/>
+                                            </p:txEl>
+                                          </p:spTgt>
+                                        </p:tgtEl>
+                                        <p:attrNameLst>
+                                          <p:attrName>style.visibility</p:attrName>
+                                        </p:attrNameLst>
+                                      </p:cBhvr>
+                                      <p:to>
+                                        <p:strVal val="visible"/>
+                                      </p:to>
+                                    </p:set>
+                                  </p:childTnLst>
+                                </p:cTn>
+                              </p:par>
+                              <p:par>
+                                <p:cTn id="39" presetID="1" presetClass="entr" presetSubtype="0" fill="hold" nodeType="withEffect">
+                                  <p:stCondLst>
+                                    <p:cond delay="0"/>
+                                  </p:stCondLst>
+                                  <p:childTnLst>
+                                    <p:set>
+                                      <p:cBhvr>
+                                        <p:cTn id="40" dur="1" fill="hold">
                                           <p:stCondLst>
                                             <p:cond delay="0"/>
                                           </p:stCondLst>
@@ -10448,14 +13292,14 @@
                                 </p:cTn>
                               </p:par>
                               <p:par>
-                                <p:cTn id="28" presetID="1" presetClass="entr" presetSubtype="0" fill="hold" nodeType="withEffect">
+                                <p:cTn id="41" presetID="1" presetClass="entr" presetSubtype="0" fill="hold" nodeType="withEffect">
                                   <p:stCondLst>
                                     <p:cond delay="0"/>
                                   </p:stCondLst>
                                   <p:childTnLst>
                                     <p:set>
                                       <p:cBhvr>
-                                        <p:cTn id="29" dur="1" fill="hold">
+                                        <p:cTn id="42" dur="1" fill="hold">
                                           <p:stCondLst>
                                             <p:cond delay="0"/>
                                           </p:stCondLst>
@@ -10475,14 +13319,14 @@
                                 </p:cTn>
                               </p:par>
                               <p:par>
-                                <p:cTn id="30" presetID="1" presetClass="entr" presetSubtype="0" fill="hold" nodeType="withEffect">
+                                <p:cTn id="43" presetID="1" presetClass="entr" presetSubtype="0" fill="hold" nodeType="withEffect">
                                   <p:stCondLst>
                                     <p:cond delay="0"/>
                                   </p:stCondLst>
                                   <p:childTnLst>
                                     <p:set>
                                       <p:cBhvr>
-                                        <p:cTn id="31" dur="1" fill="hold">
+                                        <p:cTn id="44" dur="1" fill="hold">
                                           <p:stCondLst>
                                             <p:cond delay="0"/>
                                           </p:stCondLst>
@@ -10501,15 +13345,60 @@
                                   </p:childTnLst>
                                 </p:cTn>
                               </p:par>
+                            </p:childTnLst>
+                          </p:cTn>
+                        </p:par>
+                      </p:childTnLst>
+                    </p:cTn>
+                  </p:par>
+                  <p:par>
+                    <p:cTn id="45" fill="hold">
+                      <p:stCondLst>
+                        <p:cond delay="indefinite"/>
+                      </p:stCondLst>
+                      <p:childTnLst>
+                        <p:par>
+                          <p:cTn id="46" fill="hold">
+                            <p:stCondLst>
+                              <p:cond delay="0"/>
+                            </p:stCondLst>
+                            <p:childTnLst>
                               <p:par>
-                                <p:cTn id="32" presetID="1" presetClass="entr" presetSubtype="0" fill="hold" nodeType="withEffect">
+                                <p:cTn id="47" presetID="1" presetClass="entr" presetSubtype="0" fill="hold" grpId="0" nodeType="clickEffect">
                                   <p:stCondLst>
                                     <p:cond delay="0"/>
                                   </p:stCondLst>
                                   <p:childTnLst>
                                     <p:set>
                                       <p:cBhvr>
-                                        <p:cTn id="33" dur="1" fill="hold">
+                                        <p:cTn id="48" dur="1" fill="hold">
+                                          <p:stCondLst>
+                                            <p:cond delay="0"/>
+                                          </p:stCondLst>
+                                        </p:cTn>
+                                        <p:tgtEl>
+                                          <p:spTgt spid="270"/>
+                                        </p:tgtEl>
+                                        <p:attrNameLst>
+                                          <p:attrName>style.visibility</p:attrName>
+                                        </p:attrNameLst>
+                                      </p:cBhvr>
+                                      <p:to>
+                                        <p:strVal val="visible"/>
+                                      </p:to>
+                                    </p:set>
+                                  </p:childTnLst>
+                                </p:cTn>
+                              </p:par>
+                              <p:par>
+                                <p:cTn id="49" presetID="1" presetClass="entr" presetSubtype="0" fill="hold" nodeType="withEffect">
+                                  <p:stCondLst>
+                                    <p:cond delay="0"/>
+                                  </p:stCondLst>
+                                  <p:childTnLst>
+                                    <p:set>
+                                      <p:cBhvr>
+                                        <p:cTn id="50" dur="1" fill="hold">
                                           <p:stCondLst>
                                             <p:cond delay="0"/>
                                           </p:stCondLst>
@@ -10529,14 +13418,14 @@
                                 </p:cTn>
                               </p:par>
                               <p:par>
-                                <p:cTn id="34" presetID="1" presetClass="entr" presetSubtype="0" fill="hold" nodeType="withEffect">
+                                <p:cTn id="51" presetID="1" presetClass="entr" presetSubtype="0" fill="hold" nodeType="withEffect">
                                   <p:stCondLst>
                                     <p:cond delay="0"/>
                                   </p:stCondLst>
                                   <p:childTnLst>
                                     <p:set>
                                       <p:cBhvr>
-                                        <p:cTn id="35" dur="1" fill="hold">
+                                        <p:cTn id="52" dur="1" fill="hold">
                                           <p:stCondLst>
                                             <p:cond delay="0"/>
                                           </p:stCondLst>
@@ -10556,14 +13445,14 @@
                                 </p:cTn>
                               </p:par>
                               <p:par>
-                                <p:cTn id="36" presetID="1" presetClass="entr" presetSubtype="0" fill="hold" nodeType="withEffect">
+                                <p:cTn id="53" presetID="1" presetClass="entr" presetSubtype="0" fill="hold" nodeType="withEffect">
                                   <p:stCondLst>
                                     <p:cond delay="0"/>
                                   </p:stCondLst>
                                   <p:childTnLst>
                                     <p:set>
                                       <p:cBhvr>
-                                        <p:cTn id="37" dur="1" fill="hold">
+                                        <p:cTn id="54" dur="1" fill="hold">
                                           <p:stCondLst>
                                             <p:cond delay="0"/>
                                           </p:stCondLst>
@@ -10583,14 +13472,14 @@
                                 </p:cTn>
                               </p:par>
                               <p:par>
-                                <p:cTn id="38" presetID="1" presetClass="entr" presetSubtype="0" fill="hold" nodeType="withEffect">
+                                <p:cTn id="55" presetID="1" presetClass="entr" presetSubtype="0" fill="hold" nodeType="withEffect">
                                   <p:stCondLst>
                                     <p:cond delay="0"/>
                                   </p:stCondLst>
                                   <p:childTnLst>
                                     <p:set>
                                       <p:cBhvr>
-                                        <p:cTn id="39" dur="1" fill="hold">
+                                        <p:cTn id="56" dur="1" fill="hold">
                                           <p:stCondLst>
                                             <p:cond delay="0"/>
                                           </p:stCondLst>
@@ -10610,14 +13499,14 @@
                                 </p:cTn>
                               </p:par>
                               <p:par>
-                                <p:cTn id="40" presetID="1" presetClass="entr" presetSubtype="0" fill="hold" nodeType="withEffect">
+                                <p:cTn id="57" presetID="1" presetClass="entr" presetSubtype="0" fill="hold" nodeType="withEffect">
                                   <p:stCondLst>
                                     <p:cond delay="0"/>
                                   </p:stCondLst>
                                   <p:childTnLst>
                                     <p:set>
                                       <p:cBhvr>
-                                        <p:cTn id="41" dur="1" fill="hold">
+                                        <p:cTn id="58" dur="1" fill="hold">
                                           <p:stCondLst>
                                             <p:cond delay="0"/>
                                           </p:stCondLst>
@@ -10637,20 +13526,65 @@
                                 </p:cTn>
                               </p:par>
                               <p:par>
-                                <p:cTn id="42" presetID="1" presetClass="entr" presetSubtype="0" fill="hold" nodeType="withEffect">
+                                <p:cTn id="59" presetID="1" presetClass="entr" presetSubtype="0" fill="hold" nodeType="withEffect">
                                   <p:stCondLst>
                                     <p:cond delay="0"/>
                                   </p:stCondLst>
                                   <p:childTnLst>
                                     <p:set>
                                       <p:cBhvr>
-                                        <p:cTn id="43" dur="1" fill="hold">
+                                        <p:cTn id="60" dur="1" fill="hold">
                                           <p:stCondLst>
                                             <p:cond delay="0"/>
                                           </p:stCondLst>
                                         </p:cTn>
                                         <p:tgtEl>
                                           <p:spTgt spid="249"/>
+                                        </p:tgtEl>
+                                        <p:attrNameLst>
+                                          <p:attrName>style.visibility</p:attrName>
+                                        </p:attrNameLst>
+                                      </p:cBhvr>
+                                      <p:to>
+                                        <p:strVal val="visible"/>
+                                      </p:to>
+                                    </p:set>
+                                  </p:childTnLst>
+                                </p:cTn>
+                              </p:par>
+                            </p:childTnLst>
+                          </p:cTn>
+                        </p:par>
+                      </p:childTnLst>
+                    </p:cTn>
+                  </p:par>
+                  <p:par>
+                    <p:cTn id="61" fill="hold">
+                      <p:stCondLst>
+                        <p:cond delay="indefinite"/>
+                      </p:stCondLst>
+                      <p:childTnLst>
+                        <p:par>
+                          <p:cTn id="62" fill="hold">
+                            <p:stCondLst>
+                              <p:cond delay="0"/>
+                            </p:stCondLst>
+                            <p:childTnLst>
+                              <p:par>
+                                <p:cTn id="63" presetID="1" presetClass="entr" presetSubtype="0" fill="hold" grpId="0" nodeType="clickEffect">
+                                  <p:stCondLst>
+                                    <p:cond delay="0"/>
+                                  </p:stCondLst>
+                                  <p:childTnLst>
+                                    <p:set>
+                                      <p:cBhvr>
+                                        <p:cTn id="64" dur="1" fill="hold">
+                                          <p:stCondLst>
+                                            <p:cond delay="0"/>
+                                          </p:stCondLst>
+                                        </p:cTn>
+                                        <p:tgtEl>
+                                          <p:spTgt spid="271"/>
                                         </p:tgtEl>
                                         <p:attrNameLst>
                                           <p:attrName>style.visibility</p:attrName>
@@ -10692,175 +13626,15 @@
     </p:tnLst>
     <p:bldLst>
       <p:bldP spid="968911" grpId="0"/>
+      <p:bldP spid="209" grpId="0" animBg="1"/>
+      <p:bldP spid="270" grpId="0"/>
+      <p:bldP spid="271" grpId="0"/>
     </p:bldLst>
   </p:timing>
 </p:sld>
 </file>
 
-<file path=ppt/slides/slide2.xml><?xml version="1.0" encoding="utf-8"?>
-<p:sld xmlns:a="http://schemas.openxmlformats.org/drawingml/2006/main" xmlns:r="http://schemas.openxmlformats.org/officeDocument/2006/relationships" xmlns:p="http://schemas.openxmlformats.org/presentationml/2006/main">
-  <p:cSld>
-    <p:spTree>
-      <p:nvGrpSpPr>
-        <p:cNvPr id="1" name=""/>
-        <p:cNvGrpSpPr/>
-        <p:nvPr/>
-      </p:nvGrpSpPr>
-      <p:grpSpPr>
-        <a:xfrm>
-          <a:off x="0" y="0"/>
-          <a:ext cx="0" cy="0"/>
-          <a:chOff x="0" y="0"/>
-          <a:chExt cx="0" cy="0"/>
-        </a:xfrm>
-      </p:grpSpPr>
-      <p:sp>
-        <p:nvSpPr>
-          <p:cNvPr id="5" name="Slide Number Placeholder 4"/>
-          <p:cNvSpPr>
-            <a:spLocks noGrp="1"/>
-          </p:cNvSpPr>
-          <p:nvPr>
-            <p:ph type="sldNum" sz="quarter" idx="12"/>
-          </p:nvPr>
-        </p:nvSpPr>
-        <p:spPr/>
-        <p:txBody>
-          <a:bodyPr/>
-          <a:lstStyle/>
-          <a:p>
-            <a:fld id="{4D1FAE17-FF9F-4802-B6B5-C9D27394F88B}" type="slidenum">
-              <a:rPr lang="en-US"/>
-              <a:pPr/>
-              <a:t>2</a:t>
-            </a:fld>
-            <a:endParaRPr lang="en-US"/>
-          </a:p>
-        </p:txBody>
-      </p:sp>
-      <p:sp>
-        <p:nvSpPr>
-          <p:cNvPr id="957444" name="Rectangle 4"/>
-          <p:cNvSpPr>
-            <a:spLocks noGrp="1" noChangeArrowheads="1"/>
-          </p:cNvSpPr>
-          <p:nvPr>
-            <p:ph type="title"/>
-          </p:nvPr>
-        </p:nvSpPr>
-        <p:spPr>
-          <a:xfrm>
-            <a:off x="457200" y="228600"/>
-            <a:ext cx="8229600" cy="808038"/>
-          </a:xfrm>
-        </p:spPr>
-        <p:txBody>
-          <a:bodyPr/>
-          <a:lstStyle/>
-          <a:p>
-            <a:r>
-              <a:rPr lang="en-US" sz="3200"/>
-              <a:t>Thanks to CWEMF for the refreshments</a:t>
-            </a:r>
-          </a:p>
-        </p:txBody>
-      </p:sp>
-      <p:pic>
-        <p:nvPicPr>
-          <p:cNvPr id="957445" name="Picture 5" descr="j0437763[1]"/>
-          <p:cNvPicPr>
-            <a:picLocks noChangeAspect="1" noChangeArrowheads="1"/>
-          </p:cNvPicPr>
-          <p:nvPr/>
-        </p:nvPicPr>
-        <p:blipFill>
-          <a:blip r:embed="rId2" cstate="print"/>
-          <a:srcRect/>
-          <a:stretch>
-            <a:fillRect/>
-          </a:stretch>
-        </p:blipFill>
-        <p:spPr bwMode="auto">
-          <a:xfrm>
-            <a:off x="3500438" y="1371600"/>
-            <a:ext cx="2141537" cy="3201988"/>
-          </a:xfrm>
-          <a:prstGeom prst="rect">
-            <a:avLst/>
-          </a:prstGeom>
-          <a:noFill/>
-        </p:spPr>
-      </p:pic>
-      <p:sp>
-        <p:nvSpPr>
-          <p:cNvPr id="957446" name="Text Box 6"/>
-          <p:cNvSpPr txBox="1">
-            <a:spLocks noChangeArrowheads="1"/>
-          </p:cNvSpPr>
-          <p:nvPr/>
-        </p:nvSpPr>
-        <p:spPr bwMode="auto">
-          <a:xfrm>
-            <a:off x="1819275" y="5522913"/>
-            <a:ext cx="5505450" cy="641350"/>
-          </a:xfrm>
-          <a:prstGeom prst="rect">
-            <a:avLst/>
-          </a:prstGeom>
-          <a:noFill/>
-          <a:ln w="9525">
-            <a:noFill/>
-            <a:miter lim="800000"/>
-            <a:headEnd/>
-            <a:tailEnd/>
-          </a:ln>
-          <a:effectLst/>
-        </p:spPr>
-        <p:txBody>
-          <a:bodyPr wrap="none">
-            <a:spAutoFit/>
-          </a:bodyPr>
-          <a:lstStyle/>
-          <a:p>
-            <a:pPr algn="ctr"/>
-            <a:r>
-              <a:rPr lang="en-US">
-                <a:solidFill>
-                  <a:schemeClr val="bg1"/>
-                </a:solidFill>
-              </a:rPr>
-              <a:t>California Water and Environmental Modeling Forum</a:t>
-            </a:r>
-          </a:p>
-          <a:p>
-            <a:pPr algn="ctr"/>
-            <a:r>
-              <a:rPr lang="en-US">
-                <a:solidFill>
-                  <a:schemeClr val="bg1"/>
-                </a:solidFill>
-              </a:rPr>
-              <a:t>cwemf.org</a:t>
-            </a:r>
-          </a:p>
-        </p:txBody>
-      </p:sp>
-    </p:spTree>
-  </p:cSld>
-  <p:clrMapOvr>
-    <a:masterClrMapping/>
-  </p:clrMapOvr>
-  <p:timing>
-    <p:tnLst>
-      <p:par>
-        <p:cTn id="1" dur="indefinite" restart="never" nodeType="tmRoot"/>
-      </p:par>
-    </p:tnLst>
-  </p:timing>
-</p:sld>
-</file>
-
-<file path=ppt/slides/slide20.xml><?xml version="1.0" encoding="utf-8"?>
+<file path=ppt/slides/slide23.xml><?xml version="1.0" encoding="utf-8"?>
 <p:sld xmlns:a="http://schemas.openxmlformats.org/drawingml/2006/main" xmlns:r="http://schemas.openxmlformats.org/officeDocument/2006/relationships" xmlns:p="http://schemas.openxmlformats.org/presentationml/2006/main">
   <p:cSld>
     <p:spTree>
@@ -10918,9 +13692,41 @@
             <a:fld id="{8DEF5528-0AAE-4923-AFF8-CF68EEEC498E}" type="slidenum">
               <a:rPr lang="en-US" smtClean="0"/>
               <a:pPr/>
-              <a:t>20</a:t>
+              <a:t>23</a:t>
             </a:fld>
             <a:endParaRPr lang="en-US"/>
+          </a:p>
+        </p:txBody>
+      </p:sp>
+      <p:sp>
+        <p:nvSpPr>
+          <p:cNvPr id="5" name="TextBox 4"/>
+          <p:cNvSpPr txBox="1"/>
+          <p:nvPr/>
+        </p:nvSpPr>
+        <p:spPr>
+          <a:xfrm>
+            <a:off x="3657600" y="1524000"/>
+            <a:ext cx="4706738" cy="1107996"/>
+          </a:xfrm>
+          <a:prstGeom prst="rect">
+            <a:avLst/>
+          </a:prstGeom>
+          <a:solidFill>
+            <a:srgbClr val="EB19BE"/>
+          </a:solidFill>
+        </p:spPr>
+        <p:txBody>
+          <a:bodyPr wrap="none" rtlCol="0">
+            <a:spAutoFit/>
+          </a:bodyPr>
+          <a:lstStyle/>
+          <a:p>
+            <a:r>
+              <a:rPr lang="en-US" sz="6600" dirty="0" smtClean="0"/>
+              <a:t>Add content</a:t>
+            </a:r>
+            <a:endParaRPr lang="en-US" sz="6600" dirty="0"/>
           </a:p>
         </p:txBody>
       </p:sp>
@@ -10929,10 +13735,17 @@
   <p:clrMapOvr>
     <a:masterClrMapping/>
   </p:clrMapOvr>
+  <p:timing>
+    <p:tnLst>
+      <p:par>
+        <p:cTn id="1" dur="indefinite" restart="never" nodeType="tmRoot"/>
+      </p:par>
+    </p:tnLst>
+  </p:timing>
 </p:sld>
 </file>
 
-<file path=ppt/slides/slide21.xml><?xml version="1.0" encoding="utf-8"?>
+<file path=ppt/slides/slide24.xml><?xml version="1.0" encoding="utf-8"?>
 <p:sld xmlns:a="http://schemas.openxmlformats.org/drawingml/2006/main" xmlns:r="http://schemas.openxmlformats.org/officeDocument/2006/relationships" xmlns:p="http://schemas.openxmlformats.org/presentationml/2006/main">
   <p:cSld>
     <p:spTree>
@@ -10967,7 +13780,7 @@
             <a:fld id="{B7F1BD0B-ED74-47E3-99DD-8B4A2C0F3AE4}" type="slidenum">
               <a:rPr lang="en-US"/>
               <a:pPr/>
-              <a:t>21</a:t>
+              <a:t>24</a:t>
             </a:fld>
             <a:endParaRPr lang="en-US"/>
           </a:p>
@@ -11326,7 +14139,7 @@
 </p:sld>
 </file>
 
-<file path=ppt/slides/slide22.xml><?xml version="1.0" encoding="utf-8"?>
+<file path=ppt/slides/slide25.xml><?xml version="1.0" encoding="utf-8"?>
 <p:sld xmlns:a="http://schemas.openxmlformats.org/drawingml/2006/main" xmlns:r="http://schemas.openxmlformats.org/officeDocument/2006/relationships" xmlns:p="http://schemas.openxmlformats.org/presentationml/2006/main">
   <p:cSld>
     <p:spTree>
@@ -11361,7 +14174,7 @@
             <a:fld id="{88D968E2-A8B3-4BDF-9665-EE810A7A7257}" type="slidenum">
               <a:rPr lang="en-US"/>
               <a:pPr/>
-              <a:t>22</a:t>
+              <a:t>25</a:t>
             </a:fld>
             <a:endParaRPr lang="en-US"/>
           </a:p>
@@ -11436,264 +14249,7 @@
 </p:sld>
 </file>
 
-<file path=ppt/slides/slide23.xml><?xml version="1.0" encoding="utf-8"?>
-<p:sld xmlns:a="http://schemas.openxmlformats.org/drawingml/2006/main" xmlns:r="http://schemas.openxmlformats.org/officeDocument/2006/relationships" xmlns:p="http://schemas.openxmlformats.org/presentationml/2006/main">
-  <p:cSld>
-    <p:spTree>
-      <p:nvGrpSpPr>
-        <p:cNvPr id="1" name=""/>
-        <p:cNvGrpSpPr/>
-        <p:nvPr/>
-      </p:nvGrpSpPr>
-      <p:grpSpPr>
-        <a:xfrm>
-          <a:off x="0" y="0"/>
-          <a:ext cx="0" cy="0"/>
-          <a:chOff x="0" y="0"/>
-          <a:chExt cx="0" cy="0"/>
-        </a:xfrm>
-      </p:grpSpPr>
-      <p:sp>
-        <p:nvSpPr>
-          <p:cNvPr id="7" name="Title 6"/>
-          <p:cNvSpPr>
-            <a:spLocks noGrp="1"/>
-          </p:cNvSpPr>
-          <p:nvPr>
-            <p:ph type="title"/>
-          </p:nvPr>
-        </p:nvSpPr>
-        <p:spPr>
-          <a:xfrm>
-            <a:off x="457200" y="990600"/>
-            <a:ext cx="3581400" cy="808038"/>
-          </a:xfrm>
-        </p:spPr>
-        <p:txBody>
-          <a:bodyPr/>
-          <a:lstStyle/>
-          <a:p>
-            <a:pPr algn="l"/>
-            <a:r>
-              <a:rPr lang="en-US" dirty="0" smtClean="0"/>
-              <a:t>Delta Grid shaded by Manning’s n</a:t>
-            </a:r>
-            <a:endParaRPr lang="en-US" dirty="0"/>
-          </a:p>
-        </p:txBody>
-      </p:sp>
-      <p:sp>
-        <p:nvSpPr>
-          <p:cNvPr id="2" name="Slide Number Placeholder 1"/>
-          <p:cNvSpPr>
-            <a:spLocks noGrp="1"/>
-          </p:cNvSpPr>
-          <p:nvPr>
-            <p:ph type="sldNum" sz="quarter" idx="12"/>
-          </p:nvPr>
-        </p:nvSpPr>
-        <p:spPr/>
-        <p:txBody>
-          <a:bodyPr/>
-          <a:lstStyle/>
-          <a:p>
-            <a:fld id="{FB1F91E9-D97F-4189-8796-BD40BB12C55D}" type="slidenum">
-              <a:rPr lang="en-US" smtClean="0"/>
-              <a:pPr/>
-              <a:t>23</a:t>
-            </a:fld>
-            <a:endParaRPr lang="en-US"/>
-          </a:p>
-        </p:txBody>
-      </p:sp>
-      <p:sp>
-        <p:nvSpPr>
-          <p:cNvPr id="1026" name="AutoShape 2" descr="https://ssl.water.ca.gov/exchange/jamie.anderson/Inbox/RE:%20Screen%20capture%20of%20map%20of%20Manning%27s%20n%20for%20DSM2%20grid.EML/1_multipart/1_multipart/,DanaInfo=SACEX2.ad.water.ca.gov+image001.png?Security=3"/>
-          <p:cNvSpPr>
-            <a:spLocks noChangeAspect="1" noChangeArrowheads="1"/>
-          </p:cNvSpPr>
-          <p:nvPr/>
-        </p:nvSpPr>
-        <p:spPr bwMode="auto">
-          <a:xfrm>
-            <a:off x="155575" y="-4389438"/>
-            <a:ext cx="12192000" cy="9144001"/>
-          </a:xfrm>
-          <a:prstGeom prst="rect">
-            <a:avLst/>
-          </a:prstGeom>
-          <a:noFill/>
-        </p:spPr>
-        <p:txBody>
-          <a:bodyPr vert="horz" wrap="square" lIns="91440" tIns="45720" rIns="91440" bIns="45720" numCol="1" anchor="t" anchorCtr="0" compatLnSpc="1">
-            <a:prstTxWarp prst="textNoShape">
-              <a:avLst/>
-            </a:prstTxWarp>
-          </a:bodyPr>
-          <a:lstStyle/>
-          <a:p>
-            <a:endParaRPr lang="en-US"/>
-          </a:p>
-        </p:txBody>
-      </p:sp>
-      <p:sp>
-        <p:nvSpPr>
-          <p:cNvPr id="1028" name="AutoShape 4" descr="https://ssl.water.ca.gov/exchange/jamie.anderson/Inbox/RE:%20Screen%20capture%20of%20map%20of%20Manning%27s%20n%20for%20DSM2%20grid.EML/1_multipart/1_multipart/,DanaInfo=SACEX2.ad.water.ca.gov+image001.png?Security=3"/>
-          <p:cNvSpPr>
-            <a:spLocks noChangeAspect="1" noChangeArrowheads="1"/>
-          </p:cNvSpPr>
-          <p:nvPr/>
-        </p:nvSpPr>
-        <p:spPr bwMode="auto">
-          <a:xfrm>
-            <a:off x="155575" y="-4389438"/>
-            <a:ext cx="12192000" cy="9144001"/>
-          </a:xfrm>
-          <a:prstGeom prst="rect">
-            <a:avLst/>
-          </a:prstGeom>
-          <a:noFill/>
-        </p:spPr>
-        <p:txBody>
-          <a:bodyPr vert="horz" wrap="square" lIns="91440" tIns="45720" rIns="91440" bIns="45720" numCol="1" anchor="t" anchorCtr="0" compatLnSpc="1">
-            <a:prstTxWarp prst="textNoShape">
-              <a:avLst/>
-            </a:prstTxWarp>
-          </a:bodyPr>
-          <a:lstStyle/>
-          <a:p>
-            <a:endParaRPr lang="en-US"/>
-          </a:p>
-        </p:txBody>
-      </p:sp>
-      <p:pic>
-        <p:nvPicPr>
-          <p:cNvPr id="6" name="Picture 5" descr="Delta standard grid Manning's n.png"/>
-          <p:cNvPicPr>
-            <a:picLocks noChangeAspect="1"/>
-          </p:cNvPicPr>
-          <p:nvPr/>
-        </p:nvPicPr>
-        <p:blipFill>
-          <a:blip r:embed="rId2" cstate="print"/>
-          <a:stretch>
-            <a:fillRect/>
-          </a:stretch>
-        </p:blipFill>
-        <p:spPr>
-          <a:xfrm>
-            <a:off x="3232892" y="0"/>
-            <a:ext cx="6025858" cy="6858000"/>
-          </a:xfrm>
-          <a:prstGeom prst="rect">
-            <a:avLst/>
-          </a:prstGeom>
-        </p:spPr>
-      </p:pic>
-      <p:sp>
-        <p:nvSpPr>
-          <p:cNvPr id="8" name="TextBox 7"/>
-          <p:cNvSpPr txBox="1"/>
-          <p:nvPr/>
-        </p:nvSpPr>
-        <p:spPr>
-          <a:xfrm>
-            <a:off x="457200" y="2819400"/>
-            <a:ext cx="2404826" cy="1015663"/>
-          </a:xfrm>
-          <a:prstGeom prst="rect">
-            <a:avLst/>
-          </a:prstGeom>
-          <a:noFill/>
-        </p:spPr>
-        <p:txBody>
-          <a:bodyPr wrap="none" rtlCol="0">
-            <a:spAutoFit/>
-          </a:bodyPr>
-          <a:lstStyle/>
-          <a:p>
-            <a:r>
-              <a:rPr lang="en-US" sz="2000" dirty="0" smtClean="0">
-                <a:solidFill>
-                  <a:schemeClr val="bg1"/>
-                </a:solidFill>
-              </a:rPr>
-              <a:t>Value range </a:t>
-            </a:r>
-          </a:p>
-          <a:p>
-            <a:r>
-              <a:rPr lang="en-US" sz="2000" dirty="0" smtClean="0">
-                <a:solidFill>
-                  <a:schemeClr val="bg1"/>
-                </a:solidFill>
-              </a:rPr>
-              <a:t>0.018 (dark blue) to</a:t>
-            </a:r>
-          </a:p>
-          <a:p>
-            <a:r>
-              <a:rPr lang="en-US" sz="2000" dirty="0" smtClean="0">
-                <a:solidFill>
-                  <a:schemeClr val="bg1"/>
-                </a:solidFill>
-              </a:rPr>
-              <a:t>0.045 (pink)</a:t>
-            </a:r>
-            <a:endParaRPr lang="en-US" sz="2000" dirty="0">
-              <a:solidFill>
-                <a:schemeClr val="bg1"/>
-              </a:solidFill>
-            </a:endParaRPr>
-          </a:p>
-        </p:txBody>
-      </p:sp>
-      <p:sp>
-        <p:nvSpPr>
-          <p:cNvPr id="9" name="TextBox 8"/>
-          <p:cNvSpPr txBox="1"/>
-          <p:nvPr/>
-        </p:nvSpPr>
-        <p:spPr>
-          <a:xfrm>
-            <a:off x="4876800" y="6550223"/>
-            <a:ext cx="2324675" cy="307777"/>
-          </a:xfrm>
-          <a:prstGeom prst="rect">
-            <a:avLst/>
-          </a:prstGeom>
-          <a:noFill/>
-        </p:spPr>
-        <p:txBody>
-          <a:bodyPr wrap="none" rtlCol="0">
-            <a:spAutoFit/>
-          </a:bodyPr>
-          <a:lstStyle/>
-          <a:p>
-            <a:r>
-              <a:rPr lang="en-US" sz="1400" dirty="0" smtClean="0"/>
-              <a:t>DSM2 Mini-calibration Grid</a:t>
-            </a:r>
-            <a:endParaRPr lang="en-US" sz="1400" dirty="0"/>
-          </a:p>
-        </p:txBody>
-      </p:sp>
-    </p:spTree>
-  </p:cSld>
-  <p:clrMapOvr>
-    <a:masterClrMapping/>
-  </p:clrMapOvr>
-  <p:timing>
-    <p:tnLst>
-      <p:par>
-        <p:cTn id="1" dur="indefinite" restart="never" nodeType="tmRoot"/>
-      </p:par>
-    </p:tnLst>
-  </p:timing>
-</p:sld>
-</file>
-
-<file path=ppt/slides/slide24.xml><?xml version="1.0" encoding="utf-8"?>
+<file path=ppt/slides/slide26.xml><?xml version="1.0" encoding="utf-8"?>
 <p:sld xmlns:a="http://schemas.openxmlformats.org/drawingml/2006/main" xmlns:r="http://schemas.openxmlformats.org/officeDocument/2006/relationships" xmlns:p="http://schemas.openxmlformats.org/presentationml/2006/main">
   <p:cSld>
     <p:spTree>
@@ -11720,14 +14276,19 @@
             <p:ph type="title"/>
           </p:nvPr>
         </p:nvSpPr>
-        <p:spPr/>
+        <p:spPr>
+          <a:xfrm>
+            <a:off x="381000" y="533400"/>
+            <a:ext cx="8229600" cy="808038"/>
+          </a:xfrm>
+        </p:spPr>
         <p:txBody>
           <a:bodyPr/>
           <a:lstStyle/>
           <a:p>
             <a:r>
               <a:rPr lang="en-US" dirty="0" smtClean="0"/>
-              <a:t>CWEMF Conference Feb 22-24, 2010</a:t>
+              <a:t>California Water and Environmental Modeling Forum Conference</a:t>
             </a:r>
             <a:endParaRPr lang="en-US" dirty="0"/>
           </a:p>
@@ -11743,12 +14304,79 @@
             <p:ph idx="1"/>
           </p:nvPr>
         </p:nvSpPr>
-        <p:spPr/>
+        <p:spPr>
+          <a:xfrm>
+            <a:off x="457200" y="1752600"/>
+            <a:ext cx="4419600" cy="4525963"/>
+          </a:xfrm>
+        </p:spPr>
         <p:txBody>
           <a:bodyPr/>
           <a:lstStyle/>
           <a:p>
-            <a:endParaRPr lang="en-US"/>
+            <a:pPr>
+              <a:spcBef>
+                <a:spcPts val="1800"/>
+              </a:spcBef>
+            </a:pPr>
+            <a:r>
+              <a:rPr lang="en-US" sz="2800" dirty="0" smtClean="0"/>
+              <a:t>Feb 22-24, 2010</a:t>
+            </a:r>
+          </a:p>
+          <a:p>
+            <a:pPr>
+              <a:spcBef>
+                <a:spcPts val="1800"/>
+              </a:spcBef>
+            </a:pPr>
+            <a:r>
+              <a:rPr lang="en-US" sz="2800" dirty="0" err="1" smtClean="0"/>
+              <a:t>Asilomar</a:t>
+            </a:r>
+            <a:r>
+              <a:rPr lang="en-US" sz="2800" dirty="0" smtClean="0"/>
+              <a:t> </a:t>
+            </a:r>
+            <a:r>
+              <a:rPr lang="en-US" sz="2800" dirty="0" smtClean="0"/>
+              <a:t>near Monterey</a:t>
+            </a:r>
+            <a:endParaRPr lang="en-US" sz="2800" dirty="0" smtClean="0"/>
+          </a:p>
+          <a:p>
+            <a:pPr>
+              <a:spcBef>
+                <a:spcPts val="1800"/>
+              </a:spcBef>
+            </a:pPr>
+            <a:r>
+              <a:rPr lang="en-US" sz="2800" dirty="0" smtClean="0"/>
+              <a:t>STM update in </a:t>
+            </a:r>
+            <a:br>
+              <a:rPr lang="en-US" sz="2800" dirty="0" smtClean="0"/>
+            </a:br>
+            <a:r>
+              <a:rPr lang="en-US" sz="2800" dirty="0" smtClean="0"/>
+              <a:t>DSM2 session</a:t>
+            </a:r>
+          </a:p>
+          <a:p>
+            <a:pPr>
+              <a:spcBef>
+                <a:spcPts val="1800"/>
+              </a:spcBef>
+            </a:pPr>
+            <a:r>
+              <a:rPr lang="en-US" sz="2800" dirty="0" smtClean="0"/>
+              <a:t>c</a:t>
+            </a:r>
+            <a:r>
+              <a:rPr lang="en-US" sz="2800" dirty="0" smtClean="0"/>
+              <a:t>wemf.org</a:t>
+            </a:r>
+            <a:endParaRPr lang="en-US" sz="2800" dirty="0"/>
           </a:p>
         </p:txBody>
       </p:sp>
@@ -11770,12 +14398,38 @@
             <a:fld id="{FB1F91E9-D97F-4189-8796-BD40BB12C55D}" type="slidenum">
               <a:rPr lang="en-US" smtClean="0"/>
               <a:pPr/>
-              <a:t>24</a:t>
+              <a:t>26</a:t>
             </a:fld>
             <a:endParaRPr lang="en-US"/>
           </a:p>
         </p:txBody>
       </p:sp>
+      <p:pic>
+        <p:nvPicPr>
+          <p:cNvPr id="13314" name="Picture 2" descr="http://blogs.kqed.org/bayareabites/files/2009/01/asilomar.jpg"/>
+          <p:cNvPicPr>
+            <a:picLocks noChangeAspect="1" noChangeArrowheads="1"/>
+          </p:cNvPicPr>
+          <p:nvPr/>
+        </p:nvPicPr>
+        <p:blipFill>
+          <a:blip r:embed="rId2" cstate="print"/>
+          <a:srcRect/>
+          <a:stretch>
+            <a:fillRect/>
+          </a:stretch>
+        </p:blipFill>
+        <p:spPr bwMode="auto">
+          <a:xfrm>
+            <a:off x="5029200" y="1981200"/>
+            <a:ext cx="3810000" cy="2857500"/>
+          </a:xfrm>
+          <a:prstGeom prst="rect">
+            <a:avLst/>
+          </a:prstGeom>
+          <a:noFill/>
+        </p:spPr>
+      </p:pic>
     </p:spTree>
   </p:cSld>
   <p:clrMapOvr>
@@ -11791,7 +14445,7 @@
 </p:sld>
 </file>
 
-<file path=ppt/slides/slide25.xml><?xml version="1.0" encoding="utf-8"?>
+<file path=ppt/slides/slide27.xml><?xml version="1.0" encoding="utf-8"?>
 <p:sld xmlns:a="http://schemas.openxmlformats.org/drawingml/2006/main" xmlns:r="http://schemas.openxmlformats.org/officeDocument/2006/relationships" xmlns:p="http://schemas.openxmlformats.org/presentationml/2006/main">
   <p:cSld>
     <p:spTree>
@@ -11808,30 +14462,6 @@
           <a:chExt cx="0" cy="0"/>
         </a:xfrm>
       </p:grpSpPr>
-      <p:sp>
-        <p:nvSpPr>
-          <p:cNvPr id="5" name="Slide Number Placeholder 3"/>
-          <p:cNvSpPr>
-            <a:spLocks noGrp="1"/>
-          </p:cNvSpPr>
-          <p:nvPr>
-            <p:ph type="sldNum" sz="quarter" idx="12"/>
-          </p:nvPr>
-        </p:nvSpPr>
-        <p:spPr/>
-        <p:txBody>
-          <a:bodyPr/>
-          <a:lstStyle/>
-          <a:p>
-            <a:fld id="{807393F3-8FE3-4CC9-8103-779ADCB94706}" type="slidenum">
-              <a:rPr lang="en-US"/>
-              <a:pPr/>
-              <a:t>25</a:t>
-            </a:fld>
-            <a:endParaRPr lang="en-US"/>
-          </a:p>
-        </p:txBody>
-      </p:sp>
       <p:pic>
         <p:nvPicPr>
           <p:cNvPr id="972804" name="Picture 4" descr="IMG_5787"/>
@@ -11868,8 +14498,8 @@
         </p:nvSpPr>
         <p:spPr bwMode="auto">
           <a:xfrm>
-            <a:off x="457200" y="1600200"/>
-            <a:ext cx="7924800" cy="2822575"/>
+            <a:off x="457200" y="1219200"/>
+            <a:ext cx="7924800" cy="3657600"/>
           </a:xfrm>
           <a:prstGeom prst="rect">
             <a:avLst/>
@@ -11889,34 +14519,39 @@
           <a:p>
             <a:pPr algn="ctr">
               <a:spcBef>
-                <a:spcPct val="75000"/>
+                <a:spcPts val="4800"/>
               </a:spcBef>
             </a:pPr>
             <a:r>
               <a:rPr lang="en-US" sz="8000" dirty="0">
-                <a:solidFill>
-                  <a:srgbClr val="FFFF00"/>
-                </a:solidFill>
                 <a:latin typeface="Comic Sans MS" pitchFamily="66" charset="0"/>
               </a:rPr>
-              <a:t>Thank You!</a:t>
-            </a:r>
-            <a:br>
-              <a:rPr lang="en-US" sz="8000" dirty="0">
-                <a:solidFill>
-                  <a:srgbClr val="FFFF00"/>
-                </a:solidFill>
+              <a:t>Thank </a:t>
+            </a:r>
+            <a:r>
+              <a:rPr lang="en-US" sz="8000" dirty="0" smtClean="0">
                 <a:latin typeface="Comic Sans MS" pitchFamily="66" charset="0"/>
               </a:rPr>
-            </a:br>
-            <a:r>
-              <a:rPr lang="en-US" sz="3600" dirty="0" smtClean="0">
-                <a:solidFill>
-                  <a:srgbClr val="FFFF00"/>
-                </a:solidFill>
+              <a:t>You!</a:t>
+            </a:r>
+          </a:p>
+          <a:p>
+            <a:pPr algn="ctr">
+              <a:spcBef>
+                <a:spcPts val="1200"/>
+              </a:spcBef>
+            </a:pPr>
+            <a:r>
+              <a:rPr lang="en-US" sz="2800" dirty="0" smtClean="0">
                 <a:latin typeface="Comic Sans MS" pitchFamily="66" charset="0"/>
               </a:rPr>
-              <a:t>Jamie Anderson</a:t>
+              <a:t>Jamie </a:t>
+            </a:r>
+            <a:r>
+              <a:rPr lang="en-US" sz="2800" dirty="0" smtClean="0">
+                <a:latin typeface="Comic Sans MS" pitchFamily="66" charset="0"/>
+              </a:rPr>
+              <a:t>Anderson</a:t>
             </a:r>
           </a:p>
           <a:p>
@@ -11926,36 +14561,24 @@
               </a:spcBef>
             </a:pPr>
             <a:r>
-              <a:rPr lang="en-US" sz="3200" dirty="0" smtClean="0">
-                <a:solidFill>
-                  <a:srgbClr val="FFFF00"/>
-                </a:solidFill>
+              <a:rPr lang="en-US" sz="2800" dirty="0" smtClean="0">
                 <a:latin typeface="Comic Sans MS" pitchFamily="66" charset="0"/>
               </a:rPr>
               <a:t>jamiea@water.ca.gov</a:t>
             </a:r>
             <a:r>
-              <a:rPr lang="en-US" sz="3200" dirty="0">
-                <a:solidFill>
-                  <a:srgbClr val="FFFF00"/>
-                </a:solidFill>
+              <a:rPr lang="en-US" sz="2800" dirty="0">
                 <a:latin typeface="Comic Sans MS" pitchFamily="66" charset="0"/>
               </a:rPr>
               <a:t/>
             </a:r>
             <a:br>
-              <a:rPr lang="en-US" sz="3200" dirty="0">
-                <a:solidFill>
-                  <a:srgbClr val="FFFF00"/>
-                </a:solidFill>
+              <a:rPr lang="en-US" sz="2800" dirty="0">
                 <a:latin typeface="Comic Sans MS" pitchFamily="66" charset="0"/>
               </a:rPr>
             </a:br>
             <a:r>
-              <a:rPr lang="en-US" sz="3200" dirty="0" smtClean="0">
-                <a:solidFill>
-                  <a:srgbClr val="FFFF00"/>
-                </a:solidFill>
+              <a:rPr lang="en-US" sz="2800" dirty="0" smtClean="0">
                 <a:latin typeface="Comic Sans MS" pitchFamily="66" charset="0"/>
               </a:rPr>
               <a:t>916-654-5455</a:t>
@@ -11967,10 +14590,7 @@
                 <a:spcPts val="0"/>
               </a:spcBef>
             </a:pPr>
-            <a:endParaRPr lang="en-US" sz="3200" dirty="0" smtClean="0">
-              <a:solidFill>
-                <a:srgbClr val="FFFF00"/>
-              </a:solidFill>
+            <a:endParaRPr lang="en-US" sz="1600" dirty="0" smtClean="0">
               <a:latin typeface="Comic Sans MS" pitchFamily="66" charset="0"/>
             </a:endParaRPr>
           </a:p>
@@ -11981,27 +14601,18 @@
               </a:spcBef>
             </a:pPr>
             <a:r>
-              <a:rPr lang="en-US" sz="3200" dirty="0" smtClean="0">
-                <a:solidFill>
-                  <a:srgbClr val="FFFF00"/>
-                </a:solidFill>
+              <a:rPr lang="en-US" sz="2800" dirty="0" smtClean="0">
                 <a:latin typeface="Comic Sans MS" pitchFamily="66" charset="0"/>
               </a:rPr>
               <a:t>Fabian </a:t>
             </a:r>
             <a:r>
-              <a:rPr lang="en-US" sz="3200" dirty="0" err="1" smtClean="0">
-                <a:solidFill>
-                  <a:srgbClr val="FFFF00"/>
-                </a:solidFill>
+              <a:rPr lang="en-US" sz="2800" dirty="0" err="1" smtClean="0">
                 <a:latin typeface="Comic Sans MS" pitchFamily="66" charset="0"/>
               </a:rPr>
               <a:t>Bombardelli</a:t>
             </a:r>
-            <a:endParaRPr lang="en-US" sz="3200" dirty="0" smtClean="0">
-              <a:solidFill>
-                <a:srgbClr val="FFFF00"/>
-              </a:solidFill>
+            <a:endParaRPr lang="en-US" sz="2800" dirty="0" smtClean="0">
               <a:latin typeface="Comic Sans MS" pitchFamily="66" charset="0"/>
             </a:endParaRPr>
           </a:p>
@@ -12012,10 +14623,7 @@
               </a:spcBef>
             </a:pPr>
             <a:r>
-              <a:rPr lang="en-US" sz="3200" dirty="0" smtClean="0">
-                <a:solidFill>
-                  <a:srgbClr val="FFFF00"/>
-                </a:solidFill>
+              <a:rPr lang="en-US" sz="2800" dirty="0" smtClean="0">
                 <a:latin typeface="Comic Sans MS" pitchFamily="66" charset="0"/>
               </a:rPr>
               <a:t>fabianbombardelli2@gmail.com</a:t>
@@ -12028,25 +14636,37 @@
               </a:spcBef>
             </a:pPr>
             <a:r>
+              <a:rPr lang="en-US" sz="2800" dirty="0" smtClean="0">
+                <a:latin typeface="Comic Sans MS" pitchFamily="66" charset="0"/>
+              </a:rPr>
+              <a:t>530-752-0949</a:t>
+            </a:r>
+            <a:r>
               <a:rPr lang="en-US" sz="3200" dirty="0" smtClean="0">
                 <a:solidFill>
-                  <a:srgbClr val="FFFF00"/>
+                  <a:schemeClr val="bg1">
+                    <a:lumMod val="95000"/>
+                  </a:schemeClr>
                 </a:solidFill>
                 <a:latin typeface="Comic Sans MS" pitchFamily="66" charset="0"/>
               </a:rPr>
-              <a:t>530-752-0949</a:t>
+              <a:t/>
             </a:r>
             <a:br>
               <a:rPr lang="en-US" sz="3200" dirty="0" smtClean="0">
                 <a:solidFill>
-                  <a:srgbClr val="FFFF00"/>
+                  <a:schemeClr val="bg1">
+                    <a:lumMod val="95000"/>
+                  </a:schemeClr>
                 </a:solidFill>
                 <a:latin typeface="Comic Sans MS" pitchFamily="66" charset="0"/>
               </a:rPr>
             </a:br>
             <a:endParaRPr lang="en-US" sz="3200" dirty="0" smtClean="0">
               <a:solidFill>
-                <a:srgbClr val="FFFF00"/>
+                <a:schemeClr val="bg1">
+                  <a:lumMod val="95000"/>
+                </a:schemeClr>
               </a:solidFill>
               <a:latin typeface="Comic Sans MS" pitchFamily="66" charset="0"/>
             </a:endParaRPr>
@@ -12063,6 +14683,30 @@
               </a:solidFill>
               <a:latin typeface="Comic Sans MS" pitchFamily="66" charset="0"/>
             </a:endParaRPr>
+          </a:p>
+        </p:txBody>
+      </p:sp>
+      <p:sp>
+        <p:nvSpPr>
+          <p:cNvPr id="5" name="Slide Number Placeholder 3"/>
+          <p:cNvSpPr>
+            <a:spLocks noGrp="1"/>
+          </p:cNvSpPr>
+          <p:nvPr>
+            <p:ph type="sldNum" sz="quarter" idx="12"/>
+          </p:nvPr>
+        </p:nvSpPr>
+        <p:spPr/>
+        <p:txBody>
+          <a:bodyPr/>
+          <a:lstStyle/>
+          <a:p>
+            <a:fld id="{807393F3-8FE3-4CC9-8103-779ADCB94706}" type="slidenum">
+              <a:rPr lang="en-US"/>
+              <a:pPr/>
+              <a:t>27</a:t>
+            </a:fld>
+            <a:endParaRPr lang="en-US"/>
           </a:p>
         </p:txBody>
       </p:sp>
@@ -12128,7 +14772,7 @@
 </p:sld>
 </file>
 
-<file path=ppt/slides/slide26.xml><?xml version="1.0" encoding="utf-8"?>
+<file path=ppt/slides/slide28.xml><?xml version="1.0" encoding="utf-8"?>
 <p:sld xmlns:a="http://schemas.openxmlformats.org/drawingml/2006/main" xmlns:r="http://schemas.openxmlformats.org/officeDocument/2006/relationships" xmlns:p="http://schemas.openxmlformats.org/presentationml/2006/main">
   <p:cSld>
     <p:bg>
@@ -12181,7 +14825,7 @@
             <a:fld id="{A2AE90C0-EAFD-4980-BF8E-99A4F05ADFD7}" type="slidenum">
               <a:rPr lang="en-US"/>
               <a:pPr/>
-              <a:t>26</a:t>
+              <a:t>28</a:t>
             </a:fld>
             <a:endParaRPr lang="en-US"/>
           </a:p>
@@ -12249,7 +14893,610 @@
 </p:sld>
 </file>
 
-<file path=ppt/slides/slide27.xml><?xml version="1.0" encoding="utf-8"?>
+<file path=ppt/slides/slide29.xml><?xml version="1.0" encoding="utf-8"?>
+<p:sld xmlns:a="http://schemas.openxmlformats.org/drawingml/2006/main" xmlns:r="http://schemas.openxmlformats.org/officeDocument/2006/relationships" xmlns:p="http://schemas.openxmlformats.org/presentationml/2006/main">
+  <p:cSld>
+    <p:spTree>
+      <p:nvGrpSpPr>
+        <p:cNvPr id="1" name=""/>
+        <p:cNvGrpSpPr/>
+        <p:nvPr/>
+      </p:nvGrpSpPr>
+      <p:grpSpPr>
+        <a:xfrm>
+          <a:off x="0" y="0"/>
+          <a:ext cx="0" cy="0"/>
+          <a:chOff x="0" y="0"/>
+          <a:chExt cx="0" cy="0"/>
+        </a:xfrm>
+      </p:grpSpPr>
+      <p:sp>
+        <p:nvSpPr>
+          <p:cNvPr id="7" name="Title 6"/>
+          <p:cNvSpPr>
+            <a:spLocks noGrp="1"/>
+          </p:cNvSpPr>
+          <p:nvPr>
+            <p:ph type="title"/>
+          </p:nvPr>
+        </p:nvSpPr>
+        <p:spPr>
+          <a:xfrm>
+            <a:off x="457200" y="990600"/>
+            <a:ext cx="3581400" cy="808038"/>
+          </a:xfrm>
+        </p:spPr>
+        <p:txBody>
+          <a:bodyPr/>
+          <a:lstStyle/>
+          <a:p>
+            <a:pPr algn="l"/>
+            <a:r>
+              <a:rPr lang="en-US" dirty="0" smtClean="0"/>
+              <a:t>Delta Grid shaded by Manning’s n</a:t>
+            </a:r>
+            <a:endParaRPr lang="en-US" dirty="0"/>
+          </a:p>
+        </p:txBody>
+      </p:sp>
+      <p:sp>
+        <p:nvSpPr>
+          <p:cNvPr id="2" name="Slide Number Placeholder 1"/>
+          <p:cNvSpPr>
+            <a:spLocks noGrp="1"/>
+          </p:cNvSpPr>
+          <p:nvPr>
+            <p:ph type="sldNum" sz="quarter" idx="12"/>
+          </p:nvPr>
+        </p:nvSpPr>
+        <p:spPr/>
+        <p:txBody>
+          <a:bodyPr/>
+          <a:lstStyle/>
+          <a:p>
+            <a:fld id="{FB1F91E9-D97F-4189-8796-BD40BB12C55D}" type="slidenum">
+              <a:rPr lang="en-US" smtClean="0"/>
+              <a:pPr/>
+              <a:t>29</a:t>
+            </a:fld>
+            <a:endParaRPr lang="en-US"/>
+          </a:p>
+        </p:txBody>
+      </p:sp>
+      <p:sp>
+        <p:nvSpPr>
+          <p:cNvPr id="1026" name="AutoShape 2" descr="https://ssl.water.ca.gov/exchange/jamie.anderson/Inbox/RE:%20Screen%20capture%20of%20map%20of%20Manning%27s%20n%20for%20DSM2%20grid.EML/1_multipart/1_multipart/,DanaInfo=SACEX2.ad.water.ca.gov+image001.png?Security=3"/>
+          <p:cNvSpPr>
+            <a:spLocks noChangeAspect="1" noChangeArrowheads="1"/>
+          </p:cNvSpPr>
+          <p:nvPr/>
+        </p:nvSpPr>
+        <p:spPr bwMode="auto">
+          <a:xfrm>
+            <a:off x="155575" y="-4389438"/>
+            <a:ext cx="12192000" cy="9144001"/>
+          </a:xfrm>
+          <a:prstGeom prst="rect">
+            <a:avLst/>
+          </a:prstGeom>
+          <a:noFill/>
+        </p:spPr>
+        <p:txBody>
+          <a:bodyPr vert="horz" wrap="square" lIns="91440" tIns="45720" rIns="91440" bIns="45720" numCol="1" anchor="t" anchorCtr="0" compatLnSpc="1">
+            <a:prstTxWarp prst="textNoShape">
+              <a:avLst/>
+            </a:prstTxWarp>
+          </a:bodyPr>
+          <a:lstStyle/>
+          <a:p>
+            <a:endParaRPr lang="en-US"/>
+          </a:p>
+        </p:txBody>
+      </p:sp>
+      <p:sp>
+        <p:nvSpPr>
+          <p:cNvPr id="1028" name="AutoShape 4" descr="https://ssl.water.ca.gov/exchange/jamie.anderson/Inbox/RE:%20Screen%20capture%20of%20map%20of%20Manning%27s%20n%20for%20DSM2%20grid.EML/1_multipart/1_multipart/,DanaInfo=SACEX2.ad.water.ca.gov+image001.png?Security=3"/>
+          <p:cNvSpPr>
+            <a:spLocks noChangeAspect="1" noChangeArrowheads="1"/>
+          </p:cNvSpPr>
+          <p:nvPr/>
+        </p:nvSpPr>
+        <p:spPr bwMode="auto">
+          <a:xfrm>
+            <a:off x="155575" y="-4389438"/>
+            <a:ext cx="12192000" cy="9144001"/>
+          </a:xfrm>
+          <a:prstGeom prst="rect">
+            <a:avLst/>
+          </a:prstGeom>
+          <a:noFill/>
+        </p:spPr>
+        <p:txBody>
+          <a:bodyPr vert="horz" wrap="square" lIns="91440" tIns="45720" rIns="91440" bIns="45720" numCol="1" anchor="t" anchorCtr="0" compatLnSpc="1">
+            <a:prstTxWarp prst="textNoShape">
+              <a:avLst/>
+            </a:prstTxWarp>
+          </a:bodyPr>
+          <a:lstStyle/>
+          <a:p>
+            <a:endParaRPr lang="en-US"/>
+          </a:p>
+        </p:txBody>
+      </p:sp>
+      <p:pic>
+        <p:nvPicPr>
+          <p:cNvPr id="6" name="Picture 5" descr="Delta standard grid Manning's n.png"/>
+          <p:cNvPicPr>
+            <a:picLocks noChangeAspect="1"/>
+          </p:cNvPicPr>
+          <p:nvPr/>
+        </p:nvPicPr>
+        <p:blipFill>
+          <a:blip r:embed="rId2" cstate="print"/>
+          <a:stretch>
+            <a:fillRect/>
+          </a:stretch>
+        </p:blipFill>
+        <p:spPr>
+          <a:xfrm>
+            <a:off x="3232892" y="0"/>
+            <a:ext cx="6025858" cy="6858000"/>
+          </a:xfrm>
+          <a:prstGeom prst="rect">
+            <a:avLst/>
+          </a:prstGeom>
+        </p:spPr>
+      </p:pic>
+      <p:sp>
+        <p:nvSpPr>
+          <p:cNvPr id="8" name="TextBox 7"/>
+          <p:cNvSpPr txBox="1"/>
+          <p:nvPr/>
+        </p:nvSpPr>
+        <p:spPr>
+          <a:xfrm>
+            <a:off x="457200" y="2819400"/>
+            <a:ext cx="2404826" cy="1015663"/>
+          </a:xfrm>
+          <a:prstGeom prst="rect">
+            <a:avLst/>
+          </a:prstGeom>
+          <a:noFill/>
+        </p:spPr>
+        <p:txBody>
+          <a:bodyPr wrap="none" rtlCol="0">
+            <a:spAutoFit/>
+          </a:bodyPr>
+          <a:lstStyle/>
+          <a:p>
+            <a:r>
+              <a:rPr lang="en-US" sz="2000" dirty="0" smtClean="0">
+                <a:solidFill>
+                  <a:schemeClr val="bg1"/>
+                </a:solidFill>
+              </a:rPr>
+              <a:t>Value range </a:t>
+            </a:r>
+          </a:p>
+          <a:p>
+            <a:r>
+              <a:rPr lang="en-US" sz="2000" dirty="0" smtClean="0">
+                <a:solidFill>
+                  <a:schemeClr val="bg1"/>
+                </a:solidFill>
+              </a:rPr>
+              <a:t>0.018 (dark blue) to</a:t>
+            </a:r>
+          </a:p>
+          <a:p>
+            <a:r>
+              <a:rPr lang="en-US" sz="2000" dirty="0" smtClean="0">
+                <a:solidFill>
+                  <a:schemeClr val="bg1"/>
+                </a:solidFill>
+              </a:rPr>
+              <a:t>0.045 (pink)</a:t>
+            </a:r>
+            <a:endParaRPr lang="en-US" sz="2000" dirty="0">
+              <a:solidFill>
+                <a:schemeClr val="bg1"/>
+              </a:solidFill>
+            </a:endParaRPr>
+          </a:p>
+        </p:txBody>
+      </p:sp>
+      <p:sp>
+        <p:nvSpPr>
+          <p:cNvPr id="9" name="TextBox 8"/>
+          <p:cNvSpPr txBox="1"/>
+          <p:nvPr/>
+        </p:nvSpPr>
+        <p:spPr>
+          <a:xfrm>
+            <a:off x="4876800" y="6550223"/>
+            <a:ext cx="2324675" cy="307777"/>
+          </a:xfrm>
+          <a:prstGeom prst="rect">
+            <a:avLst/>
+          </a:prstGeom>
+          <a:noFill/>
+        </p:spPr>
+        <p:txBody>
+          <a:bodyPr wrap="none" rtlCol="0">
+            <a:spAutoFit/>
+          </a:bodyPr>
+          <a:lstStyle/>
+          <a:p>
+            <a:r>
+              <a:rPr lang="en-US" sz="1400" dirty="0" smtClean="0"/>
+              <a:t>DSM2 Mini-calibration Grid</a:t>
+            </a:r>
+            <a:endParaRPr lang="en-US" sz="1400" dirty="0"/>
+          </a:p>
+        </p:txBody>
+      </p:sp>
+    </p:spTree>
+  </p:cSld>
+  <p:clrMapOvr>
+    <a:masterClrMapping/>
+  </p:clrMapOvr>
+  <p:timing>
+    <p:tnLst>
+      <p:par>
+        <p:cTn id="1" dur="indefinite" restart="never" nodeType="tmRoot"/>
+      </p:par>
+    </p:tnLst>
+  </p:timing>
+</p:sld>
+</file>
+
+<file path=ppt/slides/slide3.xml><?xml version="1.0" encoding="utf-8"?>
+<p:sld xmlns:a="http://schemas.openxmlformats.org/drawingml/2006/main" xmlns:r="http://schemas.openxmlformats.org/officeDocument/2006/relationships" xmlns:p="http://schemas.openxmlformats.org/presentationml/2006/main">
+  <p:cSld>
+    <p:spTree>
+      <p:nvGrpSpPr>
+        <p:cNvPr id="1" name=""/>
+        <p:cNvGrpSpPr/>
+        <p:nvPr/>
+      </p:nvGrpSpPr>
+      <p:grpSpPr>
+        <a:xfrm>
+          <a:off x="0" y="0"/>
+          <a:ext cx="0" cy="0"/>
+          <a:chOff x="0" y="0"/>
+          <a:chExt cx="0" cy="0"/>
+        </a:xfrm>
+      </p:grpSpPr>
+      <p:sp>
+        <p:nvSpPr>
+          <p:cNvPr id="5" name="Slide Number Placeholder 5"/>
+          <p:cNvSpPr>
+            <a:spLocks noGrp="1"/>
+          </p:cNvSpPr>
+          <p:nvPr>
+            <p:ph type="sldNum" sz="quarter" idx="12"/>
+          </p:nvPr>
+        </p:nvSpPr>
+        <p:spPr/>
+        <p:txBody>
+          <a:bodyPr/>
+          <a:lstStyle/>
+          <a:p>
+            <a:fld id="{2E5D2F32-69AD-4DFB-9200-8F293442A062}" type="slidenum">
+              <a:rPr lang="en-US"/>
+              <a:pPr/>
+              <a:t>3</a:t>
+            </a:fld>
+            <a:endParaRPr lang="en-US"/>
+          </a:p>
+        </p:txBody>
+      </p:sp>
+      <p:sp>
+        <p:nvSpPr>
+          <p:cNvPr id="964610" name="Rectangle 2"/>
+          <p:cNvSpPr>
+            <a:spLocks noGrp="1" noChangeArrowheads="1"/>
+          </p:cNvSpPr>
+          <p:nvPr>
+            <p:ph type="title"/>
+          </p:nvPr>
+        </p:nvSpPr>
+        <p:spPr/>
+        <p:txBody>
+          <a:bodyPr/>
+          <a:lstStyle/>
+          <a:p>
+            <a:r>
+              <a:rPr lang="en-US" dirty="0"/>
+              <a:t>Agenda</a:t>
+            </a:r>
+          </a:p>
+        </p:txBody>
+      </p:sp>
+      <p:sp>
+        <p:nvSpPr>
+          <p:cNvPr id="964611" name="Rectangle 3"/>
+          <p:cNvSpPr>
+            <a:spLocks noGrp="1" noChangeArrowheads="1"/>
+          </p:cNvSpPr>
+          <p:nvPr>
+            <p:ph type="body" idx="1"/>
+          </p:nvPr>
+        </p:nvSpPr>
+        <p:spPr>
+          <a:xfrm>
+            <a:off x="1828800" y="1219200"/>
+            <a:ext cx="5334000" cy="4648200"/>
+          </a:xfrm>
+        </p:spPr>
+        <p:txBody>
+          <a:bodyPr/>
+          <a:lstStyle/>
+          <a:p>
+            <a:pPr>
+              <a:lnSpc>
+                <a:spcPct val="80000"/>
+              </a:lnSpc>
+              <a:spcBef>
+                <a:spcPct val="50000"/>
+              </a:spcBef>
+            </a:pPr>
+            <a:r>
+              <a:rPr lang="en-US" sz="2800" dirty="0" smtClean="0">
+                <a:solidFill>
+                  <a:srgbClr val="66FFCC"/>
+                </a:solidFill>
+              </a:rPr>
+              <a:t>Welcome and Introductions</a:t>
+            </a:r>
+          </a:p>
+          <a:p>
+            <a:pPr>
+              <a:lnSpc>
+                <a:spcPct val="80000"/>
+              </a:lnSpc>
+              <a:spcBef>
+                <a:spcPct val="50000"/>
+              </a:spcBef>
+            </a:pPr>
+            <a:r>
+              <a:rPr lang="en-US" sz="2800" dirty="0" smtClean="0">
+                <a:solidFill>
+                  <a:srgbClr val="66FFCC"/>
+                </a:solidFill>
+              </a:rPr>
+              <a:t>Questionnaire</a:t>
+            </a:r>
+            <a:endParaRPr lang="en-US" sz="2800" dirty="0">
+              <a:solidFill>
+                <a:srgbClr val="66FFCC"/>
+              </a:solidFill>
+            </a:endParaRPr>
+          </a:p>
+          <a:p>
+            <a:pPr>
+              <a:lnSpc>
+                <a:spcPct val="80000"/>
+              </a:lnSpc>
+              <a:spcBef>
+                <a:spcPct val="50000"/>
+              </a:spcBef>
+            </a:pPr>
+            <a:r>
+              <a:rPr lang="en-US" sz="2800" dirty="0" smtClean="0">
+                <a:solidFill>
+                  <a:srgbClr val="66FFCC"/>
+                </a:solidFill>
+              </a:rPr>
+              <a:t>Project Overview</a:t>
+            </a:r>
+            <a:r>
+              <a:rPr lang="en-US" sz="2800" dirty="0"/>
+              <a:t/>
+            </a:r>
+            <a:br>
+              <a:rPr lang="en-US" sz="2800" dirty="0"/>
+            </a:br>
+            <a:r>
+              <a:rPr lang="en-US" sz="2400" dirty="0"/>
+              <a:t>Jamie </a:t>
+            </a:r>
+            <a:r>
+              <a:rPr lang="en-US" sz="2400" dirty="0" smtClean="0"/>
+              <a:t>Anderson, DWR</a:t>
+            </a:r>
+            <a:endParaRPr lang="en-US" sz="2400" dirty="0"/>
+          </a:p>
+          <a:p>
+            <a:pPr>
+              <a:lnSpc>
+                <a:spcPct val="80000"/>
+              </a:lnSpc>
+              <a:spcBef>
+                <a:spcPct val="50000"/>
+              </a:spcBef>
+            </a:pPr>
+            <a:r>
+              <a:rPr lang="en-US" sz="2800" dirty="0" smtClean="0">
+                <a:solidFill>
+                  <a:srgbClr val="66FFCC"/>
+                </a:solidFill>
+              </a:rPr>
+              <a:t>Project Progress</a:t>
+            </a:r>
+            <a:r>
+              <a:rPr lang="en-US" sz="2800" dirty="0"/>
+              <a:t/>
+            </a:r>
+            <a:br>
+              <a:rPr lang="en-US" sz="2800" dirty="0"/>
+            </a:br>
+            <a:r>
+              <a:rPr lang="en-US" sz="2400" dirty="0"/>
+              <a:t>Jamie </a:t>
+            </a:r>
+            <a:r>
+              <a:rPr lang="en-US" sz="2400" dirty="0" smtClean="0"/>
+              <a:t>Anderson, DWR </a:t>
+            </a:r>
+            <a:r>
+              <a:rPr lang="en-US" sz="2400" dirty="0"/>
+              <a:t>and </a:t>
+            </a:r>
+            <a:r>
+              <a:rPr lang="en-US" sz="2400" dirty="0" smtClean="0"/>
+              <a:t/>
+            </a:r>
+            <a:br>
+              <a:rPr lang="en-US" sz="2400" dirty="0" smtClean="0"/>
+            </a:br>
+            <a:r>
+              <a:rPr lang="en-US" sz="2400" dirty="0" smtClean="0"/>
+              <a:t>Fabian </a:t>
+            </a:r>
+            <a:r>
+              <a:rPr lang="en-US" sz="2400" dirty="0"/>
+              <a:t>Bombardelli, UCD</a:t>
+            </a:r>
+          </a:p>
+          <a:p>
+            <a:pPr>
+              <a:lnSpc>
+                <a:spcPct val="80000"/>
+              </a:lnSpc>
+              <a:spcBef>
+                <a:spcPct val="50000"/>
+              </a:spcBef>
+            </a:pPr>
+            <a:r>
+              <a:rPr lang="en-US" sz="2800" dirty="0" smtClean="0">
+                <a:solidFill>
+                  <a:srgbClr val="66FFCC"/>
+                </a:solidFill>
+              </a:rPr>
+              <a:t>Issues for TAC Input </a:t>
+            </a:r>
+            <a:br>
+              <a:rPr lang="en-US" sz="2800" dirty="0" smtClean="0">
+                <a:solidFill>
+                  <a:srgbClr val="66FFCC"/>
+                </a:solidFill>
+              </a:rPr>
+            </a:br>
+            <a:r>
+              <a:rPr lang="en-US" sz="2400" dirty="0" smtClean="0"/>
+              <a:t>Fabian </a:t>
+            </a:r>
+            <a:r>
+              <a:rPr lang="en-US" sz="2400" dirty="0" err="1" smtClean="0"/>
+              <a:t>Bombardelli</a:t>
+            </a:r>
+            <a:r>
+              <a:rPr lang="en-US" sz="2400" dirty="0" smtClean="0"/>
+              <a:t>, UCD</a:t>
+            </a:r>
+            <a:endParaRPr lang="en-US" sz="2400" dirty="0"/>
+          </a:p>
+          <a:p>
+            <a:pPr>
+              <a:lnSpc>
+                <a:spcPct val="80000"/>
+              </a:lnSpc>
+              <a:spcBef>
+                <a:spcPct val="50000"/>
+              </a:spcBef>
+            </a:pPr>
+            <a:r>
+              <a:rPr lang="en-US" sz="2800" dirty="0">
+                <a:solidFill>
+                  <a:srgbClr val="66FFCC"/>
+                </a:solidFill>
+              </a:rPr>
+              <a:t>Discussion and wrap up</a:t>
+            </a:r>
+          </a:p>
+        </p:txBody>
+      </p:sp>
+      <p:sp>
+        <p:nvSpPr>
+          <p:cNvPr id="964612" name="Text Box 4"/>
+          <p:cNvSpPr txBox="1">
+            <a:spLocks noChangeArrowheads="1"/>
+          </p:cNvSpPr>
+          <p:nvPr/>
+        </p:nvSpPr>
+        <p:spPr bwMode="auto">
+          <a:xfrm>
+            <a:off x="184906" y="5715000"/>
+            <a:ext cx="9035294" cy="1015663"/>
+          </a:xfrm>
+          <a:prstGeom prst="rect">
+            <a:avLst/>
+          </a:prstGeom>
+          <a:noFill/>
+          <a:ln w="9525">
+            <a:noFill/>
+            <a:miter lim="800000"/>
+            <a:headEnd/>
+            <a:tailEnd/>
+          </a:ln>
+          <a:effectLst/>
+        </p:spPr>
+        <p:txBody>
+          <a:bodyPr wrap="none">
+            <a:spAutoFit/>
+          </a:bodyPr>
+          <a:lstStyle/>
+          <a:p>
+            <a:r>
+              <a:rPr lang="en-US" sz="2000" dirty="0" smtClean="0">
+                <a:solidFill>
+                  <a:schemeClr val="bg1"/>
+                </a:solidFill>
+              </a:rPr>
+              <a:t>Web site for materials:</a:t>
+            </a:r>
+          </a:p>
+          <a:p>
+            <a:r>
+              <a:rPr lang="en-US" sz="2000" u="sng" dirty="0" smtClean="0">
+                <a:hlinkClick r:id="rId2"/>
+              </a:rPr>
+              <a:t>http://</a:t>
+            </a:r>
+            <a:r>
+              <a:rPr lang="en-US" sz="2000" u="sng" dirty="0" smtClean="0">
+                <a:hlinkClick r:id="rId2"/>
+              </a:rPr>
+              <a:t>baydeltaoffice.water.ca.gov/modeling/deltamodeling/models/stm/stm.cfm</a:t>
+            </a:r>
+            <a:endParaRPr lang="en-US" sz="2000" dirty="0" smtClean="0"/>
+          </a:p>
+          <a:p>
+            <a:endParaRPr lang="en-US" sz="2000" dirty="0">
+              <a:solidFill>
+                <a:srgbClr val="66FFCC"/>
+              </a:solidFill>
+            </a:endParaRPr>
+          </a:p>
+        </p:txBody>
+      </p:sp>
+    </p:spTree>
+  </p:cSld>
+  <p:clrMapOvr>
+    <a:masterClrMapping/>
+  </p:clrMapOvr>
+  <p:timing>
+    <p:tnLst>
+      <p:par>
+        <p:cTn id="1" dur="indefinite" restart="never" nodeType="tmRoot"/>
+      </p:par>
+    </p:tnLst>
+  </p:timing>
+</p:sld>
+</file>
+
+<file path=ppt/slides/slide30.xml><?xml version="1.0" encoding="utf-8"?>
 <p:sld xmlns:a="http://schemas.openxmlformats.org/drawingml/2006/main" xmlns:r="http://schemas.openxmlformats.org/officeDocument/2006/relationships" xmlns:p="http://schemas.openxmlformats.org/presentationml/2006/main">
   <p:cSld>
     <p:spTree>
@@ -12284,7 +15531,7 @@
             <a:fld id="{5006388F-498C-4164-8AB6-C2765E6F9C89}" type="slidenum">
               <a:rPr lang="en-US"/>
               <a:pPr/>
-              <a:t>27</a:t>
+              <a:t>30</a:t>
             </a:fld>
             <a:endParaRPr lang="en-US"/>
           </a:p>
@@ -12714,7 +15961,7 @@
 </p:sld>
 </file>
 
-<file path=ppt/slides/slide28.xml><?xml version="1.0" encoding="utf-8"?>
+<file path=ppt/slides/slide31.xml><?xml version="1.0" encoding="utf-8"?>
 <p:sld xmlns:a="http://schemas.openxmlformats.org/drawingml/2006/main" xmlns:r="http://schemas.openxmlformats.org/officeDocument/2006/relationships" xmlns:p="http://schemas.openxmlformats.org/presentationml/2006/main">
   <p:cSld>
     <p:spTree>
@@ -12749,7 +15996,7 @@
             <a:fld id="{A074F51A-5253-477E-8B41-6C60FF9FEA2B}" type="slidenum">
               <a:rPr lang="en-US"/>
               <a:pPr/>
-              <a:t>28</a:t>
+              <a:t>31</a:t>
             </a:fld>
             <a:endParaRPr lang="en-US"/>
           </a:p>
@@ -15796,7 +19043,7 @@
 </p:sld>
 </file>
 
-<file path=ppt/slides/slide29.xml><?xml version="1.0" encoding="utf-8"?>
+<file path=ppt/slides/slide32.xml><?xml version="1.0" encoding="utf-8"?>
 <p:sld xmlns:a="http://schemas.openxmlformats.org/drawingml/2006/main" xmlns:r="http://schemas.openxmlformats.org/officeDocument/2006/relationships" xmlns:p="http://schemas.openxmlformats.org/presentationml/2006/main">
   <p:cSld>
     <p:spTree>
@@ -15831,7 +19078,7 @@
             <a:fld id="{59A7EEB3-5C0B-49E9-8658-DAA93775CB6D}" type="slidenum">
               <a:rPr lang="en-US"/>
               <a:pPr/>
-              <a:t>29</a:t>
+              <a:t>32</a:t>
             </a:fld>
             <a:endParaRPr lang="en-US"/>
           </a:p>
@@ -18644,339 +21891,7 @@
 </p:sld>
 </file>
 
-<file path=ppt/slides/slide3.xml><?xml version="1.0" encoding="utf-8"?>
-<p:sld xmlns:a="http://schemas.openxmlformats.org/drawingml/2006/main" xmlns:r="http://schemas.openxmlformats.org/officeDocument/2006/relationships" xmlns:p="http://schemas.openxmlformats.org/presentationml/2006/main">
-  <p:cSld>
-    <p:spTree>
-      <p:nvGrpSpPr>
-        <p:cNvPr id="1" name=""/>
-        <p:cNvGrpSpPr/>
-        <p:nvPr/>
-      </p:nvGrpSpPr>
-      <p:grpSpPr>
-        <a:xfrm>
-          <a:off x="0" y="0"/>
-          <a:ext cx="0" cy="0"/>
-          <a:chOff x="0" y="0"/>
-          <a:chExt cx="0" cy="0"/>
-        </a:xfrm>
-      </p:grpSpPr>
-      <p:sp>
-        <p:nvSpPr>
-          <p:cNvPr id="5" name="Slide Number Placeholder 5"/>
-          <p:cNvSpPr>
-            <a:spLocks noGrp="1"/>
-          </p:cNvSpPr>
-          <p:nvPr>
-            <p:ph type="sldNum" sz="quarter" idx="12"/>
-          </p:nvPr>
-        </p:nvSpPr>
-        <p:spPr/>
-        <p:txBody>
-          <a:bodyPr/>
-          <a:lstStyle/>
-          <a:p>
-            <a:fld id="{2E5D2F32-69AD-4DFB-9200-8F293442A062}" type="slidenum">
-              <a:rPr lang="en-US"/>
-              <a:pPr/>
-              <a:t>3</a:t>
-            </a:fld>
-            <a:endParaRPr lang="en-US"/>
-          </a:p>
-        </p:txBody>
-      </p:sp>
-      <p:sp>
-        <p:nvSpPr>
-          <p:cNvPr id="964610" name="Rectangle 2"/>
-          <p:cNvSpPr>
-            <a:spLocks noGrp="1" noChangeArrowheads="1"/>
-          </p:cNvSpPr>
-          <p:nvPr>
-            <p:ph type="title"/>
-          </p:nvPr>
-        </p:nvSpPr>
-        <p:spPr/>
-        <p:txBody>
-          <a:bodyPr/>
-          <a:lstStyle/>
-          <a:p>
-            <a:r>
-              <a:rPr lang="en-US" dirty="0"/>
-              <a:t>Agenda</a:t>
-            </a:r>
-          </a:p>
-        </p:txBody>
-      </p:sp>
-      <p:sp>
-        <p:nvSpPr>
-          <p:cNvPr id="964611" name="Rectangle 3"/>
-          <p:cNvSpPr>
-            <a:spLocks noGrp="1" noChangeArrowheads="1"/>
-          </p:cNvSpPr>
-          <p:nvPr>
-            <p:ph type="body" idx="1"/>
-          </p:nvPr>
-        </p:nvSpPr>
-        <p:spPr>
-          <a:xfrm>
-            <a:off x="1828800" y="1219200"/>
-            <a:ext cx="5334000" cy="4648200"/>
-          </a:xfrm>
-        </p:spPr>
-        <p:txBody>
-          <a:bodyPr/>
-          <a:lstStyle/>
-          <a:p>
-            <a:pPr>
-              <a:lnSpc>
-                <a:spcPct val="80000"/>
-              </a:lnSpc>
-              <a:spcBef>
-                <a:spcPct val="50000"/>
-              </a:spcBef>
-            </a:pPr>
-            <a:r>
-              <a:rPr lang="en-US" sz="2800" dirty="0" smtClean="0">
-                <a:solidFill>
-                  <a:srgbClr val="66FFCC"/>
-                </a:solidFill>
-              </a:rPr>
-              <a:t>Welcome and Introductions</a:t>
-            </a:r>
-          </a:p>
-          <a:p>
-            <a:pPr>
-              <a:lnSpc>
-                <a:spcPct val="80000"/>
-              </a:lnSpc>
-              <a:spcBef>
-                <a:spcPct val="50000"/>
-              </a:spcBef>
-            </a:pPr>
-            <a:r>
-              <a:rPr lang="en-US" sz="2800" dirty="0" smtClean="0">
-                <a:solidFill>
-                  <a:srgbClr val="66FFCC"/>
-                </a:solidFill>
-              </a:rPr>
-              <a:t>Questionnaire</a:t>
-            </a:r>
-            <a:endParaRPr lang="en-US" sz="2800" dirty="0">
-              <a:solidFill>
-                <a:srgbClr val="66FFCC"/>
-              </a:solidFill>
-            </a:endParaRPr>
-          </a:p>
-          <a:p>
-            <a:pPr>
-              <a:lnSpc>
-                <a:spcPct val="80000"/>
-              </a:lnSpc>
-              <a:spcBef>
-                <a:spcPct val="50000"/>
-              </a:spcBef>
-            </a:pPr>
-            <a:r>
-              <a:rPr lang="en-US" sz="2800" dirty="0" smtClean="0">
-                <a:solidFill>
-                  <a:srgbClr val="66FFCC"/>
-                </a:solidFill>
-              </a:rPr>
-              <a:t>Project Overview</a:t>
-            </a:r>
-            <a:r>
-              <a:rPr lang="en-US" sz="2800" dirty="0"/>
-              <a:t/>
-            </a:r>
-            <a:br>
-              <a:rPr lang="en-US" sz="2800" dirty="0"/>
-            </a:br>
-            <a:r>
-              <a:rPr lang="en-US" sz="2400" dirty="0"/>
-              <a:t>Jamie </a:t>
-            </a:r>
-            <a:r>
-              <a:rPr lang="en-US" sz="2400" dirty="0" smtClean="0"/>
-              <a:t>Anderson, DWR</a:t>
-            </a:r>
-            <a:endParaRPr lang="en-US" sz="2400" dirty="0"/>
-          </a:p>
-          <a:p>
-            <a:pPr>
-              <a:lnSpc>
-                <a:spcPct val="80000"/>
-              </a:lnSpc>
-              <a:spcBef>
-                <a:spcPct val="50000"/>
-              </a:spcBef>
-            </a:pPr>
-            <a:r>
-              <a:rPr lang="en-US" sz="2800" dirty="0" smtClean="0">
-                <a:solidFill>
-                  <a:srgbClr val="66FFCC"/>
-                </a:solidFill>
-              </a:rPr>
-              <a:t>Project Progress</a:t>
-            </a:r>
-            <a:r>
-              <a:rPr lang="en-US" sz="2800" dirty="0"/>
-              <a:t/>
-            </a:r>
-            <a:br>
-              <a:rPr lang="en-US" sz="2800" dirty="0"/>
-            </a:br>
-            <a:r>
-              <a:rPr lang="en-US" sz="2400" dirty="0"/>
-              <a:t>Jamie </a:t>
-            </a:r>
-            <a:r>
-              <a:rPr lang="en-US" sz="2400" dirty="0" smtClean="0"/>
-              <a:t>Anderson, DWR </a:t>
-            </a:r>
-            <a:r>
-              <a:rPr lang="en-US" sz="2400" dirty="0"/>
-              <a:t>and </a:t>
-            </a:r>
-            <a:r>
-              <a:rPr lang="en-US" sz="2400" dirty="0" smtClean="0"/>
-              <a:t/>
-            </a:r>
-            <a:br>
-              <a:rPr lang="en-US" sz="2400" dirty="0" smtClean="0"/>
-            </a:br>
-            <a:r>
-              <a:rPr lang="en-US" sz="2400" dirty="0" smtClean="0"/>
-              <a:t>Fabian </a:t>
-            </a:r>
-            <a:r>
-              <a:rPr lang="en-US" sz="2400" dirty="0"/>
-              <a:t>Bombardelli, UCD</a:t>
-            </a:r>
-          </a:p>
-          <a:p>
-            <a:pPr>
-              <a:lnSpc>
-                <a:spcPct val="80000"/>
-              </a:lnSpc>
-              <a:spcBef>
-                <a:spcPct val="50000"/>
-              </a:spcBef>
-            </a:pPr>
-            <a:r>
-              <a:rPr lang="en-US" sz="2800" dirty="0" smtClean="0">
-                <a:solidFill>
-                  <a:srgbClr val="66FFCC"/>
-                </a:solidFill>
-              </a:rPr>
-              <a:t>Issues for TAC Input </a:t>
-            </a:r>
-            <a:br>
-              <a:rPr lang="en-US" sz="2800" dirty="0" smtClean="0">
-                <a:solidFill>
-                  <a:srgbClr val="66FFCC"/>
-                </a:solidFill>
-              </a:rPr>
-            </a:br>
-            <a:r>
-              <a:rPr lang="en-US" sz="2400" dirty="0" smtClean="0"/>
-              <a:t>Fabian </a:t>
-            </a:r>
-            <a:r>
-              <a:rPr lang="en-US" sz="2400" dirty="0" err="1" smtClean="0"/>
-              <a:t>Bombardelli</a:t>
-            </a:r>
-            <a:r>
-              <a:rPr lang="en-US" sz="2400" dirty="0" smtClean="0"/>
-              <a:t>, UCD</a:t>
-            </a:r>
-            <a:endParaRPr lang="en-US" sz="2400" dirty="0"/>
-          </a:p>
-          <a:p>
-            <a:pPr>
-              <a:lnSpc>
-                <a:spcPct val="80000"/>
-              </a:lnSpc>
-              <a:spcBef>
-                <a:spcPct val="50000"/>
-              </a:spcBef>
-            </a:pPr>
-            <a:r>
-              <a:rPr lang="en-US" sz="2800" dirty="0">
-                <a:solidFill>
-                  <a:srgbClr val="66FFCC"/>
-                </a:solidFill>
-              </a:rPr>
-              <a:t>Discussion and wrap up</a:t>
-            </a:r>
-          </a:p>
-        </p:txBody>
-      </p:sp>
-      <p:sp>
-        <p:nvSpPr>
-          <p:cNvPr id="964612" name="Text Box 4"/>
-          <p:cNvSpPr txBox="1">
-            <a:spLocks noChangeArrowheads="1"/>
-          </p:cNvSpPr>
-          <p:nvPr/>
-        </p:nvSpPr>
-        <p:spPr bwMode="auto">
-          <a:xfrm>
-            <a:off x="304800" y="6019800"/>
-            <a:ext cx="8432800" cy="396875"/>
-          </a:xfrm>
-          <a:prstGeom prst="rect">
-            <a:avLst/>
-          </a:prstGeom>
-          <a:noFill/>
-          <a:ln w="9525">
-            <a:noFill/>
-            <a:miter lim="800000"/>
-            <a:headEnd/>
-            <a:tailEnd/>
-          </a:ln>
-          <a:effectLst/>
-        </p:spPr>
-        <p:txBody>
-          <a:bodyPr wrap="none">
-            <a:spAutoFit/>
-          </a:bodyPr>
-          <a:lstStyle/>
-          <a:p>
-            <a:r>
-              <a:rPr lang="en-US" sz="2000" dirty="0">
-                <a:solidFill>
-                  <a:schemeClr val="bg1"/>
-                </a:solidFill>
-              </a:rPr>
-              <a:t>FTP site for materials: </a:t>
-            </a:r>
-            <a:r>
-              <a:rPr lang="en-US" sz="2000" dirty="0">
-                <a:solidFill>
-                  <a:srgbClr val="66FFCC"/>
-                </a:solidFill>
-              </a:rPr>
-              <a:t>ftp://ftpmodeling.water.ca.gov/pub/SLR/STM_TAC/</a:t>
-            </a:r>
-          </a:p>
-        </p:txBody>
-      </p:sp>
-    </p:spTree>
-  </p:cSld>
-  <p:clrMapOvr>
-    <a:masterClrMapping/>
-  </p:clrMapOvr>
-  <p:timing>
-    <p:tnLst>
-      <p:par>
-        <p:cTn id="1" dur="indefinite" restart="never" nodeType="tmRoot"/>
-      </p:par>
-    </p:tnLst>
-  </p:timing>
-</p:sld>
-</file>
-
-<file path=ppt/slides/slide30.xml><?xml version="1.0" encoding="utf-8"?>
+<file path=ppt/slides/slide33.xml><?xml version="1.0" encoding="utf-8"?>
 <p:sld xmlns:a="http://schemas.openxmlformats.org/drawingml/2006/main" xmlns:r="http://schemas.openxmlformats.org/officeDocument/2006/relationships" xmlns:p="http://schemas.openxmlformats.org/presentationml/2006/main">
   <p:cSld>
     <p:spTree>
@@ -19011,7 +21926,7 @@
             <a:fld id="{864C2A15-AABE-4317-B848-52777A051E77}" type="slidenum">
               <a:rPr lang="en-US"/>
               <a:pPr/>
-              <a:t>30</a:t>
+              <a:t>33</a:t>
             </a:fld>
             <a:endParaRPr lang="en-US"/>
           </a:p>
@@ -19248,7 +22163,7 @@
 </p:sld>
 </file>
 
-<file path=ppt/slides/slide31.xml><?xml version="1.0" encoding="utf-8"?>
+<file path=ppt/slides/slide34.xml><?xml version="1.0" encoding="utf-8"?>
 <p:sld xmlns:a="http://schemas.openxmlformats.org/drawingml/2006/main" xmlns:r="http://schemas.openxmlformats.org/officeDocument/2006/relationships" xmlns:p="http://schemas.openxmlformats.org/presentationml/2006/main">
   <p:cSld>
     <p:spTree>
@@ -19283,7 +22198,7 @@
             <a:fld id="{C39CB0B6-6BAC-4E57-8AEB-FEBCC97281E8}" type="slidenum">
               <a:rPr lang="en-US"/>
               <a:pPr/>
-              <a:t>31</a:t>
+              <a:t>34</a:t>
             </a:fld>
             <a:endParaRPr lang="en-US"/>
           </a:p>
@@ -19536,7 +22451,7 @@
 </p:sld>
 </file>
 
-<file path=ppt/slides/slide32.xml><?xml version="1.0" encoding="utf-8"?>
+<file path=ppt/slides/slide35.xml><?xml version="1.0" encoding="utf-8"?>
 <p:sld xmlns:a="http://schemas.openxmlformats.org/drawingml/2006/main" xmlns:r="http://schemas.openxmlformats.org/officeDocument/2006/relationships" xmlns:p="http://schemas.openxmlformats.org/presentationml/2006/main">
   <p:cSld>
     <p:spTree>
@@ -19571,7 +22486,7 @@
             <a:fld id="{5DEDAFA5-204A-43C7-875A-906612C09633}" type="slidenum">
               <a:rPr lang="en-US"/>
               <a:pPr/>
-              <a:t>32</a:t>
+              <a:t>35</a:t>
             </a:fld>
             <a:endParaRPr lang="en-US"/>
           </a:p>
@@ -24452,7 +27367,7 @@
 </p:sld>
 </file>
 
-<file path=ppt/slides/slide33.xml><?xml version="1.0" encoding="utf-8"?>
+<file path=ppt/slides/slide36.xml><?xml version="1.0" encoding="utf-8"?>
 <p:sld xmlns:a="http://schemas.openxmlformats.org/drawingml/2006/main" xmlns:r="http://schemas.openxmlformats.org/officeDocument/2006/relationships" xmlns:p="http://schemas.openxmlformats.org/presentationml/2006/main">
   <p:cSld>
     <p:spTree>
@@ -24487,7 +27402,7 @@
             <a:fld id="{C3CFCA43-5663-494C-9390-1D4C8AD6C21E}" type="slidenum">
               <a:rPr lang="en-US"/>
               <a:pPr/>
-              <a:t>33</a:t>
+              <a:t>36</a:t>
             </a:fld>
             <a:endParaRPr lang="en-US"/>
           </a:p>
@@ -24991,7 +27906,7 @@
 </p:sld>
 </file>
 
-<file path=ppt/slides/slide34.xml><?xml version="1.0" encoding="utf-8"?>
+<file path=ppt/slides/slide37.xml><?xml version="1.0" encoding="utf-8"?>
 <p:sld xmlns:a="http://schemas.openxmlformats.org/drawingml/2006/main" xmlns:r="http://schemas.openxmlformats.org/officeDocument/2006/relationships" xmlns:p="http://schemas.openxmlformats.org/presentationml/2006/main">
   <p:cSld>
     <p:spTree>
@@ -25026,7 +27941,7 @@
             <a:fld id="{AD198AEC-53F0-427F-B6BB-203CCDC858CC}" type="slidenum">
               <a:rPr lang="en-US"/>
               <a:pPr/>
-              <a:t>34</a:t>
+              <a:t>37</a:t>
             </a:fld>
             <a:endParaRPr lang="en-US"/>
           </a:p>
@@ -26372,7 +29287,12 @@
             <p:ph type="body" idx="1"/>
           </p:nvPr>
         </p:nvSpPr>
-        <p:spPr/>
+        <p:spPr>
+          <a:xfrm>
+            <a:off x="457200" y="1600200"/>
+            <a:ext cx="8686800" cy="4525963"/>
+          </a:xfrm>
+        </p:spPr>
         <p:txBody>
           <a:bodyPr/>
           <a:lstStyle/>
@@ -26383,7 +29303,7 @@
               </a:lnSpc>
             </a:pPr>
             <a:r>
-              <a:rPr lang="en-US" sz="2800"/>
+              <a:rPr lang="en-US" sz="2800" dirty="0"/>
               <a:t>2 year MACHRO contract with UC Davis</a:t>
             </a:r>
           </a:p>
@@ -26397,8 +29317,24 @@
               </a:spcBef>
             </a:pPr>
             <a:r>
-              <a:rPr lang="en-US" sz="2800"/>
-              <a:t>PI Fabian Bombardelli Civil &amp; Env. Engineering</a:t>
+              <a:rPr lang="en-US" sz="2800" dirty="0"/>
+              <a:t>PI Fabian </a:t>
+            </a:r>
+            <a:r>
+              <a:rPr lang="en-US" sz="2800" dirty="0" err="1"/>
+              <a:t>Bombardelli</a:t>
+            </a:r>
+            <a:r>
+              <a:rPr lang="en-US" sz="2800" dirty="0"/>
+              <a:t> Civil &amp; </a:t>
+            </a:r>
+            <a:r>
+              <a:rPr lang="en-US" sz="2800" dirty="0" err="1"/>
+              <a:t>Env</a:t>
+            </a:r>
+            <a:r>
+              <a:rPr lang="en-US" sz="2800" dirty="0"/>
+              <a:t>. Engineering</a:t>
             </a:r>
           </a:p>
           <a:p>
@@ -26408,7 +29344,7 @@
               </a:lnSpc>
             </a:pPr>
             <a:r>
-              <a:rPr lang="en-US" sz="2400"/>
+              <a:rPr lang="en-US" sz="2400" dirty="0"/>
               <a:t>Graduate student Kaveh Zamani (modeling)</a:t>
             </a:r>
           </a:p>
@@ -26419,8 +29355,28 @@
               </a:lnSpc>
             </a:pPr>
             <a:r>
-              <a:rPr lang="en-US" sz="2400"/>
-              <a:t>Graduate student Jamie Kohne (sediment data)*</a:t>
+              <a:rPr lang="en-US" sz="2400" dirty="0"/>
+              <a:t>Graduate </a:t>
+            </a:r>
+            <a:r>
+              <a:rPr lang="en-US" sz="2400" dirty="0" smtClean="0"/>
+              <a:t>students </a:t>
+            </a:r>
+            <a:r>
+              <a:rPr lang="en-US" sz="2400" dirty="0"/>
+              <a:t>Jamie </a:t>
+            </a:r>
+            <a:r>
+              <a:rPr lang="en-US" sz="2400" dirty="0" err="1" smtClean="0"/>
+              <a:t>Kohne</a:t>
+            </a:r>
+            <a:r>
+              <a:rPr lang="en-US" sz="2400" dirty="0" smtClean="0"/>
+              <a:t> &amp; Joseph Waltz (data</a:t>
+            </a:r>
+            <a:r>
+              <a:rPr lang="en-US" sz="2400" dirty="0"/>
+              <a:t>)*</a:t>
             </a:r>
           </a:p>
           <a:p>
@@ -26433,7 +29389,7 @@
               </a:spcBef>
             </a:pPr>
             <a:r>
-              <a:rPr lang="en-US" sz="2800"/>
+              <a:rPr lang="en-US" sz="2800" dirty="0"/>
               <a:t>Project products</a:t>
             </a:r>
           </a:p>
@@ -26444,7 +29400,7 @@
               </a:lnSpc>
             </a:pPr>
             <a:r>
-              <a:rPr lang="en-US" sz="2400"/>
+              <a:rPr lang="en-US" sz="2400" dirty="0"/>
               <a:t>Web site with available sediment data in the Delta</a:t>
             </a:r>
           </a:p>
@@ -26455,7 +29411,7 @@
               </a:lnSpc>
             </a:pPr>
             <a:r>
-              <a:rPr lang="en-US" sz="2400"/>
+              <a:rPr lang="en-US" sz="2400" dirty="0"/>
               <a:t>Sediment Transport Module (STM) for DSM2</a:t>
             </a:r>
           </a:p>
@@ -26466,7 +29422,7 @@
               </a:lnSpc>
             </a:pPr>
             <a:r>
-              <a:rPr lang="en-US" sz="2000"/>
+              <a:rPr lang="en-US" sz="2000" dirty="0"/>
               <a:t>Suspended sediment and bed load</a:t>
             </a:r>
           </a:p>
@@ -26477,7 +29433,7 @@
               </a:lnSpc>
             </a:pPr>
             <a:r>
-              <a:rPr lang="en-US" sz="2000"/>
+              <a:rPr lang="en-US" sz="2000" dirty="0"/>
               <a:t>Multiple sediment class sizes</a:t>
             </a:r>
           </a:p>
@@ -26488,7 +29444,7 @@
               </a:lnSpc>
             </a:pPr>
             <a:r>
-              <a:rPr lang="en-US" sz="2000"/>
+              <a:rPr lang="en-US" sz="2000" dirty="0"/>
               <a:t>One-dimensional model</a:t>
             </a:r>
           </a:p>
@@ -27717,9 +30673,404 @@
   <p:timing>
     <p:tnLst>
       <p:par>
-        <p:cTn id="1" dur="indefinite" restart="never" nodeType="tmRoot"/>
+        <p:cTn id="1" dur="indefinite" restart="never" nodeType="tmRoot">
+          <p:childTnLst>
+            <p:seq concurrent="1" nextAc="seek">
+              <p:cTn id="2" dur="indefinite" nodeType="mainSeq">
+                <p:childTnLst>
+                  <p:par>
+                    <p:cTn id="3" fill="hold">
+                      <p:stCondLst>
+                        <p:cond delay="indefinite"/>
+                      </p:stCondLst>
+                      <p:childTnLst>
+                        <p:par>
+                          <p:cTn id="4" fill="hold">
+                            <p:stCondLst>
+                              <p:cond delay="0"/>
+                            </p:stCondLst>
+                            <p:childTnLst>
+                              <p:par>
+                                <p:cTn id="5" presetID="1" presetClass="entr" presetSubtype="0" fill="hold" grpId="0" nodeType="clickEffect">
+                                  <p:stCondLst>
+                                    <p:cond delay="0"/>
+                                  </p:stCondLst>
+                                  <p:childTnLst>
+                                    <p:set>
+                                      <p:cBhvr>
+                                        <p:cTn id="6" dur="1" fill="hold">
+                                          <p:stCondLst>
+                                            <p:cond delay="0"/>
+                                          </p:stCondLst>
+                                        </p:cTn>
+                                        <p:tgtEl>
+                                          <p:spTgt spid="963587">
+                                            <p:txEl>
+                                              <p:pRg st="0" end="0"/>
+                                            </p:txEl>
+                                          </p:spTgt>
+                                        </p:tgtEl>
+                                        <p:attrNameLst>
+                                          <p:attrName>style.visibility</p:attrName>
+                                        </p:attrNameLst>
+                                      </p:cBhvr>
+                                      <p:to>
+                                        <p:strVal val="visible"/>
+                                      </p:to>
+                                    </p:set>
+                                  </p:childTnLst>
+                                </p:cTn>
+                              </p:par>
+                              <p:par>
+                                <p:cTn id="7" presetID="1" presetClass="entr" presetSubtype="0" fill="hold" grpId="0" nodeType="withEffect">
+                                  <p:stCondLst>
+                                    <p:cond delay="0"/>
+                                  </p:stCondLst>
+                                  <p:childTnLst>
+                                    <p:set>
+                                      <p:cBhvr>
+                                        <p:cTn id="8" dur="1" fill="hold">
+                                          <p:stCondLst>
+                                            <p:cond delay="0"/>
+                                          </p:stCondLst>
+                                        </p:cTn>
+                                        <p:tgtEl>
+                                          <p:spTgt spid="963587">
+                                            <p:txEl>
+                                              <p:pRg st="1" end="1"/>
+                                            </p:txEl>
+                                          </p:spTgt>
+                                        </p:tgtEl>
+                                        <p:attrNameLst>
+                                          <p:attrName>style.visibility</p:attrName>
+                                        </p:attrNameLst>
+                                      </p:cBhvr>
+                                      <p:to>
+                                        <p:strVal val="visible"/>
+                                      </p:to>
+                                    </p:set>
+                                  </p:childTnLst>
+                                </p:cTn>
+                              </p:par>
+                            </p:childTnLst>
+                          </p:cTn>
+                        </p:par>
+                      </p:childTnLst>
+                    </p:cTn>
+                  </p:par>
+                  <p:par>
+                    <p:cTn id="9" fill="hold">
+                      <p:stCondLst>
+                        <p:cond delay="indefinite"/>
+                      </p:stCondLst>
+                      <p:childTnLst>
+                        <p:par>
+                          <p:cTn id="10" fill="hold">
+                            <p:stCondLst>
+                              <p:cond delay="0"/>
+                            </p:stCondLst>
+                            <p:childTnLst>
+                              <p:par>
+                                <p:cTn id="11" presetID="1" presetClass="entr" presetSubtype="0" fill="hold" grpId="0" nodeType="clickEffect">
+                                  <p:stCondLst>
+                                    <p:cond delay="0"/>
+                                  </p:stCondLst>
+                                  <p:childTnLst>
+                                    <p:set>
+                                      <p:cBhvr>
+                                        <p:cTn id="12" dur="1" fill="hold">
+                                          <p:stCondLst>
+                                            <p:cond delay="0"/>
+                                          </p:stCondLst>
+                                        </p:cTn>
+                                        <p:tgtEl>
+                                          <p:spTgt spid="963587">
+                                            <p:txEl>
+                                              <p:pRg st="2" end="2"/>
+                                            </p:txEl>
+                                          </p:spTgt>
+                                        </p:tgtEl>
+                                        <p:attrNameLst>
+                                          <p:attrName>style.visibility</p:attrName>
+                                        </p:attrNameLst>
+                                      </p:cBhvr>
+                                      <p:to>
+                                        <p:strVal val="visible"/>
+                                      </p:to>
+                                    </p:set>
+                                  </p:childTnLst>
+                                </p:cTn>
+                              </p:par>
+                            </p:childTnLst>
+                          </p:cTn>
+                        </p:par>
+                      </p:childTnLst>
+                    </p:cTn>
+                  </p:par>
+                  <p:par>
+                    <p:cTn id="13" fill="hold">
+                      <p:stCondLst>
+                        <p:cond delay="indefinite"/>
+                      </p:stCondLst>
+                      <p:childTnLst>
+                        <p:par>
+                          <p:cTn id="14" fill="hold">
+                            <p:stCondLst>
+                              <p:cond delay="0"/>
+                            </p:stCondLst>
+                            <p:childTnLst>
+                              <p:par>
+                                <p:cTn id="15" presetID="1" presetClass="entr" presetSubtype="0" fill="hold" grpId="0" nodeType="clickEffect">
+                                  <p:stCondLst>
+                                    <p:cond delay="0"/>
+                                  </p:stCondLst>
+                                  <p:childTnLst>
+                                    <p:set>
+                                      <p:cBhvr>
+                                        <p:cTn id="16" dur="1" fill="hold">
+                                          <p:stCondLst>
+                                            <p:cond delay="0"/>
+                                          </p:stCondLst>
+                                        </p:cTn>
+                                        <p:tgtEl>
+                                          <p:spTgt spid="963587">
+                                            <p:txEl>
+                                              <p:pRg st="3" end="3"/>
+                                            </p:txEl>
+                                          </p:spTgt>
+                                        </p:tgtEl>
+                                        <p:attrNameLst>
+                                          <p:attrName>style.visibility</p:attrName>
+                                        </p:attrNameLst>
+                                      </p:cBhvr>
+                                      <p:to>
+                                        <p:strVal val="visible"/>
+                                      </p:to>
+                                    </p:set>
+                                  </p:childTnLst>
+                                </p:cTn>
+                              </p:par>
+                            </p:childTnLst>
+                          </p:cTn>
+                        </p:par>
+                      </p:childTnLst>
+                    </p:cTn>
+                  </p:par>
+                  <p:par>
+                    <p:cTn id="17" fill="hold">
+                      <p:stCondLst>
+                        <p:cond delay="indefinite"/>
+                      </p:stCondLst>
+                      <p:childTnLst>
+                        <p:par>
+                          <p:cTn id="18" fill="hold">
+                            <p:stCondLst>
+                              <p:cond delay="0"/>
+                            </p:stCondLst>
+                            <p:childTnLst>
+                              <p:par>
+                                <p:cTn id="19" presetID="1" presetClass="entr" presetSubtype="0" fill="hold" grpId="0" nodeType="clickEffect">
+                                  <p:stCondLst>
+                                    <p:cond delay="0"/>
+                                  </p:stCondLst>
+                                  <p:childTnLst>
+                                    <p:set>
+                                      <p:cBhvr>
+                                        <p:cTn id="20" dur="1" fill="hold">
+                                          <p:stCondLst>
+                                            <p:cond delay="0"/>
+                                          </p:stCondLst>
+                                        </p:cTn>
+                                        <p:tgtEl>
+                                          <p:spTgt spid="963587">
+                                            <p:txEl>
+                                              <p:pRg st="4" end="4"/>
+                                            </p:txEl>
+                                          </p:spTgt>
+                                        </p:tgtEl>
+                                        <p:attrNameLst>
+                                          <p:attrName>style.visibility</p:attrName>
+                                        </p:attrNameLst>
+                                      </p:cBhvr>
+                                      <p:to>
+                                        <p:strVal val="visible"/>
+                                      </p:to>
+                                    </p:set>
+                                  </p:childTnLst>
+                                </p:cTn>
+                              </p:par>
+                              <p:par>
+                                <p:cTn id="21" presetID="1" presetClass="entr" presetSubtype="0" fill="hold" grpId="0" nodeType="withEffect">
+                                  <p:stCondLst>
+                                    <p:cond delay="0"/>
+                                  </p:stCondLst>
+                                  <p:childTnLst>
+                                    <p:set>
+                                      <p:cBhvr>
+                                        <p:cTn id="22" dur="1" fill="hold">
+                                          <p:stCondLst>
+                                            <p:cond delay="0"/>
+                                          </p:stCondLst>
+                                        </p:cTn>
+                                        <p:tgtEl>
+                                          <p:spTgt spid="963587">
+                                            <p:txEl>
+                                              <p:pRg st="5" end="5"/>
+                                            </p:txEl>
+                                          </p:spTgt>
+                                        </p:tgtEl>
+                                        <p:attrNameLst>
+                                          <p:attrName>style.visibility</p:attrName>
+                                        </p:attrNameLst>
+                                      </p:cBhvr>
+                                      <p:to>
+                                        <p:strVal val="visible"/>
+                                      </p:to>
+                                    </p:set>
+                                  </p:childTnLst>
+                                </p:cTn>
+                              </p:par>
+                              <p:par>
+                                <p:cTn id="23" presetID="1" presetClass="entr" presetSubtype="0" fill="hold" grpId="0" nodeType="withEffect">
+                                  <p:stCondLst>
+                                    <p:cond delay="0"/>
+                                  </p:stCondLst>
+                                  <p:childTnLst>
+                                    <p:set>
+                                      <p:cBhvr>
+                                        <p:cTn id="24" dur="1" fill="hold">
+                                          <p:stCondLst>
+                                            <p:cond delay="0"/>
+                                          </p:stCondLst>
+                                        </p:cTn>
+                                        <p:tgtEl>
+                                          <p:spTgt spid="963587">
+                                            <p:txEl>
+                                              <p:pRg st="6" end="6"/>
+                                            </p:txEl>
+                                          </p:spTgt>
+                                        </p:tgtEl>
+                                        <p:attrNameLst>
+                                          <p:attrName>style.visibility</p:attrName>
+                                        </p:attrNameLst>
+                                      </p:cBhvr>
+                                      <p:to>
+                                        <p:strVal val="visible"/>
+                                      </p:to>
+                                    </p:set>
+                                  </p:childTnLst>
+                                </p:cTn>
+                              </p:par>
+                              <p:par>
+                                <p:cTn id="25" presetID="1" presetClass="entr" presetSubtype="0" fill="hold" grpId="0" nodeType="withEffect">
+                                  <p:stCondLst>
+                                    <p:cond delay="0"/>
+                                  </p:stCondLst>
+                                  <p:childTnLst>
+                                    <p:set>
+                                      <p:cBhvr>
+                                        <p:cTn id="26" dur="1" fill="hold">
+                                          <p:stCondLst>
+                                            <p:cond delay="0"/>
+                                          </p:stCondLst>
+                                        </p:cTn>
+                                        <p:tgtEl>
+                                          <p:spTgt spid="963587">
+                                            <p:txEl>
+                                              <p:pRg st="7" end="7"/>
+                                            </p:txEl>
+                                          </p:spTgt>
+                                        </p:tgtEl>
+                                        <p:attrNameLst>
+                                          <p:attrName>style.visibility</p:attrName>
+                                        </p:attrNameLst>
+                                      </p:cBhvr>
+                                      <p:to>
+                                        <p:strVal val="visible"/>
+                                      </p:to>
+                                    </p:set>
+                                  </p:childTnLst>
+                                </p:cTn>
+                              </p:par>
+                            </p:childTnLst>
+                          </p:cTn>
+                        </p:par>
+                      </p:childTnLst>
+                    </p:cTn>
+                  </p:par>
+                  <p:par>
+                    <p:cTn id="27" fill="hold">
+                      <p:stCondLst>
+                        <p:cond delay="indefinite"/>
+                      </p:stCondLst>
+                      <p:childTnLst>
+                        <p:par>
+                          <p:cTn id="28" fill="hold">
+                            <p:stCondLst>
+                              <p:cond delay="0"/>
+                            </p:stCondLst>
+                            <p:childTnLst>
+                              <p:par>
+                                <p:cTn id="29" presetID="1" presetClass="entr" presetSubtype="0" fill="hold" grpId="0" nodeType="clickEffect">
+                                  <p:stCondLst>
+                                    <p:cond delay="0"/>
+                                  </p:stCondLst>
+                                  <p:childTnLst>
+                                    <p:set>
+                                      <p:cBhvr>
+                                        <p:cTn id="30" dur="1" fill="hold">
+                                          <p:stCondLst>
+                                            <p:cond delay="0"/>
+                                          </p:stCondLst>
+                                        </p:cTn>
+                                        <p:tgtEl>
+                                          <p:spTgt spid="963587">
+                                            <p:txEl>
+                                              <p:pRg st="8" end="8"/>
+                                            </p:txEl>
+                                          </p:spTgt>
+                                        </p:tgtEl>
+                                        <p:attrNameLst>
+                                          <p:attrName>style.visibility</p:attrName>
+                                        </p:attrNameLst>
+                                      </p:cBhvr>
+                                      <p:to>
+                                        <p:strVal val="visible"/>
+                                      </p:to>
+                                    </p:set>
+                                  </p:childTnLst>
+                                </p:cTn>
+                              </p:par>
+                            </p:childTnLst>
+                          </p:cTn>
+                        </p:par>
+                      </p:childTnLst>
+                    </p:cTn>
+                  </p:par>
+                </p:childTnLst>
+              </p:cTn>
+              <p:prevCondLst>
+                <p:cond evt="onPrev" delay="0">
+                  <p:tgtEl>
+                    <p:sldTgt/>
+                  </p:tgtEl>
+                </p:cond>
+              </p:prevCondLst>
+              <p:nextCondLst>
+                <p:cond evt="onNext" delay="0">
+                  <p:tgtEl>
+                    <p:sldTgt/>
+                  </p:tgtEl>
+                </p:cond>
+              </p:nextCondLst>
+            </p:seq>
+          </p:childTnLst>
+        </p:cTn>
       </p:par>
     </p:tnLst>
+    <p:bldLst>
+      <p:bldP spid="963587" grpId="0" build="p"/>
+    </p:bldLst>
   </p:timing>
 </p:sld>
 </file>
